--- a/static/lectures/SSA_Lecture8_AbundanceProjections.pptx
+++ b/static/lectures/SSA_Lecture8_AbundanceProjections.pptx
@@ -218,7 +218,7 @@
           <a:p>
             <a:fld id="{CAB46FC9-6775-477C-B73E-2C6E6A40C0B5}" type="datetimeFigureOut">
               <a:rPr lang="en-US" smtClean="0"/>
-              <a:t>10/23/2018</a:t>
+              <a:t>12/11/2018</a:t>
             </a:fld>
             <a:endParaRPr lang="en-US"/>
           </a:p>
@@ -1169,25 +1169,7 @@
                 <a:cs typeface="Times New Roman"/>
                 <a:sym typeface="Times New Roman"/>
               </a:rPr>
-              <a:t>Exponential: </a:t>
-            </a:r>
-            <a:r>
-              <a:rPr lang="en-US" sz="2000" dirty="0" err="1">
-                <a:latin typeface="Times New Roman"/>
-                <a:ea typeface="Times New Roman"/>
-                <a:cs typeface="Times New Roman"/>
-                <a:sym typeface="Times New Roman"/>
-              </a:rPr>
-              <a:t>N</a:t>
-            </a:r>
-            <a:r>
-              <a:rPr lang="en-US" sz="1100" dirty="0" err="1">
-                <a:latin typeface="Times New Roman"/>
-                <a:ea typeface="Times New Roman"/>
-                <a:cs typeface="Times New Roman"/>
-                <a:sym typeface="Times New Roman"/>
-              </a:rPr>
-              <a:t>t</a:t>
+              <a:t>Exponential: N</a:t>
             </a:r>
             <a:r>
               <a:rPr lang="en-US" sz="1100" dirty="0">
@@ -1196,7 +1178,7 @@
                 <a:cs typeface="Times New Roman"/>
                 <a:sym typeface="Times New Roman"/>
               </a:rPr>
-              <a:t> = </a:t>
+              <a:t>t = </a:t>
             </a:r>
             <a:r>
               <a:rPr lang="en-US" sz="2000" dirty="0">
@@ -2975,7 +2957,7 @@
           <a:p>
             <a:fld id="{96DCDAD2-BF2B-4B23-962D-FA09F549519F}" type="datetimeFigureOut">
               <a:rPr lang="en-US" smtClean="0"/>
-              <a:t>10/23/2018</a:t>
+              <a:t>12/11/2018</a:t>
             </a:fld>
             <a:endParaRPr lang="en-US"/>
           </a:p>
@@ -3199,7 +3181,7 @@
           <a:p>
             <a:fld id="{96DCDAD2-BF2B-4B23-962D-FA09F549519F}" type="datetimeFigureOut">
               <a:rPr lang="en-US" smtClean="0"/>
-              <a:t>10/23/2018</a:t>
+              <a:t>12/11/2018</a:t>
             </a:fld>
             <a:endParaRPr lang="en-US"/>
           </a:p>
@@ -4094,7 +4076,7 @@
           <a:p>
             <a:fld id="{96DCDAD2-BF2B-4B23-962D-FA09F549519F}" type="datetimeFigureOut">
               <a:rPr lang="en-US" smtClean="0"/>
-              <a:t>10/23/2018</a:t>
+              <a:t>12/11/2018</a:t>
             </a:fld>
             <a:endParaRPr lang="en-US"/>
           </a:p>
@@ -4375,7 +4357,7 @@
           <a:p>
             <a:fld id="{96DCDAD2-BF2B-4B23-962D-FA09F549519F}" type="datetimeFigureOut">
               <a:rPr lang="en-US" smtClean="0"/>
-              <a:t>10/23/2018</a:t>
+              <a:t>12/11/2018</a:t>
             </a:fld>
             <a:endParaRPr lang="en-US"/>
           </a:p>
@@ -4803,7 +4785,7 @@
           <a:p>
             <a:fld id="{96DCDAD2-BF2B-4B23-962D-FA09F549519F}" type="datetimeFigureOut">
               <a:rPr lang="en-US" smtClean="0"/>
-              <a:t>10/23/2018</a:t>
+              <a:t>12/11/2018</a:t>
             </a:fld>
             <a:endParaRPr lang="en-US"/>
           </a:p>
@@ -4960,7 +4942,7 @@
           <a:p>
             <a:fld id="{96DCDAD2-BF2B-4B23-962D-FA09F549519F}" type="datetimeFigureOut">
               <a:rPr lang="en-US" smtClean="0"/>
-              <a:t>10/23/2018</a:t>
+              <a:t>12/11/2018</a:t>
             </a:fld>
             <a:endParaRPr lang="en-US"/>
           </a:p>
@@ -5089,7 +5071,7 @@
           <a:p>
             <a:fld id="{96DCDAD2-BF2B-4B23-962D-FA09F549519F}" type="datetimeFigureOut">
               <a:rPr lang="en-US" smtClean="0"/>
-              <a:t>10/23/2018</a:t>
+              <a:t>12/11/2018</a:t>
             </a:fld>
             <a:endParaRPr lang="en-US"/>
           </a:p>
@@ -5416,7 +5398,7 @@
           <a:p>
             <a:fld id="{96DCDAD2-BF2B-4B23-962D-FA09F549519F}" type="datetimeFigureOut">
               <a:rPr lang="en-US" smtClean="0"/>
-              <a:t>10/23/2018</a:t>
+              <a:t>12/11/2018</a:t>
             </a:fld>
             <a:endParaRPr lang="en-US"/>
           </a:p>
@@ -5723,7 +5705,7 @@
           <a:p>
             <a:fld id="{96DCDAD2-BF2B-4B23-962D-FA09F549519F}" type="datetimeFigureOut">
               <a:rPr lang="en-US" smtClean="0"/>
-              <a:t>10/23/2018</a:t>
+              <a:t>12/11/2018</a:t>
             </a:fld>
             <a:endParaRPr lang="en-US"/>
           </a:p>
@@ -7819,19 +7801,7 @@
               <a:rPr lang="en-US" dirty="0">
                 <a:sym typeface="Times New Roman"/>
               </a:rPr>
-              <a:t>Nt+1 = </a:t>
-            </a:r>
-            <a:r>
-              <a:rPr lang="en-US" dirty="0" err="1">
-                <a:sym typeface="Times New Roman"/>
-              </a:rPr>
-              <a:t>Nt</a:t>
-            </a:r>
-            <a:r>
-              <a:rPr lang="en-US" dirty="0">
-                <a:sym typeface="Times New Roman"/>
-              </a:rPr>
-              <a:t> </a:t>
+              <a:t>Nt+1 = Nt </a:t>
             </a:r>
             <a:r>
               <a:rPr lang="el-GR" dirty="0">
@@ -7859,19 +7829,7 @@
               <a:rPr lang="en-US" dirty="0">
                 <a:sym typeface="Times New Roman"/>
               </a:rPr>
-              <a:t>Nt+1 = (</a:t>
-            </a:r>
-            <a:r>
-              <a:rPr lang="en-US" dirty="0" err="1">
-                <a:sym typeface="Times New Roman"/>
-              </a:rPr>
-              <a:t>Nt</a:t>
-            </a:r>
-            <a:r>
-              <a:rPr lang="en-US" dirty="0">
-                <a:sym typeface="Times New Roman"/>
-              </a:rPr>
-              <a:t> – Tt) </a:t>
+              <a:t>Nt+1 = (Nt – Tt) </a:t>
             </a:r>
             <a:r>
               <a:rPr lang="el-GR" dirty="0">
@@ -11697,6 +11655,14 @@
   <p:clrMapOvr>
     <a:masterClrMapping/>
   </p:clrMapOvr>
+  <mc:AlternateContent xmlns:mc="http://schemas.openxmlformats.org/markup-compatibility/2006">
+    <mc:Choice xmlns:p14="http://schemas.microsoft.com/office/powerpoint/2010/main" Requires="p14">
+      <p:transition spd="slow" p14:dur="2000"/>
+    </mc:Choice>
+    <mc:Fallback>
+      <p:transition spd="slow"/>
+    </mc:Fallback>
+  </mc:AlternateContent>
 </p:sld>
 </file>
 
@@ -12125,7 +12091,7 @@
 </file>
 
 <file path=ppt/slides/slide3.xml><?xml version="1.0" encoding="utf-8"?>
-<p:sld xmlns:a="http://schemas.openxmlformats.org/drawingml/2006/main" xmlns:r="http://schemas.openxmlformats.org/officeDocument/2006/relationships" xmlns:p="http://schemas.openxmlformats.org/presentationml/2006/main">
+<p:sld xmlns:a="http://schemas.openxmlformats.org/drawingml/2006/main" xmlns:r="http://schemas.openxmlformats.org/officeDocument/2006/relationships" xmlns:p="http://schemas.openxmlformats.org/presentationml/2006/main" show="0">
   <p:cSld>
     <p:spTree>
       <p:nvGrpSpPr>
@@ -12295,6 +12261,14 @@
   <p:clrMapOvr>
     <a:masterClrMapping/>
   </p:clrMapOvr>
+  <mc:AlternateContent xmlns:mc="http://schemas.openxmlformats.org/markup-compatibility/2006">
+    <mc:Choice xmlns:p14="http://schemas.microsoft.com/office/powerpoint/2010/main" Requires="p14">
+      <p:transition spd="slow" p14:dur="2000"/>
+    </mc:Choice>
+    <mc:Fallback>
+      <p:transition spd="slow"/>
+    </mc:Fallback>
+  </mc:AlternateContent>
 </p:sld>
 </file>
 
@@ -12737,7 +12711,7 @@
           <a:p>
             <a:pPr lvl="0"/>
             <a:r>
-              <a:rPr lang="en-US">
+              <a:rPr lang="en-US" dirty="0">
                 <a:sym typeface="Times New Roman"/>
               </a:rPr>
               <a:t>Exponential growth, when growth in continuous across time</a:t>
@@ -12746,55 +12720,139 @@
           <a:p>
             <a:pPr lvl="0"/>
             <a:r>
-              <a:rPr lang="en-US">
+              <a:rPr lang="en-US" dirty="0">
                 <a:sym typeface="Times New Roman"/>
               </a:rPr>
-              <a:t>	dN/dt= rN - rate of change </a:t>
+              <a:t>	</a:t>
+            </a:r>
+            <a:r>
+              <a:rPr lang="en-US" dirty="0" err="1">
+                <a:sym typeface="Times New Roman"/>
+              </a:rPr>
+              <a:t>dN</a:t>
+            </a:r>
+            <a:r>
+              <a:rPr lang="en-US" dirty="0">
+                <a:sym typeface="Times New Roman"/>
+              </a:rPr>
+              <a:t>/</a:t>
+            </a:r>
+            <a:r>
+              <a:rPr lang="en-US" dirty="0" err="1">
+                <a:sym typeface="Times New Roman"/>
+              </a:rPr>
+              <a:t>dt</a:t>
+            </a:r>
+            <a:r>
+              <a:rPr lang="en-US" dirty="0">
+                <a:sym typeface="Times New Roman"/>
+              </a:rPr>
+              <a:t>= </a:t>
+            </a:r>
+            <a:r>
+              <a:rPr lang="en-US" dirty="0" err="1">
+                <a:sym typeface="Times New Roman"/>
+              </a:rPr>
+              <a:t>rN</a:t>
+            </a:r>
+            <a:r>
+              <a:rPr lang="en-US" dirty="0">
+                <a:sym typeface="Times New Roman"/>
+              </a:rPr>
+              <a:t> - rate of change </a:t>
             </a:r>
           </a:p>
           <a:p>
             <a:pPr lvl="0"/>
-            <a:endParaRPr lang="en-US">
+            <a:endParaRPr lang="en-US" dirty="0">
               <a:sym typeface="Times New Roman"/>
             </a:endParaRPr>
           </a:p>
           <a:p>
             <a:pPr lvl="0"/>
             <a:r>
-              <a:rPr lang="en-US">
+              <a:rPr lang="en-US" dirty="0">
                 <a:sym typeface="Times New Roman"/>
               </a:rPr>
-              <a:t>	Nt= Noe^rt    - calculating population size by integration</a:t>
+              <a:t>	N</a:t>
+            </a:r>
+            <a:r>
+              <a:rPr lang="en-US" baseline="-25000" dirty="0">
+                <a:sym typeface="Times New Roman"/>
+              </a:rPr>
+              <a:t>t</a:t>
+            </a:r>
+            <a:r>
+              <a:rPr lang="en-US" dirty="0">
+                <a:sym typeface="Times New Roman"/>
+              </a:rPr>
+              <a:t>= </a:t>
+            </a:r>
+            <a:r>
+              <a:rPr lang="en-US" dirty="0" smtClean="0">
+                <a:sym typeface="Times New Roman"/>
+              </a:rPr>
+              <a:t>N</a:t>
+            </a:r>
+            <a:r>
+              <a:rPr lang="en-US" baseline="-25000" dirty="0" smtClean="0">
+                <a:sym typeface="Times New Roman"/>
+              </a:rPr>
+              <a:t>o</a:t>
+            </a:r>
+            <a:r>
+              <a:rPr lang="en-US" dirty="0" smtClean="0">
+                <a:sym typeface="Times New Roman"/>
+              </a:rPr>
+              <a:t>e</a:t>
+            </a:r>
+            <a:r>
+              <a:rPr lang="en-US" baseline="30000" dirty="0" smtClean="0">
+                <a:sym typeface="Times New Roman"/>
+              </a:rPr>
+              <a:t>rt</a:t>
+            </a:r>
+            <a:r>
+              <a:rPr lang="en-US" dirty="0" smtClean="0">
+                <a:sym typeface="Times New Roman"/>
+              </a:rPr>
+              <a:t>    </a:t>
+            </a:r>
+            <a:r>
+              <a:rPr lang="en-US" dirty="0">
+                <a:sym typeface="Times New Roman"/>
+              </a:rPr>
+              <a:t>- calculating population size by integration</a:t>
             </a:r>
           </a:p>
           <a:p>
             <a:pPr lvl="0"/>
-            <a:endParaRPr lang="en-US">
+            <a:endParaRPr lang="en-US" dirty="0">
               <a:sym typeface="Times New Roman"/>
             </a:endParaRPr>
           </a:p>
           <a:p>
             <a:pPr lvl="0"/>
-            <a:endParaRPr lang="en-US">
+            <a:endParaRPr lang="en-US" dirty="0">
               <a:sym typeface="Times New Roman"/>
             </a:endParaRPr>
           </a:p>
           <a:p>
             <a:pPr lvl="0"/>
-            <a:endParaRPr lang="en-US">
+            <a:endParaRPr lang="en-US" dirty="0">
               <a:sym typeface="Times New Roman"/>
             </a:endParaRPr>
           </a:p>
           <a:p>
             <a:pPr lvl="0"/>
-            <a:endParaRPr lang="en-US">
+            <a:endParaRPr lang="en-US" dirty="0">
               <a:sym typeface="Times New Roman"/>
             </a:endParaRPr>
           </a:p>
           <a:p>
             <a:pPr lvl="0"/>
             <a:r>
-              <a:rPr lang="en-US">
+              <a:rPr lang="en-US" dirty="0">
                 <a:sym typeface="Times New Roman"/>
               </a:rPr>
               <a:t>r is the growth rate of the population over time interval t</a:t>
@@ -12802,7 +12860,7 @@
           </a:p>
           <a:p>
             <a:pPr lvl="0"/>
-            <a:endParaRPr lang="en-US">
+            <a:endParaRPr lang="en-US" dirty="0">
               <a:sym typeface="Times New Roman"/>
             </a:endParaRPr>
           </a:p>
@@ -13578,8 +13636,8 @@
           </a:p>
         </p:txBody>
       </p:sp>
-      <mc:AlternateContent xmlns:mc="http://schemas.openxmlformats.org/markup-compatibility/2006">
-        <mc:Choice xmlns:a14="http://schemas.microsoft.com/office/drawing/2010/main" Requires="a14">
+      <mc:AlternateContent xmlns:mc="http://schemas.openxmlformats.org/markup-compatibility/2006" xmlns:a14="http://schemas.microsoft.com/office/drawing/2010/main">
+        <mc:Choice Requires="a14">
           <p:sp>
             <p:nvSpPr>
               <p:cNvPr id="121" name="Google Shape;121;p17"/>
@@ -13635,17 +13693,8 @@
                   <a:rPr lang="en-US" dirty="0">
                     <a:sym typeface="Times New Roman"/>
                   </a:rPr>
-                  <a:t>t =Nt+1 /</a:t>
+                  <a:t>t =Nt+1 /Nt</a:t>
                 </a:r>
-                <a:r>
-                  <a:rPr lang="en-US" dirty="0" err="1">
-                    <a:sym typeface="Times New Roman"/>
-                  </a:rPr>
-                  <a:t>Nt</a:t>
-                </a:r>
-                <a:endParaRPr lang="en-US" dirty="0">
-                  <a:sym typeface="Times New Roman"/>
-                </a:endParaRPr>
               </a:p>
               <a:p>
                 <a:pPr marL="101598" lvl="0" indent="0">
@@ -13663,7 +13712,8 @@
                       <m:accPr>
                         <m:chr m:val="̅"/>
                         <m:ctrlPr>
-                          <a:rPr lang="ar-AE" smtClean="0">
+                          <a:rPr lang="ar-AE" i="1" smtClean="0">
+                            <a:latin typeface="Cambria Math" panose="02040503050406030204" pitchFamily="18" charset="0"/>
                             <a:sym typeface="Times New Roman"/>
                           </a:rPr>
                         </m:ctrlPr>
@@ -13674,6 +13724,7 @@
                             <m:sty m:val="p"/>
                           </m:rPr>
                           <a:rPr lang="el-GR" smtClean="0">
+                            <a:latin typeface="Cambria Math" panose="02040503050406030204" pitchFamily="18" charset="0"/>
                             <a:sym typeface="Times New Roman"/>
                           </a:rPr>
                           <m:t>λ</m:t>
@@ -13682,6 +13733,7 @@
                     </m:acc>
                     <m:r>
                       <a:rPr lang="ar-AE" smtClean="0">
+                        <a:latin typeface="Cambria Math" panose="02040503050406030204" pitchFamily="18" charset="0"/>
                         <a:sym typeface="Times New Roman"/>
                       </a:rPr>
                       <m:t>=</m:t>
@@ -13689,7 +13741,8 @@
                     <m:rad>
                       <m:radPr>
                         <m:ctrlPr>
-                          <a:rPr lang="ar-AE" smtClean="0">
+                          <a:rPr lang="ar-AE" i="1" smtClean="0">
+                            <a:latin typeface="Cambria Math" panose="02040503050406030204" pitchFamily="18" charset="0"/>
                             <a:sym typeface="Times New Roman"/>
                           </a:rPr>
                         </m:ctrlPr>
@@ -13700,6 +13753,7 @@
                             <m:brk m:alnAt="7"/>
                           </m:rPr>
                           <a:rPr lang="ar-AE" smtClean="0">
+                            <a:latin typeface="Cambria Math" panose="02040503050406030204" pitchFamily="18" charset="0"/>
                             <a:sym typeface="Times New Roman"/>
                           </a:rPr>
                           <m:t>𝑦</m:t>
@@ -13744,6 +13798,7 @@
                         </m:r>
                         <m:r>
                           <a:rPr lang="en-US" smtClean="0">
+                            <a:latin typeface="Cambria Math" panose="02040503050406030204" pitchFamily="18" charset="0"/>
                             <a:sym typeface="Times New Roman"/>
                           </a:rPr>
                           <m:t>×</m:t>
@@ -13786,12 +13841,14 @@
                         </m:r>
                         <m:r>
                           <a:rPr lang="en-US">
+                            <a:latin typeface="Cambria Math" panose="02040503050406030204" pitchFamily="18" charset="0"/>
                             <a:sym typeface="Times New Roman"/>
                           </a:rPr>
                           <m:t>×</m:t>
                         </m:r>
                         <m:r>
                           <a:rPr lang="en-US" smtClean="0">
+                            <a:latin typeface="Cambria Math" panose="02040503050406030204" pitchFamily="18" charset="0"/>
                             <a:sym typeface="Times New Roman"/>
                           </a:rPr>
                           <m:t>…</m:t>
@@ -13825,6 +13882,7 @@
                         </m:r>
                         <m:r>
                           <a:rPr lang="en-US" dirty="0" smtClean="0">
+                            <a:latin typeface="Cambria Math" panose="02040503050406030204" pitchFamily="18" charset="0"/>
                             <a:sym typeface="Times New Roman"/>
                           </a:rPr>
                           <m:t>𝑦</m:t>
@@ -13900,7 +13958,7 @@
             </p:txBody>
           </p:sp>
         </mc:Choice>
-        <mc:Fallback>
+        <mc:Fallback xmlns="">
           <p:sp>
             <p:nvSpPr>
               <p:cNvPr id="121" name="Google Shape;121;p17"/>

--- a/static/lectures/SSA_Lecture8_AbundanceProjections.pptx
+++ b/static/lectures/SSA_Lecture8_AbundanceProjections.pptx
@@ -5,31 +5,30 @@
     <p:sldMasterId id="2147483648" r:id="rId1"/>
   </p:sldMasterIdLst>
   <p:notesMasterIdLst>
-    <p:notesMasterId r:id="rId24"/>
+    <p:notesMasterId r:id="rId23"/>
   </p:notesMasterIdLst>
   <p:sldIdLst>
     <p:sldId id="258" r:id="rId2"/>
     <p:sldId id="259" r:id="rId3"/>
-    <p:sldId id="260" r:id="rId4"/>
-    <p:sldId id="261" r:id="rId5"/>
-    <p:sldId id="266" r:id="rId6"/>
-    <p:sldId id="278" r:id="rId7"/>
-    <p:sldId id="279" r:id="rId8"/>
-    <p:sldId id="280" r:id="rId9"/>
-    <p:sldId id="281" r:id="rId10"/>
-    <p:sldId id="282" r:id="rId11"/>
-    <p:sldId id="262" r:id="rId12"/>
-    <p:sldId id="283" r:id="rId13"/>
-    <p:sldId id="284" r:id="rId14"/>
-    <p:sldId id="285" r:id="rId15"/>
-    <p:sldId id="263" r:id="rId16"/>
-    <p:sldId id="265" r:id="rId17"/>
-    <p:sldId id="286" r:id="rId18"/>
-    <p:sldId id="267" r:id="rId19"/>
-    <p:sldId id="268" r:id="rId20"/>
-    <p:sldId id="277" r:id="rId21"/>
-    <p:sldId id="274" r:id="rId22"/>
-    <p:sldId id="257" r:id="rId23"/>
+    <p:sldId id="261" r:id="rId4"/>
+    <p:sldId id="266" r:id="rId5"/>
+    <p:sldId id="278" r:id="rId6"/>
+    <p:sldId id="279" r:id="rId7"/>
+    <p:sldId id="280" r:id="rId8"/>
+    <p:sldId id="281" r:id="rId9"/>
+    <p:sldId id="282" r:id="rId10"/>
+    <p:sldId id="262" r:id="rId11"/>
+    <p:sldId id="283" r:id="rId12"/>
+    <p:sldId id="284" r:id="rId13"/>
+    <p:sldId id="285" r:id="rId14"/>
+    <p:sldId id="263" r:id="rId15"/>
+    <p:sldId id="265" r:id="rId16"/>
+    <p:sldId id="286" r:id="rId17"/>
+    <p:sldId id="267" r:id="rId18"/>
+    <p:sldId id="268" r:id="rId19"/>
+    <p:sldId id="277" r:id="rId20"/>
+    <p:sldId id="274" r:id="rId21"/>
+    <p:sldId id="257" r:id="rId22"/>
   </p:sldIdLst>
   <p:sldSz cx="12192000" cy="6858000"/>
   <p:notesSz cx="6858000" cy="9144000"/>
@@ -218,7 +217,7 @@
           <a:p>
             <a:fld id="{CAB46FC9-6775-477C-B73E-2C6E6A40C0B5}" type="datetimeFigureOut">
               <a:rPr lang="en-US" smtClean="0"/>
-              <a:t>12/11/2018</a:t>
+              <a:t>11/27/2019</a:t>
             </a:fld>
             <a:endParaRPr lang="en-US"/>
           </a:p>
@@ -595,11 +594,11 @@
 </file>
 
 <file path=ppt/notesSlides/notesSlide10.xml><?xml version="1.0" encoding="utf-8"?>
-<p:notes xmlns:a="http://schemas.openxmlformats.org/drawingml/2006/main" xmlns:r="http://schemas.openxmlformats.org/officeDocument/2006/relationships" xmlns:p="http://schemas.openxmlformats.org/presentationml/2006/main" showMasterSp="0" showMasterPhAnim="0">
+<p:notes xmlns:a="http://schemas.openxmlformats.org/drawingml/2006/main" xmlns:r="http://schemas.openxmlformats.org/officeDocument/2006/relationships" xmlns:p="http://schemas.openxmlformats.org/presentationml/2006/main">
   <p:cSld>
     <p:spTree>
       <p:nvGrpSpPr>
-        <p:cNvPr id="1" name="Shape 140"/>
+        <p:cNvPr id="1" name=""/>
         <p:cNvGrpSpPr/>
         <p:nvPr/>
       </p:nvGrpSpPr>
@@ -613,7 +612,205 @@
       </p:grpSpPr>
       <p:sp>
         <p:nvSpPr>
-          <p:cNvPr id="141" name="Google Shape;141;g1fff65b0d3_0_5:notes"/>
+          <p:cNvPr id="2" name="Slide Image Placeholder 1"/>
+          <p:cNvSpPr>
+            <a:spLocks noGrp="1" noRot="1" noChangeAspect="1"/>
+          </p:cNvSpPr>
+          <p:nvPr>
+            <p:ph type="sldImg"/>
+          </p:nvPr>
+        </p:nvSpPr>
+        <p:spPr>
+          <a:xfrm>
+            <a:off x="381000" y="685800"/>
+            <a:ext cx="6096000" cy="3429000"/>
+          </a:xfrm>
+        </p:spPr>
+      </p:sp>
+      <p:sp>
+        <p:nvSpPr>
+          <p:cNvPr id="3" name="Notes Placeholder 2"/>
+          <p:cNvSpPr>
+            <a:spLocks noGrp="1"/>
+          </p:cNvSpPr>
+          <p:nvPr>
+            <p:ph type="body" idx="1"/>
+          </p:nvPr>
+        </p:nvSpPr>
+        <p:spPr/>
+        <p:txBody>
+          <a:bodyPr/>
+          <a:lstStyle/>
+          <a:p>
+            <a:endParaRPr lang="en-US" dirty="0"/>
+          </a:p>
+        </p:txBody>
+      </p:sp>
+    </p:spTree>
+    <p:extLst>
+      <p:ext uri="{BB962C8B-B14F-4D97-AF65-F5344CB8AC3E}">
+        <p14:creationId xmlns:p14="http://schemas.microsoft.com/office/powerpoint/2010/main" val="3624940032"/>
+      </p:ext>
+    </p:extLst>
+  </p:cSld>
+  <p:clrMapOvr>
+    <a:masterClrMapping/>
+  </p:clrMapOvr>
+</p:notes>
+</file>
+
+<file path=ppt/notesSlides/notesSlide11.xml><?xml version="1.0" encoding="utf-8"?>
+<p:notes xmlns:a="http://schemas.openxmlformats.org/drawingml/2006/main" xmlns:r="http://schemas.openxmlformats.org/officeDocument/2006/relationships" xmlns:p="http://schemas.openxmlformats.org/presentationml/2006/main">
+  <p:cSld>
+    <p:spTree>
+      <p:nvGrpSpPr>
+        <p:cNvPr id="1" name=""/>
+        <p:cNvGrpSpPr/>
+        <p:nvPr/>
+      </p:nvGrpSpPr>
+      <p:grpSpPr>
+        <a:xfrm>
+          <a:off x="0" y="0"/>
+          <a:ext cx="0" cy="0"/>
+          <a:chOff x="0" y="0"/>
+          <a:chExt cx="0" cy="0"/>
+        </a:xfrm>
+      </p:grpSpPr>
+      <p:sp>
+        <p:nvSpPr>
+          <p:cNvPr id="2" name="Slide Image Placeholder 1"/>
+          <p:cNvSpPr>
+            <a:spLocks noGrp="1" noRot="1" noChangeAspect="1"/>
+          </p:cNvSpPr>
+          <p:nvPr>
+            <p:ph type="sldImg"/>
+          </p:nvPr>
+        </p:nvSpPr>
+        <p:spPr>
+          <a:xfrm>
+            <a:off x="381000" y="685800"/>
+            <a:ext cx="6096000" cy="3429000"/>
+          </a:xfrm>
+        </p:spPr>
+      </p:sp>
+      <p:sp>
+        <p:nvSpPr>
+          <p:cNvPr id="3" name="Notes Placeholder 2"/>
+          <p:cNvSpPr>
+            <a:spLocks noGrp="1"/>
+          </p:cNvSpPr>
+          <p:nvPr>
+            <p:ph type="body" idx="1"/>
+          </p:nvPr>
+        </p:nvSpPr>
+        <p:spPr/>
+        <p:txBody>
+          <a:bodyPr/>
+          <a:lstStyle/>
+          <a:p>
+            <a:endParaRPr lang="en-US" dirty="0"/>
+          </a:p>
+        </p:txBody>
+      </p:sp>
+    </p:spTree>
+    <p:extLst>
+      <p:ext uri="{BB962C8B-B14F-4D97-AF65-F5344CB8AC3E}">
+        <p14:creationId xmlns:p14="http://schemas.microsoft.com/office/powerpoint/2010/main" val="2822940044"/>
+      </p:ext>
+    </p:extLst>
+  </p:cSld>
+  <p:clrMapOvr>
+    <a:masterClrMapping/>
+  </p:clrMapOvr>
+</p:notes>
+</file>
+
+<file path=ppt/notesSlides/notesSlide12.xml><?xml version="1.0" encoding="utf-8"?>
+<p:notes xmlns:a="http://schemas.openxmlformats.org/drawingml/2006/main" xmlns:r="http://schemas.openxmlformats.org/officeDocument/2006/relationships" xmlns:p="http://schemas.openxmlformats.org/presentationml/2006/main">
+  <p:cSld>
+    <p:spTree>
+      <p:nvGrpSpPr>
+        <p:cNvPr id="1" name=""/>
+        <p:cNvGrpSpPr/>
+        <p:nvPr/>
+      </p:nvGrpSpPr>
+      <p:grpSpPr>
+        <a:xfrm>
+          <a:off x="0" y="0"/>
+          <a:ext cx="0" cy="0"/>
+          <a:chOff x="0" y="0"/>
+          <a:chExt cx="0" cy="0"/>
+        </a:xfrm>
+      </p:grpSpPr>
+      <p:sp>
+        <p:nvSpPr>
+          <p:cNvPr id="2" name="Slide Image Placeholder 1"/>
+          <p:cNvSpPr>
+            <a:spLocks noGrp="1" noRot="1" noChangeAspect="1"/>
+          </p:cNvSpPr>
+          <p:nvPr>
+            <p:ph type="sldImg"/>
+          </p:nvPr>
+        </p:nvSpPr>
+        <p:spPr>
+          <a:xfrm>
+            <a:off x="381000" y="685800"/>
+            <a:ext cx="6096000" cy="3429000"/>
+          </a:xfrm>
+        </p:spPr>
+      </p:sp>
+      <p:sp>
+        <p:nvSpPr>
+          <p:cNvPr id="3" name="Notes Placeholder 2"/>
+          <p:cNvSpPr>
+            <a:spLocks noGrp="1"/>
+          </p:cNvSpPr>
+          <p:nvPr>
+            <p:ph type="body" idx="1"/>
+          </p:nvPr>
+        </p:nvSpPr>
+        <p:spPr/>
+        <p:txBody>
+          <a:bodyPr/>
+          <a:lstStyle/>
+          <a:p>
+            <a:endParaRPr lang="en-US" dirty="0"/>
+          </a:p>
+        </p:txBody>
+      </p:sp>
+    </p:spTree>
+    <p:extLst>
+      <p:ext uri="{BB962C8B-B14F-4D97-AF65-F5344CB8AC3E}">
+        <p14:creationId xmlns:p14="http://schemas.microsoft.com/office/powerpoint/2010/main" val="3161102115"/>
+      </p:ext>
+    </p:extLst>
+  </p:cSld>
+  <p:clrMapOvr>
+    <a:masterClrMapping/>
+  </p:clrMapOvr>
+</p:notes>
+</file>
+
+<file path=ppt/notesSlides/notesSlide13.xml><?xml version="1.0" encoding="utf-8"?>
+<p:notes xmlns:a="http://schemas.openxmlformats.org/drawingml/2006/main" xmlns:r="http://schemas.openxmlformats.org/officeDocument/2006/relationships" xmlns:p="http://schemas.openxmlformats.org/presentationml/2006/main" showMasterSp="0" showMasterPhAnim="0">
+  <p:cSld>
+    <p:spTree>
+      <p:nvGrpSpPr>
+        <p:cNvPr id="1" name="Shape 146"/>
+        <p:cNvGrpSpPr/>
+        <p:nvPr/>
+      </p:nvGrpSpPr>
+      <p:grpSpPr>
+        <a:xfrm>
+          <a:off x="0" y="0"/>
+          <a:ext cx="0" cy="0"/>
+          <a:chOff x="0" y="0"/>
+          <a:chExt cx="0" cy="0"/>
+        </a:xfrm>
+      </p:grpSpPr>
+      <p:sp>
+        <p:nvSpPr>
+          <p:cNvPr id="147" name="Google Shape;147;g264a995847_0_18:notes"/>
           <p:cNvSpPr>
             <a:spLocks noGrp="1" noRot="1" noChangeAspect="1"/>
           </p:cNvSpPr>
@@ -654,7 +851,7 @@
       </p:sp>
       <p:sp>
         <p:nvSpPr>
-          <p:cNvPr id="142" name="Google Shape;142;g1fff65b0d3_0_5:notes"/>
+          <p:cNvPr id="148" name="Google Shape;148;g264a995847_0_18:notes"/>
           <p:cNvSpPr txBox="1">
             <a:spLocks noGrp="1"/>
           </p:cNvSpPr>
@@ -687,254 +884,20 @@
               <a:buNone/>
             </a:pPr>
             <a:r>
-              <a:rPr lang="en-US" sz="1100" i="1" dirty="0">
-                <a:latin typeface="Times New Roman"/>
-                <a:ea typeface="Times New Roman"/>
-                <a:cs typeface="Times New Roman"/>
-                <a:sym typeface="Times New Roman"/>
-              </a:rPr>
-              <a:t>K can limit population</a:t>
-            </a:r>
-            <a:r>
-              <a:rPr lang="en-US" sz="1100" i="1" baseline="0" dirty="0">
-                <a:latin typeface="Times New Roman"/>
-                <a:ea typeface="Times New Roman"/>
-                <a:cs typeface="Times New Roman"/>
-                <a:sym typeface="Times New Roman"/>
-              </a:rPr>
-              <a:t> growth and lower future abundance predictions.</a:t>
-            </a:r>
-          </a:p>
-          <a:p>
-            <a:pPr marL="0" lvl="0" indent="0" rtl="0">
-              <a:spcBef>
-                <a:spcPts val="0"/>
-              </a:spcBef>
-              <a:spcAft>
-                <a:spcPts val="0"/>
-              </a:spcAft>
-              <a:buNone/>
-            </a:pPr>
-            <a:r>
-              <a:rPr lang="en-US" sz="1100" i="1" baseline="0" dirty="0">
-                <a:latin typeface="Times New Roman"/>
-                <a:ea typeface="Times New Roman"/>
-                <a:cs typeface="Times New Roman"/>
-                <a:sym typeface="Times New Roman"/>
-              </a:rPr>
-              <a:t>K is extremely difficult to measure from empirical data</a:t>
-            </a:r>
-            <a:endParaRPr lang="en-US" sz="1100" i="1" dirty="0">
-              <a:latin typeface="Times New Roman"/>
-              <a:ea typeface="Times New Roman"/>
-              <a:cs typeface="Times New Roman"/>
-              <a:sym typeface="Times New Roman"/>
-            </a:endParaRPr>
+              <a:rPr lang="en" dirty="0"/>
+              <a:t>This is a standard recent</a:t>
+            </a:r>
+            <a:r>
+              <a:rPr lang="en" baseline="0" dirty="0"/>
+              <a:t> paper using a simple growth model to calculate the future condition. This is a real world situation where you might need to ID the type of model used so that you can understand its assumptions.</a:t>
+            </a:r>
           </a:p>
         </p:txBody>
       </p:sp>
     </p:spTree>
     <p:extLst>
       <p:ext uri="{BB962C8B-B14F-4D97-AF65-F5344CB8AC3E}">
-        <p14:creationId xmlns:p14="http://schemas.microsoft.com/office/powerpoint/2010/main" val="2206254431"/>
-      </p:ext>
-    </p:extLst>
-  </p:cSld>
-  <p:clrMapOvr>
-    <a:masterClrMapping/>
-  </p:clrMapOvr>
-</p:notes>
-</file>
-
-<file path=ppt/notesSlides/notesSlide11.xml><?xml version="1.0" encoding="utf-8"?>
-<p:notes xmlns:a="http://schemas.openxmlformats.org/drawingml/2006/main" xmlns:r="http://schemas.openxmlformats.org/officeDocument/2006/relationships" xmlns:p="http://schemas.openxmlformats.org/presentationml/2006/main">
-  <p:cSld>
-    <p:spTree>
-      <p:nvGrpSpPr>
-        <p:cNvPr id="1" name=""/>
-        <p:cNvGrpSpPr/>
-        <p:nvPr/>
-      </p:nvGrpSpPr>
-      <p:grpSpPr>
-        <a:xfrm>
-          <a:off x="0" y="0"/>
-          <a:ext cx="0" cy="0"/>
-          <a:chOff x="0" y="0"/>
-          <a:chExt cx="0" cy="0"/>
-        </a:xfrm>
-      </p:grpSpPr>
-      <p:sp>
-        <p:nvSpPr>
-          <p:cNvPr id="2" name="Slide Image Placeholder 1"/>
-          <p:cNvSpPr>
-            <a:spLocks noGrp="1" noRot="1" noChangeAspect="1"/>
-          </p:cNvSpPr>
-          <p:nvPr>
-            <p:ph type="sldImg"/>
-          </p:nvPr>
-        </p:nvSpPr>
-        <p:spPr>
-          <a:xfrm>
-            <a:off x="381000" y="685800"/>
-            <a:ext cx="6096000" cy="3429000"/>
-          </a:xfrm>
-        </p:spPr>
-      </p:sp>
-      <p:sp>
-        <p:nvSpPr>
-          <p:cNvPr id="3" name="Notes Placeholder 2"/>
-          <p:cNvSpPr>
-            <a:spLocks noGrp="1"/>
-          </p:cNvSpPr>
-          <p:nvPr>
-            <p:ph type="body" idx="1"/>
-          </p:nvPr>
-        </p:nvSpPr>
-        <p:spPr/>
-        <p:txBody>
-          <a:bodyPr/>
-          <a:lstStyle/>
-          <a:p>
-            <a:endParaRPr lang="en-US" dirty="0"/>
-          </a:p>
-        </p:txBody>
-      </p:sp>
-    </p:spTree>
-    <p:extLst>
-      <p:ext uri="{BB962C8B-B14F-4D97-AF65-F5344CB8AC3E}">
-        <p14:creationId xmlns:p14="http://schemas.microsoft.com/office/powerpoint/2010/main" val="3624940032"/>
-      </p:ext>
-    </p:extLst>
-  </p:cSld>
-  <p:clrMapOvr>
-    <a:masterClrMapping/>
-  </p:clrMapOvr>
-</p:notes>
-</file>
-
-<file path=ppt/notesSlides/notesSlide12.xml><?xml version="1.0" encoding="utf-8"?>
-<p:notes xmlns:a="http://schemas.openxmlformats.org/drawingml/2006/main" xmlns:r="http://schemas.openxmlformats.org/officeDocument/2006/relationships" xmlns:p="http://schemas.openxmlformats.org/presentationml/2006/main">
-  <p:cSld>
-    <p:spTree>
-      <p:nvGrpSpPr>
-        <p:cNvPr id="1" name=""/>
-        <p:cNvGrpSpPr/>
-        <p:nvPr/>
-      </p:nvGrpSpPr>
-      <p:grpSpPr>
-        <a:xfrm>
-          <a:off x="0" y="0"/>
-          <a:ext cx="0" cy="0"/>
-          <a:chOff x="0" y="0"/>
-          <a:chExt cx="0" cy="0"/>
-        </a:xfrm>
-      </p:grpSpPr>
-      <p:sp>
-        <p:nvSpPr>
-          <p:cNvPr id="2" name="Slide Image Placeholder 1"/>
-          <p:cNvSpPr>
-            <a:spLocks noGrp="1" noRot="1" noChangeAspect="1"/>
-          </p:cNvSpPr>
-          <p:nvPr>
-            <p:ph type="sldImg"/>
-          </p:nvPr>
-        </p:nvSpPr>
-        <p:spPr>
-          <a:xfrm>
-            <a:off x="381000" y="685800"/>
-            <a:ext cx="6096000" cy="3429000"/>
-          </a:xfrm>
-        </p:spPr>
-      </p:sp>
-      <p:sp>
-        <p:nvSpPr>
-          <p:cNvPr id="3" name="Notes Placeholder 2"/>
-          <p:cNvSpPr>
-            <a:spLocks noGrp="1"/>
-          </p:cNvSpPr>
-          <p:nvPr>
-            <p:ph type="body" idx="1"/>
-          </p:nvPr>
-        </p:nvSpPr>
-        <p:spPr/>
-        <p:txBody>
-          <a:bodyPr/>
-          <a:lstStyle/>
-          <a:p>
-            <a:endParaRPr lang="en-US" dirty="0"/>
-          </a:p>
-        </p:txBody>
-      </p:sp>
-    </p:spTree>
-    <p:extLst>
-      <p:ext uri="{BB962C8B-B14F-4D97-AF65-F5344CB8AC3E}">
-        <p14:creationId xmlns:p14="http://schemas.microsoft.com/office/powerpoint/2010/main" val="2822940044"/>
-      </p:ext>
-    </p:extLst>
-  </p:cSld>
-  <p:clrMapOvr>
-    <a:masterClrMapping/>
-  </p:clrMapOvr>
-</p:notes>
-</file>
-
-<file path=ppt/notesSlides/notesSlide13.xml><?xml version="1.0" encoding="utf-8"?>
-<p:notes xmlns:a="http://schemas.openxmlformats.org/drawingml/2006/main" xmlns:r="http://schemas.openxmlformats.org/officeDocument/2006/relationships" xmlns:p="http://schemas.openxmlformats.org/presentationml/2006/main">
-  <p:cSld>
-    <p:spTree>
-      <p:nvGrpSpPr>
-        <p:cNvPr id="1" name=""/>
-        <p:cNvGrpSpPr/>
-        <p:nvPr/>
-      </p:nvGrpSpPr>
-      <p:grpSpPr>
-        <a:xfrm>
-          <a:off x="0" y="0"/>
-          <a:ext cx="0" cy="0"/>
-          <a:chOff x="0" y="0"/>
-          <a:chExt cx="0" cy="0"/>
-        </a:xfrm>
-      </p:grpSpPr>
-      <p:sp>
-        <p:nvSpPr>
-          <p:cNvPr id="2" name="Slide Image Placeholder 1"/>
-          <p:cNvSpPr>
-            <a:spLocks noGrp="1" noRot="1" noChangeAspect="1"/>
-          </p:cNvSpPr>
-          <p:nvPr>
-            <p:ph type="sldImg"/>
-          </p:nvPr>
-        </p:nvSpPr>
-        <p:spPr>
-          <a:xfrm>
-            <a:off x="381000" y="685800"/>
-            <a:ext cx="6096000" cy="3429000"/>
-          </a:xfrm>
-        </p:spPr>
-      </p:sp>
-      <p:sp>
-        <p:nvSpPr>
-          <p:cNvPr id="3" name="Notes Placeholder 2"/>
-          <p:cNvSpPr>
-            <a:spLocks noGrp="1"/>
-          </p:cNvSpPr>
-          <p:nvPr>
-            <p:ph type="body" idx="1"/>
-          </p:nvPr>
-        </p:nvSpPr>
-        <p:spPr/>
-        <p:txBody>
-          <a:bodyPr/>
-          <a:lstStyle/>
-          <a:p>
-            <a:endParaRPr lang="en-US" dirty="0"/>
-          </a:p>
-        </p:txBody>
-      </p:sp>
-    </p:spTree>
-    <p:extLst>
-      <p:ext uri="{BB962C8B-B14F-4D97-AF65-F5344CB8AC3E}">
-        <p14:creationId xmlns:p14="http://schemas.microsoft.com/office/powerpoint/2010/main" val="3161102115"/>
+        <p14:creationId xmlns:p14="http://schemas.microsoft.com/office/powerpoint/2010/main" val="3415229465"/>
       </p:ext>
     </p:extLst>
   </p:cSld>
@@ -949,7 +912,7 @@
   <p:cSld>
     <p:spTree>
       <p:nvGrpSpPr>
-        <p:cNvPr id="1" name="Shape 146"/>
+        <p:cNvPr id="1" name="Shape 165"/>
         <p:cNvGrpSpPr/>
         <p:nvPr/>
       </p:nvGrpSpPr>
@@ -963,7 +926,7 @@
       </p:grpSpPr>
       <p:sp>
         <p:nvSpPr>
-          <p:cNvPr id="147" name="Google Shape;147;g264a995847_0_18:notes"/>
+          <p:cNvPr id="166" name="Google Shape;166;g264a995847_0_71:notes"/>
           <p:cNvSpPr>
             <a:spLocks noGrp="1" noRot="1" noChangeAspect="1"/>
           </p:cNvSpPr>
@@ -1004,7 +967,7 @@
       </p:sp>
       <p:sp>
         <p:nvSpPr>
-          <p:cNvPr id="148" name="Google Shape;148;g264a995847_0_18:notes"/>
+          <p:cNvPr id="167" name="Google Shape;167;g264a995847_0_71:notes"/>
           <p:cNvSpPr txBox="1">
             <a:spLocks noGrp="1"/>
           </p:cNvSpPr>
@@ -1027,7 +990,100 @@
           </a:bodyPr>
           <a:lstStyle/>
           <a:p>
-            <a:pPr marL="0" lvl="0" indent="0" rtl="0">
+            <a:pPr marL="0" marR="0" lvl="0" indent="0" algn="l" defTabSz="914400" rtl="0" eaLnBrk="1" fontAlgn="auto" latinLnBrk="0" hangingPunct="1">
+              <a:lnSpc>
+                <a:spcPct val="100000"/>
+              </a:lnSpc>
+              <a:spcBef>
+                <a:spcPts val="0"/>
+              </a:spcBef>
+              <a:spcAft>
+                <a:spcPts val="0"/>
+              </a:spcAft>
+              <a:buClr>
+                <a:srgbClr val="000000"/>
+              </a:buClr>
+              <a:buSzPts val="1100"/>
+              <a:buFont typeface="Arial"/>
+              <a:buNone/>
+              <a:tabLst/>
+              <a:defRPr/>
+            </a:pPr>
+            <a:r>
+              <a:rPr lang="en-US" sz="2000" dirty="0">
+                <a:latin typeface="Times New Roman"/>
+                <a:ea typeface="Times New Roman"/>
+                <a:cs typeface="Times New Roman"/>
+                <a:sym typeface="Times New Roman"/>
+              </a:rPr>
+              <a:t>Exponential: N</a:t>
+            </a:r>
+            <a:r>
+              <a:rPr lang="en-US" sz="1100" dirty="0">
+                <a:latin typeface="Times New Roman"/>
+                <a:ea typeface="Times New Roman"/>
+                <a:cs typeface="Times New Roman"/>
+                <a:sym typeface="Times New Roman"/>
+              </a:rPr>
+              <a:t>t = </a:t>
+            </a:r>
+            <a:r>
+              <a:rPr lang="en-US" sz="2000" dirty="0">
+                <a:latin typeface="Times New Roman"/>
+                <a:ea typeface="Times New Roman"/>
+                <a:cs typeface="Times New Roman"/>
+                <a:sym typeface="Times New Roman"/>
+              </a:rPr>
+              <a:t>N</a:t>
+            </a:r>
+            <a:r>
+              <a:rPr lang="en-US" sz="1100" dirty="0">
+                <a:latin typeface="Times New Roman"/>
+                <a:ea typeface="Times New Roman"/>
+                <a:cs typeface="Times New Roman"/>
+                <a:sym typeface="Times New Roman"/>
+              </a:rPr>
+              <a:t>o </a:t>
+            </a:r>
+            <a:r>
+              <a:rPr lang="en-US" sz="2000" dirty="0" err="1">
+                <a:latin typeface="Times New Roman"/>
+                <a:ea typeface="Times New Roman"/>
+                <a:cs typeface="Times New Roman"/>
+                <a:sym typeface="Times New Roman"/>
+              </a:rPr>
+              <a:t>λ</a:t>
+            </a:r>
+            <a:r>
+              <a:rPr lang="en-US" sz="2000" baseline="30000" dirty="0" err="1">
+                <a:latin typeface="Times New Roman"/>
+                <a:ea typeface="Times New Roman"/>
+                <a:cs typeface="Times New Roman"/>
+                <a:sym typeface="Times New Roman"/>
+              </a:rPr>
+              <a:t>t</a:t>
+            </a:r>
+            <a:r>
+              <a:rPr lang="en-US" sz="2000" baseline="30000" dirty="0">
+                <a:latin typeface="Times New Roman"/>
+                <a:ea typeface="Times New Roman"/>
+                <a:cs typeface="Times New Roman"/>
+                <a:sym typeface="Times New Roman"/>
+              </a:rPr>
+              <a:t> </a:t>
+            </a:r>
+            <a:r>
+              <a:rPr lang="en-US" sz="1100" dirty="0">
+                <a:latin typeface="Times New Roman"/>
+                <a:ea typeface="Times New Roman"/>
+                <a:cs typeface="Times New Roman"/>
+                <a:sym typeface="Times New Roman"/>
+              </a:rPr>
+              <a:t>---&gt; re-arranged to calculate population size</a:t>
+            </a:r>
+          </a:p>
+          <a:p>
+            <a:pPr marL="0" lvl="0" indent="0">
               <a:spcBef>
                 <a:spcPts val="0"/>
               </a:spcBef>
@@ -1036,21 +1092,14 @@
               </a:spcAft>
               <a:buNone/>
             </a:pPr>
-            <a:r>
-              <a:rPr lang="en" dirty="0"/>
-              <a:t>This is a standard recent</a:t>
-            </a:r>
-            <a:r>
-              <a:rPr lang="en" baseline="0" dirty="0"/>
-              <a:t> paper using a simple growth model to calculate the future condition. This is a real world situation where you might need to ID the type of model used so that you can understand its assumptions.</a:t>
-            </a:r>
+            <a:endParaRPr dirty="0"/>
           </a:p>
         </p:txBody>
       </p:sp>
     </p:spTree>
     <p:extLst>
       <p:ext uri="{BB962C8B-B14F-4D97-AF65-F5344CB8AC3E}">
-        <p14:creationId xmlns:p14="http://schemas.microsoft.com/office/powerpoint/2010/main" val="3415229465"/>
+        <p14:creationId xmlns:p14="http://schemas.microsoft.com/office/powerpoint/2010/main" val="766221454"/>
       </p:ext>
     </p:extLst>
   </p:cSld>
@@ -1065,7 +1114,7 @@
   <p:cSld>
     <p:spTree>
       <p:nvGrpSpPr>
-        <p:cNvPr id="1" name="Shape 165"/>
+        <p:cNvPr id="1" name="Shape 181"/>
         <p:cNvGrpSpPr/>
         <p:nvPr/>
       </p:nvGrpSpPr>
@@ -1079,7 +1128,7 @@
       </p:grpSpPr>
       <p:sp>
         <p:nvSpPr>
-          <p:cNvPr id="166" name="Google Shape;166;g264a995847_0_71:notes"/>
+          <p:cNvPr id="182" name="Google Shape;182;g2699de32f1_0_49:notes"/>
           <p:cNvSpPr>
             <a:spLocks noGrp="1" noRot="1" noChangeAspect="1"/>
           </p:cNvSpPr>
@@ -1120,7 +1169,7 @@
       </p:sp>
       <p:sp>
         <p:nvSpPr>
-          <p:cNvPr id="167" name="Google Shape;167;g264a995847_0_71:notes"/>
+          <p:cNvPr id="183" name="Google Shape;183;g2699de32f1_0_49:notes"/>
           <p:cNvSpPr txBox="1">
             <a:spLocks noGrp="1"/>
           </p:cNvSpPr>
@@ -1143,100 +1192,7 @@
           </a:bodyPr>
           <a:lstStyle/>
           <a:p>
-            <a:pPr marL="0" marR="0" lvl="0" indent="0" algn="l" defTabSz="914400" rtl="0" eaLnBrk="1" fontAlgn="auto" latinLnBrk="0" hangingPunct="1">
-              <a:lnSpc>
-                <a:spcPct val="100000"/>
-              </a:lnSpc>
-              <a:spcBef>
-                <a:spcPts val="0"/>
-              </a:spcBef>
-              <a:spcAft>
-                <a:spcPts val="0"/>
-              </a:spcAft>
-              <a:buClr>
-                <a:srgbClr val="000000"/>
-              </a:buClr>
-              <a:buSzPts val="1100"/>
-              <a:buFont typeface="Arial"/>
-              <a:buNone/>
-              <a:tabLst/>
-              <a:defRPr/>
-            </a:pPr>
-            <a:r>
-              <a:rPr lang="en-US" sz="2000" dirty="0">
-                <a:latin typeface="Times New Roman"/>
-                <a:ea typeface="Times New Roman"/>
-                <a:cs typeface="Times New Roman"/>
-                <a:sym typeface="Times New Roman"/>
-              </a:rPr>
-              <a:t>Exponential: N</a:t>
-            </a:r>
-            <a:r>
-              <a:rPr lang="en-US" sz="1100" dirty="0">
-                <a:latin typeface="Times New Roman"/>
-                <a:ea typeface="Times New Roman"/>
-                <a:cs typeface="Times New Roman"/>
-                <a:sym typeface="Times New Roman"/>
-              </a:rPr>
-              <a:t>t = </a:t>
-            </a:r>
-            <a:r>
-              <a:rPr lang="en-US" sz="2000" dirty="0">
-                <a:latin typeface="Times New Roman"/>
-                <a:ea typeface="Times New Roman"/>
-                <a:cs typeface="Times New Roman"/>
-                <a:sym typeface="Times New Roman"/>
-              </a:rPr>
-              <a:t>N</a:t>
-            </a:r>
-            <a:r>
-              <a:rPr lang="en-US" sz="1100" dirty="0">
-                <a:latin typeface="Times New Roman"/>
-                <a:ea typeface="Times New Roman"/>
-                <a:cs typeface="Times New Roman"/>
-                <a:sym typeface="Times New Roman"/>
-              </a:rPr>
-              <a:t>o </a:t>
-            </a:r>
-            <a:r>
-              <a:rPr lang="en-US" sz="2000" dirty="0" err="1">
-                <a:latin typeface="Times New Roman"/>
-                <a:ea typeface="Times New Roman"/>
-                <a:cs typeface="Times New Roman"/>
-                <a:sym typeface="Times New Roman"/>
-              </a:rPr>
-              <a:t>λ</a:t>
-            </a:r>
-            <a:r>
-              <a:rPr lang="en-US" sz="2000" baseline="30000" dirty="0" err="1">
-                <a:latin typeface="Times New Roman"/>
-                <a:ea typeface="Times New Roman"/>
-                <a:cs typeface="Times New Roman"/>
-                <a:sym typeface="Times New Roman"/>
-              </a:rPr>
-              <a:t>t</a:t>
-            </a:r>
-            <a:r>
-              <a:rPr lang="en-US" sz="2000" baseline="30000" dirty="0">
-                <a:latin typeface="Times New Roman"/>
-                <a:ea typeface="Times New Roman"/>
-                <a:cs typeface="Times New Roman"/>
-                <a:sym typeface="Times New Roman"/>
-              </a:rPr>
-              <a:t> </a:t>
-            </a:r>
-            <a:r>
-              <a:rPr lang="en-US" sz="1100" dirty="0">
-                <a:latin typeface="Times New Roman"/>
-                <a:ea typeface="Times New Roman"/>
-                <a:cs typeface="Times New Roman"/>
-                <a:sym typeface="Times New Roman"/>
-              </a:rPr>
-              <a:t>---&gt; re-arranged to calculate population size</a:t>
-            </a:r>
-          </a:p>
-          <a:p>
-            <a:pPr marL="0" lvl="0" indent="0">
+            <a:pPr marL="0" lvl="0" indent="0" rtl="0">
               <a:spcBef>
                 <a:spcPts val="0"/>
               </a:spcBef>
@@ -1245,14 +1201,18 @@
               </a:spcAft>
               <a:buNone/>
             </a:pPr>
-            <a:endParaRPr dirty="0"/>
+            <a:r>
+              <a:rPr lang="en"/>
+              <a:t>St. Croix ground lizard translocated in 2008 to a small island. Here, we model its population trajectories.</a:t>
+            </a:r>
+            <a:endParaRPr/>
           </a:p>
         </p:txBody>
       </p:sp>
     </p:spTree>
     <p:extLst>
       <p:ext uri="{BB962C8B-B14F-4D97-AF65-F5344CB8AC3E}">
-        <p14:creationId xmlns:p14="http://schemas.microsoft.com/office/powerpoint/2010/main" val="766221454"/>
+        <p14:creationId xmlns:p14="http://schemas.microsoft.com/office/powerpoint/2010/main" val="414542833"/>
       </p:ext>
     </p:extLst>
   </p:cSld>
@@ -1267,7 +1227,7 @@
   <p:cSld>
     <p:spTree>
       <p:nvGrpSpPr>
-        <p:cNvPr id="1" name="Shape 181"/>
+        <p:cNvPr id="1" name="Shape 187"/>
         <p:cNvGrpSpPr/>
         <p:nvPr/>
       </p:nvGrpSpPr>
@@ -1281,7 +1241,7 @@
       </p:grpSpPr>
       <p:sp>
         <p:nvSpPr>
-          <p:cNvPr id="182" name="Google Shape;182;g2699de32f1_0_49:notes"/>
+          <p:cNvPr id="188" name="Google Shape;188;g1ffa771032_0_103:notes"/>
           <p:cNvSpPr>
             <a:spLocks noGrp="1" noRot="1" noChangeAspect="1"/>
           </p:cNvSpPr>
@@ -1322,7 +1282,7 @@
       </p:sp>
       <p:sp>
         <p:nvSpPr>
-          <p:cNvPr id="183" name="Google Shape;183;g2699de32f1_0_49:notes"/>
+          <p:cNvPr id="189" name="Google Shape;189;g1ffa771032_0_103:notes"/>
           <p:cNvSpPr txBox="1">
             <a:spLocks noGrp="1"/>
           </p:cNvSpPr>
@@ -1345,7 +1305,7 @@
           </a:bodyPr>
           <a:lstStyle/>
           <a:p>
-            <a:pPr marL="0" lvl="0" indent="0" rtl="0">
+            <a:pPr marL="0" lvl="0" indent="0">
               <a:spcBef>
                 <a:spcPts val="0"/>
               </a:spcBef>
@@ -1355,17 +1315,36 @@
               <a:buNone/>
             </a:pPr>
             <a:r>
-              <a:rPr lang="en"/>
-              <a:t>St. Croix ground lizard translocated in 2008 to a small island. Here, we model its population trajectories.</a:t>
-            </a:r>
-            <a:endParaRPr/>
+              <a:rPr lang="en-US" dirty="0"/>
+              <a:t>Resiliency</a:t>
+            </a:r>
+            <a:r>
+              <a:rPr lang="en-US" baseline="0" dirty="0"/>
+              <a:t> varies among scenarios</a:t>
+            </a:r>
+          </a:p>
+          <a:p>
+            <a:pPr marL="0" lvl="0" indent="0">
+              <a:spcBef>
+                <a:spcPts val="0"/>
+              </a:spcBef>
+              <a:spcAft>
+                <a:spcPts val="0"/>
+              </a:spcAft>
+              <a:buNone/>
+            </a:pPr>
+            <a:r>
+              <a:rPr lang="en-US" baseline="0" dirty="0"/>
+              <a:t>	</a:t>
+            </a:r>
+            <a:endParaRPr dirty="0"/>
           </a:p>
         </p:txBody>
       </p:sp>
     </p:spTree>
     <p:extLst>
       <p:ext uri="{BB962C8B-B14F-4D97-AF65-F5344CB8AC3E}">
-        <p14:creationId xmlns:p14="http://schemas.microsoft.com/office/powerpoint/2010/main" val="414542833"/>
+        <p14:creationId xmlns:p14="http://schemas.microsoft.com/office/powerpoint/2010/main" val="376364287"/>
       </p:ext>
     </p:extLst>
   </p:cSld>
@@ -1380,7 +1359,7 @@
   <p:cSld>
     <p:spTree>
       <p:nvGrpSpPr>
-        <p:cNvPr id="1" name="Shape 187"/>
+        <p:cNvPr id="1" name="Shape 229"/>
         <p:cNvGrpSpPr/>
         <p:nvPr/>
       </p:nvGrpSpPr>
@@ -1394,7 +1373,7 @@
       </p:grpSpPr>
       <p:sp>
         <p:nvSpPr>
-          <p:cNvPr id="188" name="Google Shape;188;g1ffa771032_0_103:notes"/>
+          <p:cNvPr id="230" name="Google Shape;230;g264a995847_0_63:notes"/>
           <p:cNvSpPr>
             <a:spLocks noGrp="1" noRot="1" noChangeAspect="1"/>
           </p:cNvSpPr>
@@ -1435,7 +1414,7 @@
       </p:sp>
       <p:sp>
         <p:nvSpPr>
-          <p:cNvPr id="189" name="Google Shape;189;g1ffa771032_0_103:notes"/>
+          <p:cNvPr id="231" name="Google Shape;231;g264a995847_0_63:notes"/>
           <p:cNvSpPr txBox="1">
             <a:spLocks noGrp="1"/>
           </p:cNvSpPr>
@@ -1458,7 +1437,7 @@
           </a:bodyPr>
           <a:lstStyle/>
           <a:p>
-            <a:pPr marL="0" lvl="0" indent="0">
+            <a:pPr marL="0" lvl="0" indent="0" rtl="0">
               <a:spcBef>
                 <a:spcPts val="0"/>
               </a:spcBef>
@@ -1467,29 +1446,6 @@
               </a:spcAft>
               <a:buNone/>
             </a:pPr>
-            <a:r>
-              <a:rPr lang="en-US" dirty="0"/>
-              <a:t>Resiliency</a:t>
-            </a:r>
-            <a:r>
-              <a:rPr lang="en-US" baseline="0" dirty="0"/>
-              <a:t> varies among scenarios</a:t>
-            </a:r>
-          </a:p>
-          <a:p>
-            <a:pPr marL="0" lvl="0" indent="0">
-              <a:spcBef>
-                <a:spcPts val="0"/>
-              </a:spcBef>
-              <a:spcAft>
-                <a:spcPts val="0"/>
-              </a:spcAft>
-              <a:buNone/>
-            </a:pPr>
-            <a:r>
-              <a:rPr lang="en-US" baseline="0" dirty="0"/>
-              <a:t>	</a:t>
-            </a:r>
             <a:endParaRPr dirty="0"/>
           </a:p>
         </p:txBody>
@@ -1497,7 +1453,7 @@
     </p:spTree>
     <p:extLst>
       <p:ext uri="{BB962C8B-B14F-4D97-AF65-F5344CB8AC3E}">
-        <p14:creationId xmlns:p14="http://schemas.microsoft.com/office/powerpoint/2010/main" val="376364287"/>
+        <p14:creationId xmlns:p14="http://schemas.microsoft.com/office/powerpoint/2010/main" val="1591842392"/>
       </p:ext>
     </p:extLst>
   </p:cSld>
@@ -1512,7 +1468,7 @@
   <p:cSld>
     <p:spTree>
       <p:nvGrpSpPr>
-        <p:cNvPr id="1" name="Shape 229"/>
+        <p:cNvPr id="1" name="Shape 236"/>
         <p:cNvGrpSpPr/>
         <p:nvPr/>
       </p:nvGrpSpPr>
@@ -1526,7 +1482,7 @@
       </p:grpSpPr>
       <p:sp>
         <p:nvSpPr>
-          <p:cNvPr id="230" name="Google Shape;230;g264a995847_0_63:notes"/>
+          <p:cNvPr id="237" name="Google Shape;237;g1ffa771032_0_85:notes"/>
           <p:cNvSpPr>
             <a:spLocks noGrp="1" noRot="1" noChangeAspect="1"/>
           </p:cNvSpPr>
@@ -1567,7 +1523,7 @@
       </p:sp>
       <p:sp>
         <p:nvSpPr>
-          <p:cNvPr id="231" name="Google Shape;231;g264a995847_0_63:notes"/>
+          <p:cNvPr id="238" name="Google Shape;238;g1ffa771032_0_85:notes"/>
           <p:cNvSpPr txBox="1">
             <a:spLocks noGrp="1"/>
           </p:cNvSpPr>
@@ -1590,7 +1546,7 @@
           </a:bodyPr>
           <a:lstStyle/>
           <a:p>
-            <a:pPr marL="0" lvl="0" indent="0" rtl="0">
+            <a:pPr marL="0" lvl="0" indent="0">
               <a:spcBef>
                 <a:spcPts val="0"/>
               </a:spcBef>
@@ -1599,6 +1555,10 @@
               </a:spcAft>
               <a:buNone/>
             </a:pPr>
+            <a:r>
+              <a:rPr lang="en" dirty="0"/>
+              <a:t>Maybe helpful: http://fwspubs.org/doi/full/10.3996/062010-JFWM-014</a:t>
+            </a:r>
             <a:endParaRPr dirty="0"/>
           </a:p>
         </p:txBody>
@@ -1606,7 +1566,7 @@
     </p:spTree>
     <p:extLst>
       <p:ext uri="{BB962C8B-B14F-4D97-AF65-F5344CB8AC3E}">
-        <p14:creationId xmlns:p14="http://schemas.microsoft.com/office/powerpoint/2010/main" val="1591842392"/>
+        <p14:creationId xmlns:p14="http://schemas.microsoft.com/office/powerpoint/2010/main" val="477589563"/>
       </p:ext>
     </p:extLst>
   </p:cSld>
@@ -1616,12 +1576,12 @@
 </p:notes>
 </file>
 
-<file path=ppt/notesSlides/notesSlide19.xml><?xml version="1.0" encoding="utf-8"?>
+<file path=ppt/notesSlides/notesSlide2.xml><?xml version="1.0" encoding="utf-8"?>
 <p:notes xmlns:a="http://schemas.openxmlformats.org/drawingml/2006/main" xmlns:r="http://schemas.openxmlformats.org/officeDocument/2006/relationships" xmlns:p="http://schemas.openxmlformats.org/presentationml/2006/main" showMasterSp="0" showMasterPhAnim="0">
   <p:cSld>
     <p:spTree>
       <p:nvGrpSpPr>
-        <p:cNvPr id="1" name="Shape 236"/>
+        <p:cNvPr id="1" name="Shape 96"/>
         <p:cNvGrpSpPr/>
         <p:nvPr/>
       </p:nvGrpSpPr>
@@ -1635,7 +1595,7 @@
       </p:grpSpPr>
       <p:sp>
         <p:nvSpPr>
-          <p:cNvPr id="237" name="Google Shape;237;g1ffa771032_0_85:notes"/>
+          <p:cNvPr id="97" name="Google Shape;97;g1ff44a5a59_0_0:notes"/>
           <p:cNvSpPr>
             <a:spLocks noGrp="1" noRot="1" noChangeAspect="1"/>
           </p:cNvSpPr>
@@ -1676,7 +1636,7 @@
       </p:sp>
       <p:sp>
         <p:nvSpPr>
-          <p:cNvPr id="238" name="Google Shape;238;g1ffa771032_0_85:notes"/>
+          <p:cNvPr id="98" name="Google Shape;98;g1ff44a5a59_0_0:notes"/>
           <p:cNvSpPr txBox="1">
             <a:spLocks noGrp="1"/>
           </p:cNvSpPr>
@@ -1709,17 +1669,17 @@
               <a:buNone/>
             </a:pPr>
             <a:r>
-              <a:rPr lang="en" dirty="0"/>
-              <a:t>Maybe helpful: http://fwspubs.org/doi/full/10.3996/062010-JFWM-014</a:t>
-            </a:r>
-            <a:endParaRPr dirty="0"/>
+              <a:rPr lang="en"/>
+              <a:t>Don’t have detailed data for survival or recruitment estimates</a:t>
+            </a:r>
+            <a:endParaRPr/>
           </a:p>
         </p:txBody>
       </p:sp>
     </p:spTree>
     <p:extLst>
       <p:ext uri="{BB962C8B-B14F-4D97-AF65-F5344CB8AC3E}">
-        <p14:creationId xmlns:p14="http://schemas.microsoft.com/office/powerpoint/2010/main" val="477589563"/>
+        <p14:creationId xmlns:p14="http://schemas.microsoft.com/office/powerpoint/2010/main" val="1031992171"/>
       </p:ext>
     </p:extLst>
   </p:cSld>
@@ -1729,12 +1689,12 @@
 </p:notes>
 </file>
 
-<file path=ppt/notesSlides/notesSlide2.xml><?xml version="1.0" encoding="utf-8"?>
+<file path=ppt/notesSlides/notesSlide3.xml><?xml version="1.0" encoding="utf-8"?>
 <p:notes xmlns:a="http://schemas.openxmlformats.org/drawingml/2006/main" xmlns:r="http://schemas.openxmlformats.org/officeDocument/2006/relationships" xmlns:p="http://schemas.openxmlformats.org/presentationml/2006/main" showMasterSp="0" showMasterPhAnim="0">
   <p:cSld>
     <p:spTree>
       <p:nvGrpSpPr>
-        <p:cNvPr id="1" name="Shape 96"/>
+        <p:cNvPr id="1" name="Shape 131"/>
         <p:cNvGrpSpPr/>
         <p:nvPr/>
       </p:nvGrpSpPr>
@@ -1748,7 +1708,7 @@
       </p:grpSpPr>
       <p:sp>
         <p:nvSpPr>
-          <p:cNvPr id="97" name="Google Shape;97;g1ff44a5a59_0_0:notes"/>
+          <p:cNvPr id="132" name="Google Shape;132;g264a995847_0_97:notes"/>
           <p:cNvSpPr>
             <a:spLocks noGrp="1" noRot="1" noChangeAspect="1"/>
           </p:cNvSpPr>
@@ -1789,7 +1749,7 @@
       </p:sp>
       <p:sp>
         <p:nvSpPr>
-          <p:cNvPr id="98" name="Google Shape;98;g1ff44a5a59_0_0:notes"/>
+          <p:cNvPr id="133" name="Google Shape;133;g264a995847_0_97:notes"/>
           <p:cNvSpPr txBox="1">
             <a:spLocks noGrp="1"/>
           </p:cNvSpPr>
@@ -1812,7 +1772,7 @@
           </a:bodyPr>
           <a:lstStyle/>
           <a:p>
-            <a:pPr marL="0" lvl="0" indent="0">
+            <a:pPr marL="0" lvl="0" indent="0" rtl="0">
               <a:spcBef>
                 <a:spcPts val="0"/>
               </a:spcBef>
@@ -1821,10 +1781,6 @@
               </a:spcAft>
               <a:buNone/>
             </a:pPr>
-            <a:r>
-              <a:rPr lang="en"/>
-              <a:t>Don’t have detailed data for survival or recruitment estimates</a:t>
-            </a:r>
             <a:endParaRPr/>
           </a:p>
         </p:txBody>
@@ -1832,7 +1788,7 @@
     </p:spTree>
     <p:extLst>
       <p:ext uri="{BB962C8B-B14F-4D97-AF65-F5344CB8AC3E}">
-        <p14:creationId xmlns:p14="http://schemas.microsoft.com/office/powerpoint/2010/main" val="1031992171"/>
+        <p14:creationId xmlns:p14="http://schemas.microsoft.com/office/powerpoint/2010/main" val="1837412357"/>
       </p:ext>
     </p:extLst>
   </p:cSld>
@@ -1842,12 +1798,12 @@
 </p:notes>
 </file>
 
-<file path=ppt/notesSlides/notesSlide3.xml><?xml version="1.0" encoding="utf-8"?>
+<file path=ppt/notesSlides/notesSlide4.xml><?xml version="1.0" encoding="utf-8"?>
 <p:notes xmlns:a="http://schemas.openxmlformats.org/drawingml/2006/main" xmlns:r="http://schemas.openxmlformats.org/officeDocument/2006/relationships" xmlns:p="http://schemas.openxmlformats.org/presentationml/2006/main" showMasterSp="0" showMasterPhAnim="0">
   <p:cSld>
     <p:spTree>
       <p:nvGrpSpPr>
-        <p:cNvPr id="1" name="Shape 124"/>
+        <p:cNvPr id="1" name="Shape 174"/>
         <p:cNvGrpSpPr/>
         <p:nvPr/>
       </p:nvGrpSpPr>
@@ -1861,7 +1817,7 @@
       </p:grpSpPr>
       <p:sp>
         <p:nvSpPr>
-          <p:cNvPr id="125" name="Google Shape;125;g1fff65b0d3_0_21:notes"/>
+          <p:cNvPr id="175" name="Google Shape;175;g264a995847_0_78:notes"/>
           <p:cNvSpPr>
             <a:spLocks noGrp="1" noRot="1" noChangeAspect="1"/>
           </p:cNvSpPr>
@@ -1902,7 +1858,7 @@
       </p:sp>
       <p:sp>
         <p:nvSpPr>
-          <p:cNvPr id="126" name="Google Shape;126;g1fff65b0d3_0_21:notes"/>
+          <p:cNvPr id="176" name="Google Shape;176;g264a995847_0_78:notes"/>
           <p:cNvSpPr txBox="1">
             <a:spLocks noGrp="1"/>
           </p:cNvSpPr>
@@ -1925,7 +1881,7 @@
           </a:bodyPr>
           <a:lstStyle/>
           <a:p>
-            <a:pPr marL="0" lvl="0" indent="0" rtl="0">
+            <a:pPr marL="0" lvl="0" indent="0">
               <a:spcBef>
                 <a:spcPts val="0"/>
               </a:spcBef>
@@ -1941,7 +1897,7 @@
     </p:spTree>
     <p:extLst>
       <p:ext uri="{BB962C8B-B14F-4D97-AF65-F5344CB8AC3E}">
-        <p14:creationId xmlns:p14="http://schemas.microsoft.com/office/powerpoint/2010/main" val="3717242229"/>
+        <p14:creationId xmlns:p14="http://schemas.microsoft.com/office/powerpoint/2010/main" val="3635532546"/>
       </p:ext>
     </p:extLst>
   </p:cSld>
@@ -1951,12 +1907,12 @@
 </p:notes>
 </file>
 
-<file path=ppt/notesSlides/notesSlide4.xml><?xml version="1.0" encoding="utf-8"?>
-<p:notes xmlns:a="http://schemas.openxmlformats.org/drawingml/2006/main" xmlns:r="http://schemas.openxmlformats.org/officeDocument/2006/relationships" xmlns:p="http://schemas.openxmlformats.org/presentationml/2006/main" showMasterSp="0" showMasterPhAnim="0">
+<file path=ppt/notesSlides/notesSlide5.xml><?xml version="1.0" encoding="utf-8"?>
+<p:notes xmlns:a="http://schemas.openxmlformats.org/drawingml/2006/main" xmlns:r="http://schemas.openxmlformats.org/officeDocument/2006/relationships" xmlns:p="http://schemas.openxmlformats.org/presentationml/2006/main">
   <p:cSld>
     <p:spTree>
       <p:nvGrpSpPr>
-        <p:cNvPr id="1" name="Shape 131"/>
+        <p:cNvPr id="1" name=""/>
         <p:cNvGrpSpPr/>
         <p:nvPr/>
       </p:nvGrpSpPr>
@@ -1970,7 +1926,83 @@
       </p:grpSpPr>
       <p:sp>
         <p:nvSpPr>
-          <p:cNvPr id="132" name="Google Shape;132;g264a995847_0_97:notes"/>
+          <p:cNvPr id="2" name="Slide Image Placeholder 1"/>
+          <p:cNvSpPr>
+            <a:spLocks noGrp="1" noRot="1" noChangeAspect="1"/>
+          </p:cNvSpPr>
+          <p:nvPr>
+            <p:ph type="sldImg"/>
+          </p:nvPr>
+        </p:nvSpPr>
+        <p:spPr>
+          <a:xfrm>
+            <a:off x="381000" y="685800"/>
+            <a:ext cx="6096000" cy="3429000"/>
+          </a:xfrm>
+        </p:spPr>
+      </p:sp>
+      <p:sp>
+        <p:nvSpPr>
+          <p:cNvPr id="3" name="Notes Placeholder 2"/>
+          <p:cNvSpPr>
+            <a:spLocks noGrp="1"/>
+          </p:cNvSpPr>
+          <p:nvPr>
+            <p:ph type="body" idx="1"/>
+          </p:nvPr>
+        </p:nvSpPr>
+        <p:spPr/>
+        <p:txBody>
+          <a:bodyPr/>
+          <a:lstStyle/>
+          <a:p>
+            <a:r>
+              <a:rPr lang="en-US" dirty="0"/>
+              <a:t>Conceptually continuous growth models are the easiest to conceive once you get past the calculus </a:t>
+            </a:r>
+          </a:p>
+          <a:p>
+            <a:pPr lvl="1"/>
+            <a:r>
+              <a:rPr lang="en-US" dirty="0"/>
+              <a:t>Abundance in a population is constantly changing</a:t>
+            </a:r>
+          </a:p>
+        </p:txBody>
+      </p:sp>
+    </p:spTree>
+    <p:extLst>
+      <p:ext uri="{BB962C8B-B14F-4D97-AF65-F5344CB8AC3E}">
+        <p14:creationId xmlns:p14="http://schemas.microsoft.com/office/powerpoint/2010/main" val="744463643"/>
+      </p:ext>
+    </p:extLst>
+  </p:cSld>
+  <p:clrMapOvr>
+    <a:masterClrMapping/>
+  </p:clrMapOvr>
+</p:notes>
+</file>
+
+<file path=ppt/notesSlides/notesSlide6.xml><?xml version="1.0" encoding="utf-8"?>
+<p:notes xmlns:a="http://schemas.openxmlformats.org/drawingml/2006/main" xmlns:r="http://schemas.openxmlformats.org/officeDocument/2006/relationships" xmlns:p="http://schemas.openxmlformats.org/presentationml/2006/main" showMasterSp="0" showMasterPhAnim="0">
+  <p:cSld>
+    <p:spTree>
+      <p:nvGrpSpPr>
+        <p:cNvPr id="1" name="Shape 109"/>
+        <p:cNvGrpSpPr/>
+        <p:nvPr/>
+      </p:nvGrpSpPr>
+      <p:grpSpPr>
+        <a:xfrm>
+          <a:off x="0" y="0"/>
+          <a:ext cx="0" cy="0"/>
+          <a:chOff x="0" y="0"/>
+          <a:chExt cx="0" cy="0"/>
+        </a:xfrm>
+      </p:grpSpPr>
+      <p:sp>
+        <p:nvSpPr>
+          <p:cNvPr id="110" name="Google Shape;110;g1ff44a5a59_0_5:notes"/>
           <p:cNvSpPr>
             <a:spLocks noGrp="1" noRot="1" noChangeAspect="1"/>
           </p:cNvSpPr>
@@ -2011,7 +2043,7 @@
       </p:sp>
       <p:sp>
         <p:nvSpPr>
-          <p:cNvPr id="133" name="Google Shape;133;g264a995847_0_97:notes"/>
+          <p:cNvPr id="111" name="Google Shape;111;g1ff44a5a59_0_5:notes"/>
           <p:cNvSpPr txBox="1">
             <a:spLocks noGrp="1"/>
           </p:cNvSpPr>
@@ -2034,7 +2066,7 @@
           </a:bodyPr>
           <a:lstStyle/>
           <a:p>
-            <a:pPr marL="0" lvl="0" indent="0" rtl="0">
+            <a:pPr marL="0" lvl="0" indent="0">
               <a:spcBef>
                 <a:spcPts val="0"/>
               </a:spcBef>
@@ -2043,14 +2075,18 @@
               </a:spcAft>
               <a:buNone/>
             </a:pPr>
-            <a:endParaRPr/>
+            <a:r>
+              <a:rPr lang="en-US" dirty="0"/>
+              <a:t>Define these terms</a:t>
+            </a:r>
+            <a:endParaRPr dirty="0"/>
           </a:p>
         </p:txBody>
       </p:sp>
     </p:spTree>
     <p:extLst>
       <p:ext uri="{BB962C8B-B14F-4D97-AF65-F5344CB8AC3E}">
-        <p14:creationId xmlns:p14="http://schemas.microsoft.com/office/powerpoint/2010/main" val="1837412357"/>
+        <p14:creationId xmlns:p14="http://schemas.microsoft.com/office/powerpoint/2010/main" val="2923821769"/>
       </p:ext>
     </p:extLst>
   </p:cSld>
@@ -2060,12 +2096,12 @@
 </p:notes>
 </file>
 
-<file path=ppt/notesSlides/notesSlide5.xml><?xml version="1.0" encoding="utf-8"?>
-<p:notes xmlns:a="http://schemas.openxmlformats.org/drawingml/2006/main" xmlns:r="http://schemas.openxmlformats.org/officeDocument/2006/relationships" xmlns:p="http://schemas.openxmlformats.org/presentationml/2006/main" showMasterSp="0" showMasterPhAnim="0">
+<file path=ppt/notesSlides/notesSlide7.xml><?xml version="1.0" encoding="utf-8"?>
+<p:notes xmlns:a="http://schemas.openxmlformats.org/drawingml/2006/main" xmlns:r="http://schemas.openxmlformats.org/officeDocument/2006/relationships" xmlns:p="http://schemas.openxmlformats.org/presentationml/2006/main">
   <p:cSld>
     <p:spTree>
       <p:nvGrpSpPr>
-        <p:cNvPr id="1" name="Shape 174"/>
+        <p:cNvPr id="1" name=""/>
         <p:cNvGrpSpPr/>
         <p:nvPr/>
       </p:nvGrpSpPr>
@@ -2079,7 +2115,73 @@
       </p:grpSpPr>
       <p:sp>
         <p:nvSpPr>
-          <p:cNvPr id="175" name="Google Shape;175;g264a995847_0_78:notes"/>
+          <p:cNvPr id="2" name="Slide Image Placeholder 1"/>
+          <p:cNvSpPr>
+            <a:spLocks noGrp="1" noRot="1" noChangeAspect="1"/>
+          </p:cNvSpPr>
+          <p:nvPr>
+            <p:ph type="sldImg"/>
+          </p:nvPr>
+        </p:nvSpPr>
+        <p:spPr>
+          <a:xfrm>
+            <a:off x="381000" y="685800"/>
+            <a:ext cx="6096000" cy="3429000"/>
+          </a:xfrm>
+        </p:spPr>
+      </p:sp>
+      <p:sp>
+        <p:nvSpPr>
+          <p:cNvPr id="3" name="Notes Placeholder 2"/>
+          <p:cNvSpPr>
+            <a:spLocks noGrp="1"/>
+          </p:cNvSpPr>
+          <p:nvPr>
+            <p:ph type="body" idx="1"/>
+          </p:nvPr>
+        </p:nvSpPr>
+        <p:spPr/>
+        <p:txBody>
+          <a:bodyPr/>
+          <a:lstStyle/>
+          <a:p>
+            <a:endParaRPr lang="en-US" dirty="0"/>
+          </a:p>
+        </p:txBody>
+      </p:sp>
+    </p:spTree>
+    <p:extLst>
+      <p:ext uri="{BB962C8B-B14F-4D97-AF65-F5344CB8AC3E}">
+        <p14:creationId xmlns:p14="http://schemas.microsoft.com/office/powerpoint/2010/main" val="2170501014"/>
+      </p:ext>
+    </p:extLst>
+  </p:cSld>
+  <p:clrMapOvr>
+    <a:masterClrMapping/>
+  </p:clrMapOvr>
+</p:notes>
+</file>
+
+<file path=ppt/notesSlides/notesSlide8.xml><?xml version="1.0" encoding="utf-8"?>
+<p:notes xmlns:a="http://schemas.openxmlformats.org/drawingml/2006/main" xmlns:r="http://schemas.openxmlformats.org/officeDocument/2006/relationships" xmlns:p="http://schemas.openxmlformats.org/presentationml/2006/main" showMasterSp="0" showMasterPhAnim="0">
+  <p:cSld>
+    <p:spTree>
+      <p:nvGrpSpPr>
+        <p:cNvPr id="1" name="Shape 116"/>
+        <p:cNvGrpSpPr/>
+        <p:nvPr/>
+      </p:nvGrpSpPr>
+      <p:grpSpPr>
+        <a:xfrm>
+          <a:off x="0" y="0"/>
+          <a:ext cx="0" cy="0"/>
+          <a:chOff x="0" y="0"/>
+          <a:chExt cx="0" cy="0"/>
+        </a:xfrm>
+      </p:grpSpPr>
+      <p:sp>
+        <p:nvSpPr>
+          <p:cNvPr id="117" name="Google Shape;117;g1ffa771032_0_111:notes"/>
           <p:cNvSpPr>
             <a:spLocks noGrp="1" noRot="1" noChangeAspect="1"/>
           </p:cNvSpPr>
@@ -2120,7 +2222,7 @@
       </p:sp>
       <p:sp>
         <p:nvSpPr>
-          <p:cNvPr id="176" name="Google Shape;176;g264a995847_0_78:notes"/>
+          <p:cNvPr id="118" name="Google Shape;118;g1ffa771032_0_111:notes"/>
           <p:cNvSpPr txBox="1">
             <a:spLocks noGrp="1"/>
           </p:cNvSpPr>
@@ -2143,23 +2245,80 @@
           </a:bodyPr>
           <a:lstStyle/>
           <a:p>
-            <a:pPr marL="0" lvl="0" indent="0">
+            <a:pPr lvl="0">
               <a:spcBef>
-                <a:spcPts val="0"/>
+                <a:spcPts val="500"/>
               </a:spcBef>
-              <a:spcAft>
-                <a:spcPts val="0"/>
-              </a:spcAft>
-              <a:buNone/>
             </a:pPr>
-            <a:endParaRPr/>
+            <a:r>
+              <a:rPr lang="en-US" dirty="0"/>
+              <a:t>Lambda growth models are more typical for wildlife,</a:t>
+            </a:r>
+            <a:r>
+              <a:rPr lang="en-US" baseline="0" dirty="0"/>
+              <a:t> fish and plants </a:t>
+            </a:r>
+            <a:r>
+              <a:rPr lang="en-US" baseline="0" dirty="0" err="1"/>
+              <a:t>etc</a:t>
+            </a:r>
+            <a:r>
+              <a:rPr lang="en-US" baseline="0" dirty="0"/>
+              <a:t> in temperate zones</a:t>
+            </a:r>
+          </a:p>
+          <a:p>
+            <a:pPr lvl="1">
+              <a:spcBef>
+                <a:spcPts val="500"/>
+              </a:spcBef>
+            </a:pPr>
+            <a:r>
+              <a:rPr lang="en-US" baseline="0" dirty="0"/>
+              <a:t>Populations with a breeding season, because r is highly variable over time</a:t>
+            </a:r>
+          </a:p>
+          <a:p>
+            <a:pPr lvl="2">
+              <a:spcBef>
+                <a:spcPts val="500"/>
+              </a:spcBef>
+            </a:pPr>
+            <a:r>
+              <a:rPr lang="en-US" baseline="0" dirty="0" err="1"/>
+              <a:t>Eg</a:t>
+            </a:r>
+            <a:r>
+              <a:rPr lang="en-US" baseline="0" dirty="0"/>
+              <a:t> it is very big during the breeding season as births are added much faster than mortalities, but then it becomes negative when the breeding season ends and mortalities in any moment exceed new births.</a:t>
+            </a:r>
+          </a:p>
+          <a:p>
+            <a:pPr lvl="2">
+              <a:spcBef>
+                <a:spcPts val="500"/>
+              </a:spcBef>
+            </a:pPr>
+            <a:r>
+              <a:rPr lang="en-US" baseline="0" dirty="0"/>
+              <a:t>So, we simplify to a birth pulse, lambda model that basically averages the </a:t>
+            </a:r>
+            <a:r>
+              <a:rPr lang="en-US" baseline="0" dirty="0" err="1"/>
+              <a:t>cnage</a:t>
+            </a:r>
+            <a:r>
+              <a:rPr lang="en-US" baseline="0" dirty="0"/>
+              <a:t> in the population of the course of a year</a:t>
+            </a:r>
+            <a:endParaRPr dirty="0"/>
           </a:p>
         </p:txBody>
       </p:sp>
     </p:spTree>
     <p:extLst>
       <p:ext uri="{BB962C8B-B14F-4D97-AF65-F5344CB8AC3E}">
-        <p14:creationId xmlns:p14="http://schemas.microsoft.com/office/powerpoint/2010/main" val="3635532546"/>
+        <p14:creationId xmlns:p14="http://schemas.microsoft.com/office/powerpoint/2010/main" val="2257067122"/>
       </p:ext>
     </p:extLst>
   </p:cSld>
@@ -2169,12 +2328,12 @@
 </p:notes>
 </file>
 
-<file path=ppt/notesSlides/notesSlide6.xml><?xml version="1.0" encoding="utf-8"?>
-<p:notes xmlns:a="http://schemas.openxmlformats.org/drawingml/2006/main" xmlns:r="http://schemas.openxmlformats.org/officeDocument/2006/relationships" xmlns:p="http://schemas.openxmlformats.org/presentationml/2006/main">
+<file path=ppt/notesSlides/notesSlide9.xml><?xml version="1.0" encoding="utf-8"?>
+<p:notes xmlns:a="http://schemas.openxmlformats.org/drawingml/2006/main" xmlns:r="http://schemas.openxmlformats.org/officeDocument/2006/relationships" xmlns:p="http://schemas.openxmlformats.org/presentationml/2006/main" showMasterSp="0" showMasterPhAnim="0">
   <p:cSld>
     <p:spTree>
       <p:nvGrpSpPr>
-        <p:cNvPr id="1" name=""/>
+        <p:cNvPr id="1" name="Shape 140"/>
         <p:cNvGrpSpPr/>
         <p:nvPr/>
       </p:nvGrpSpPr>
@@ -2188,83 +2347,7 @@
       </p:grpSpPr>
       <p:sp>
         <p:nvSpPr>
-          <p:cNvPr id="2" name="Slide Image Placeholder 1"/>
-          <p:cNvSpPr>
-            <a:spLocks noGrp="1" noRot="1" noChangeAspect="1"/>
-          </p:cNvSpPr>
-          <p:nvPr>
-            <p:ph type="sldImg"/>
-          </p:nvPr>
-        </p:nvSpPr>
-        <p:spPr>
-          <a:xfrm>
-            <a:off x="381000" y="685800"/>
-            <a:ext cx="6096000" cy="3429000"/>
-          </a:xfrm>
-        </p:spPr>
-      </p:sp>
-      <p:sp>
-        <p:nvSpPr>
-          <p:cNvPr id="3" name="Notes Placeholder 2"/>
-          <p:cNvSpPr>
-            <a:spLocks noGrp="1"/>
-          </p:cNvSpPr>
-          <p:nvPr>
-            <p:ph type="body" idx="1"/>
-          </p:nvPr>
-        </p:nvSpPr>
-        <p:spPr/>
-        <p:txBody>
-          <a:bodyPr/>
-          <a:lstStyle/>
-          <a:p>
-            <a:r>
-              <a:rPr lang="en-US" dirty="0"/>
-              <a:t>Conceptually continuous growth models are the easiest to conceive once you get past the calculus </a:t>
-            </a:r>
-          </a:p>
-          <a:p>
-            <a:pPr lvl="1"/>
-            <a:r>
-              <a:rPr lang="en-US" dirty="0"/>
-              <a:t>Abundance in a population is constantly changing</a:t>
-            </a:r>
-          </a:p>
-        </p:txBody>
-      </p:sp>
-    </p:spTree>
-    <p:extLst>
-      <p:ext uri="{BB962C8B-B14F-4D97-AF65-F5344CB8AC3E}">
-        <p14:creationId xmlns:p14="http://schemas.microsoft.com/office/powerpoint/2010/main" val="744463643"/>
-      </p:ext>
-    </p:extLst>
-  </p:cSld>
-  <p:clrMapOvr>
-    <a:masterClrMapping/>
-  </p:clrMapOvr>
-</p:notes>
-</file>
-
-<file path=ppt/notesSlides/notesSlide7.xml><?xml version="1.0" encoding="utf-8"?>
-<p:notes xmlns:a="http://schemas.openxmlformats.org/drawingml/2006/main" xmlns:r="http://schemas.openxmlformats.org/officeDocument/2006/relationships" xmlns:p="http://schemas.openxmlformats.org/presentationml/2006/main" showMasterSp="0" showMasterPhAnim="0">
-  <p:cSld>
-    <p:spTree>
-      <p:nvGrpSpPr>
-        <p:cNvPr id="1" name="Shape 109"/>
-        <p:cNvGrpSpPr/>
-        <p:nvPr/>
-      </p:nvGrpSpPr>
-      <p:grpSpPr>
-        <a:xfrm>
-          <a:off x="0" y="0"/>
-          <a:ext cx="0" cy="0"/>
-          <a:chOff x="0" y="0"/>
-          <a:chExt cx="0" cy="0"/>
-        </a:xfrm>
-      </p:grpSpPr>
-      <p:sp>
-        <p:nvSpPr>
-          <p:cNvPr id="110" name="Google Shape;110;g1ff44a5a59_0_5:notes"/>
+          <p:cNvPr id="141" name="Google Shape;141;g1fff65b0d3_0_5:notes"/>
           <p:cNvSpPr>
             <a:spLocks noGrp="1" noRot="1" noChangeAspect="1"/>
           </p:cNvSpPr>
@@ -2305,7 +2388,7 @@
       </p:sp>
       <p:sp>
         <p:nvSpPr>
-          <p:cNvPr id="111" name="Google Shape;111;g1ff44a5a59_0_5:notes"/>
+          <p:cNvPr id="142" name="Google Shape;142;g1fff65b0d3_0_5:notes"/>
           <p:cNvSpPr txBox="1">
             <a:spLocks noGrp="1"/>
           </p:cNvSpPr>
@@ -2328,7 +2411,7 @@
           </a:bodyPr>
           <a:lstStyle/>
           <a:p>
-            <a:pPr marL="0" lvl="0" indent="0">
+            <a:pPr marL="0" lvl="0" indent="0" rtl="0">
               <a:spcBef>
                 <a:spcPts val="0"/>
               </a:spcBef>
@@ -2338,249 +2421,56 @@
               <a:buNone/>
             </a:pPr>
             <a:r>
-              <a:rPr lang="en-US" dirty="0"/>
-              <a:t>Define these terms</a:t>
-            </a:r>
-            <a:endParaRPr dirty="0"/>
+              <a:rPr lang="en-US" sz="1100" i="1" dirty="0">
+                <a:latin typeface="Times New Roman"/>
+                <a:ea typeface="Times New Roman"/>
+                <a:cs typeface="Times New Roman"/>
+                <a:sym typeface="Times New Roman"/>
+              </a:rPr>
+              <a:t>K can limit population</a:t>
+            </a:r>
+            <a:r>
+              <a:rPr lang="en-US" sz="1100" i="1" baseline="0" dirty="0">
+                <a:latin typeface="Times New Roman"/>
+                <a:ea typeface="Times New Roman"/>
+                <a:cs typeface="Times New Roman"/>
+                <a:sym typeface="Times New Roman"/>
+              </a:rPr>
+              <a:t> growth and lower future abundance predictions.</a:t>
+            </a:r>
+          </a:p>
+          <a:p>
+            <a:pPr marL="0" lvl="0" indent="0" rtl="0">
+              <a:spcBef>
+                <a:spcPts val="0"/>
+              </a:spcBef>
+              <a:spcAft>
+                <a:spcPts val="0"/>
+              </a:spcAft>
+              <a:buNone/>
+            </a:pPr>
+            <a:r>
+              <a:rPr lang="en-US" sz="1100" i="1" baseline="0" dirty="0">
+                <a:latin typeface="Times New Roman"/>
+                <a:ea typeface="Times New Roman"/>
+                <a:cs typeface="Times New Roman"/>
+                <a:sym typeface="Times New Roman"/>
+              </a:rPr>
+              <a:t>K is extremely difficult to measure from empirical data</a:t>
+            </a:r>
+            <a:endParaRPr lang="en-US" sz="1100" i="1" dirty="0">
+              <a:latin typeface="Times New Roman"/>
+              <a:ea typeface="Times New Roman"/>
+              <a:cs typeface="Times New Roman"/>
+              <a:sym typeface="Times New Roman"/>
+            </a:endParaRPr>
           </a:p>
         </p:txBody>
       </p:sp>
     </p:spTree>
     <p:extLst>
       <p:ext uri="{BB962C8B-B14F-4D97-AF65-F5344CB8AC3E}">
-        <p14:creationId xmlns:p14="http://schemas.microsoft.com/office/powerpoint/2010/main" val="2923821769"/>
-      </p:ext>
-    </p:extLst>
-  </p:cSld>
-  <p:clrMapOvr>
-    <a:masterClrMapping/>
-  </p:clrMapOvr>
-</p:notes>
-</file>
-
-<file path=ppt/notesSlides/notesSlide8.xml><?xml version="1.0" encoding="utf-8"?>
-<p:notes xmlns:a="http://schemas.openxmlformats.org/drawingml/2006/main" xmlns:r="http://schemas.openxmlformats.org/officeDocument/2006/relationships" xmlns:p="http://schemas.openxmlformats.org/presentationml/2006/main">
-  <p:cSld>
-    <p:spTree>
-      <p:nvGrpSpPr>
-        <p:cNvPr id="1" name=""/>
-        <p:cNvGrpSpPr/>
-        <p:nvPr/>
-      </p:nvGrpSpPr>
-      <p:grpSpPr>
-        <a:xfrm>
-          <a:off x="0" y="0"/>
-          <a:ext cx="0" cy="0"/>
-          <a:chOff x="0" y="0"/>
-          <a:chExt cx="0" cy="0"/>
-        </a:xfrm>
-      </p:grpSpPr>
-      <p:sp>
-        <p:nvSpPr>
-          <p:cNvPr id="2" name="Slide Image Placeholder 1"/>
-          <p:cNvSpPr>
-            <a:spLocks noGrp="1" noRot="1" noChangeAspect="1"/>
-          </p:cNvSpPr>
-          <p:nvPr>
-            <p:ph type="sldImg"/>
-          </p:nvPr>
-        </p:nvSpPr>
-        <p:spPr>
-          <a:xfrm>
-            <a:off x="381000" y="685800"/>
-            <a:ext cx="6096000" cy="3429000"/>
-          </a:xfrm>
-        </p:spPr>
-      </p:sp>
-      <p:sp>
-        <p:nvSpPr>
-          <p:cNvPr id="3" name="Notes Placeholder 2"/>
-          <p:cNvSpPr>
-            <a:spLocks noGrp="1"/>
-          </p:cNvSpPr>
-          <p:nvPr>
-            <p:ph type="body" idx="1"/>
-          </p:nvPr>
-        </p:nvSpPr>
-        <p:spPr/>
-        <p:txBody>
-          <a:bodyPr/>
-          <a:lstStyle/>
-          <a:p>
-            <a:endParaRPr lang="en-US" dirty="0"/>
-          </a:p>
-        </p:txBody>
-      </p:sp>
-    </p:spTree>
-    <p:extLst>
-      <p:ext uri="{BB962C8B-B14F-4D97-AF65-F5344CB8AC3E}">
-        <p14:creationId xmlns:p14="http://schemas.microsoft.com/office/powerpoint/2010/main" val="2170501014"/>
-      </p:ext>
-    </p:extLst>
-  </p:cSld>
-  <p:clrMapOvr>
-    <a:masterClrMapping/>
-  </p:clrMapOvr>
-</p:notes>
-</file>
-
-<file path=ppt/notesSlides/notesSlide9.xml><?xml version="1.0" encoding="utf-8"?>
-<p:notes xmlns:a="http://schemas.openxmlformats.org/drawingml/2006/main" xmlns:r="http://schemas.openxmlformats.org/officeDocument/2006/relationships" xmlns:p="http://schemas.openxmlformats.org/presentationml/2006/main" showMasterSp="0" showMasterPhAnim="0">
-  <p:cSld>
-    <p:spTree>
-      <p:nvGrpSpPr>
-        <p:cNvPr id="1" name="Shape 116"/>
-        <p:cNvGrpSpPr/>
-        <p:nvPr/>
-      </p:nvGrpSpPr>
-      <p:grpSpPr>
-        <a:xfrm>
-          <a:off x="0" y="0"/>
-          <a:ext cx="0" cy="0"/>
-          <a:chOff x="0" y="0"/>
-          <a:chExt cx="0" cy="0"/>
-        </a:xfrm>
-      </p:grpSpPr>
-      <p:sp>
-        <p:nvSpPr>
-          <p:cNvPr id="117" name="Google Shape;117;g1ffa771032_0_111:notes"/>
-          <p:cNvSpPr>
-            <a:spLocks noGrp="1" noRot="1" noChangeAspect="1"/>
-          </p:cNvSpPr>
-          <p:nvPr>
-            <p:ph type="sldImg" idx="2"/>
-          </p:nvPr>
-        </p:nvSpPr>
-        <p:spPr>
-          <a:xfrm>
-            <a:off x="381000" y="685800"/>
-            <a:ext cx="6096000" cy="3429000"/>
-          </a:xfrm>
-          <a:custGeom>
-            <a:avLst/>
-            <a:gdLst/>
-            <a:ahLst/>
-            <a:cxnLst/>
-            <a:rect l="0" t="0" r="0" b="0"/>
-            <a:pathLst>
-              <a:path w="120000" h="120000" extrusionOk="0">
-                <a:moveTo>
-                  <a:pt x="0" y="0"/>
-                </a:moveTo>
-                <a:lnTo>
-                  <a:pt x="120000" y="0"/>
-                </a:lnTo>
-                <a:lnTo>
-                  <a:pt x="120000" y="120000"/>
-                </a:lnTo>
-                <a:lnTo>
-                  <a:pt x="0" y="120000"/>
-                </a:lnTo>
-                <a:close/>
-              </a:path>
-            </a:pathLst>
-          </a:custGeom>
-        </p:spPr>
-      </p:sp>
-      <p:sp>
-        <p:nvSpPr>
-          <p:cNvPr id="118" name="Google Shape;118;g1ffa771032_0_111:notes"/>
-          <p:cNvSpPr txBox="1">
-            <a:spLocks noGrp="1"/>
-          </p:cNvSpPr>
-          <p:nvPr>
-            <p:ph type="body" idx="1"/>
-          </p:nvPr>
-        </p:nvSpPr>
-        <p:spPr>
-          <a:xfrm>
-            <a:off x="685800" y="4343400"/>
-            <a:ext cx="5486400" cy="4114800"/>
-          </a:xfrm>
-          <a:prstGeom prst="rect">
-            <a:avLst/>
-          </a:prstGeom>
-        </p:spPr>
-        <p:txBody>
-          <a:bodyPr spcFirstLastPara="1" wrap="square" lIns="91425" tIns="91425" rIns="91425" bIns="91425" anchor="t" anchorCtr="0">
-            <a:noAutofit/>
-          </a:bodyPr>
-          <a:lstStyle/>
-          <a:p>
-            <a:pPr lvl="0">
-              <a:spcBef>
-                <a:spcPts val="500"/>
-              </a:spcBef>
-            </a:pPr>
-            <a:r>
-              <a:rPr lang="en-US" dirty="0"/>
-              <a:t>Lambda growth models are more typical for wildlife,</a:t>
-            </a:r>
-            <a:r>
-              <a:rPr lang="en-US" baseline="0" dirty="0"/>
-              <a:t> fish and plants </a:t>
-            </a:r>
-            <a:r>
-              <a:rPr lang="en-US" baseline="0" dirty="0" err="1"/>
-              <a:t>etc</a:t>
-            </a:r>
-            <a:r>
-              <a:rPr lang="en-US" baseline="0" dirty="0"/>
-              <a:t> in temperate zones</a:t>
-            </a:r>
-          </a:p>
-          <a:p>
-            <a:pPr lvl="1">
-              <a:spcBef>
-                <a:spcPts val="500"/>
-              </a:spcBef>
-            </a:pPr>
-            <a:r>
-              <a:rPr lang="en-US" baseline="0" dirty="0"/>
-              <a:t>Populations with a breeding season, because r is highly variable over time</a:t>
-            </a:r>
-          </a:p>
-          <a:p>
-            <a:pPr lvl="2">
-              <a:spcBef>
-                <a:spcPts val="500"/>
-              </a:spcBef>
-            </a:pPr>
-            <a:r>
-              <a:rPr lang="en-US" baseline="0" dirty="0" err="1"/>
-              <a:t>Eg</a:t>
-            </a:r>
-            <a:r>
-              <a:rPr lang="en-US" baseline="0" dirty="0"/>
-              <a:t> it is very big during the breeding season as births are added much faster than mortalities, but then it becomes negative when the breeding season ends and mortalities in any moment exceed new births.</a:t>
-            </a:r>
-          </a:p>
-          <a:p>
-            <a:pPr lvl="2">
-              <a:spcBef>
-                <a:spcPts val="500"/>
-              </a:spcBef>
-            </a:pPr>
-            <a:r>
-              <a:rPr lang="en-US" baseline="0" dirty="0"/>
-              <a:t>So, we simplify to a birth pulse, lambda model that basically averages the </a:t>
-            </a:r>
-            <a:r>
-              <a:rPr lang="en-US" baseline="0" dirty="0" err="1"/>
-              <a:t>cnage</a:t>
-            </a:r>
-            <a:r>
-              <a:rPr lang="en-US" baseline="0" dirty="0"/>
-              <a:t> in the population of the course of a year</a:t>
-            </a:r>
-            <a:endParaRPr dirty="0"/>
-          </a:p>
-        </p:txBody>
-      </p:sp>
-    </p:spTree>
-    <p:extLst>
-      <p:ext uri="{BB962C8B-B14F-4D97-AF65-F5344CB8AC3E}">
-        <p14:creationId xmlns:p14="http://schemas.microsoft.com/office/powerpoint/2010/main" val="2257067122"/>
+        <p14:creationId xmlns:p14="http://schemas.microsoft.com/office/powerpoint/2010/main" val="2206254431"/>
       </p:ext>
     </p:extLst>
   </p:cSld>
@@ -2612,7 +2502,7 @@
           <p:cNvPr id="2" name="Title 1">
             <a:extLst>
               <a:ext uri="{FF2B5EF4-FFF2-40B4-BE49-F238E27FC236}">
-                <a16:creationId xmlns:a16="http://schemas.microsoft.com/office/drawing/2014/main" id="{F6BEE4D0-2948-4D8B-A6B0-A27F98C5260C}"/>
+                <a16:creationId xmlns:a16="http://schemas.microsoft.com/office/drawing/2014/main" xmlns="" id="{F6BEE4D0-2948-4D8B-A6B0-A27F98C5260C}"/>
               </a:ext>
             </a:extLst>
           </p:cNvPr>
@@ -2650,7 +2540,7 @@
           <p:cNvPr id="3" name="Subtitle 2">
             <a:extLst>
               <a:ext uri="{FF2B5EF4-FFF2-40B4-BE49-F238E27FC236}">
-                <a16:creationId xmlns:a16="http://schemas.microsoft.com/office/drawing/2014/main" id="{7F1F3275-E82E-484B-AF27-5650288E8ED2}"/>
+                <a16:creationId xmlns:a16="http://schemas.microsoft.com/office/drawing/2014/main" xmlns="" id="{7F1F3275-E82E-484B-AF27-5650288E8ED2}"/>
               </a:ext>
             </a:extLst>
           </p:cNvPr>
@@ -2723,7 +2613,7 @@
           <p:cNvPr id="9" name="Group 8">
             <a:extLst>
               <a:ext uri="{FF2B5EF4-FFF2-40B4-BE49-F238E27FC236}">
-                <a16:creationId xmlns:a16="http://schemas.microsoft.com/office/drawing/2014/main" id="{D86187BD-A9A7-4B3D-8F2C-B91567B9C326}"/>
+                <a16:creationId xmlns:a16="http://schemas.microsoft.com/office/drawing/2014/main" xmlns="" id="{D86187BD-A9A7-4B3D-8F2C-B91567B9C326}"/>
               </a:ext>
             </a:extLst>
           </p:cNvPr>
@@ -2743,7 +2633,7 @@
             <p:cNvPr id="7" name="Picture 6">
               <a:extLst>
                 <a:ext uri="{FF2B5EF4-FFF2-40B4-BE49-F238E27FC236}">
-                  <a16:creationId xmlns:a16="http://schemas.microsoft.com/office/drawing/2014/main" id="{0A3E5B43-8C12-4719-87CA-7E757457C225}"/>
+                  <a16:creationId xmlns:a16="http://schemas.microsoft.com/office/drawing/2014/main" xmlns="" id="{0A3E5B43-8C12-4719-87CA-7E757457C225}"/>
                 </a:ext>
               </a:extLst>
             </p:cNvPr>
@@ -2779,7 +2669,7 @@
             <p:cNvPr id="8" name="Picture 7">
               <a:extLst>
                 <a:ext uri="{FF2B5EF4-FFF2-40B4-BE49-F238E27FC236}">
-                  <a16:creationId xmlns:a16="http://schemas.microsoft.com/office/drawing/2014/main" id="{D1FEADCA-1EA9-45D5-8DD0-F4B44D8E1151}"/>
+                  <a16:creationId xmlns:a16="http://schemas.microsoft.com/office/drawing/2014/main" xmlns="" id="{D1FEADCA-1EA9-45D5-8DD0-F4B44D8E1151}"/>
                 </a:ext>
               </a:extLst>
             </p:cNvPr>
@@ -2846,7 +2736,7 @@
           <p:cNvPr id="2" name="Title 1">
             <a:extLst>
               <a:ext uri="{FF2B5EF4-FFF2-40B4-BE49-F238E27FC236}">
-                <a16:creationId xmlns:a16="http://schemas.microsoft.com/office/drawing/2014/main" id="{494522C5-0666-4DB7-83CE-5B6CB4D1CF9A}"/>
+                <a16:creationId xmlns:a16="http://schemas.microsoft.com/office/drawing/2014/main" xmlns="" id="{494522C5-0666-4DB7-83CE-5B6CB4D1CF9A}"/>
               </a:ext>
             </a:extLst>
           </p:cNvPr>
@@ -2874,7 +2764,7 @@
           <p:cNvPr id="3" name="Vertical Text Placeholder 2">
             <a:extLst>
               <a:ext uri="{FF2B5EF4-FFF2-40B4-BE49-F238E27FC236}">
-                <a16:creationId xmlns:a16="http://schemas.microsoft.com/office/drawing/2014/main" id="{2C129D95-7B38-4744-A706-F3D434E89EF7}"/>
+                <a16:creationId xmlns:a16="http://schemas.microsoft.com/office/drawing/2014/main" xmlns="" id="{2C129D95-7B38-4744-A706-F3D434E89EF7}"/>
               </a:ext>
             </a:extLst>
           </p:cNvPr>
@@ -2931,7 +2821,7 @@
           <p:cNvPr id="4" name="Date Placeholder 3">
             <a:extLst>
               <a:ext uri="{FF2B5EF4-FFF2-40B4-BE49-F238E27FC236}">
-                <a16:creationId xmlns:a16="http://schemas.microsoft.com/office/drawing/2014/main" id="{ADC97E7D-72AD-48B7-ABA5-B20ABBFBD7C7}"/>
+                <a16:creationId xmlns:a16="http://schemas.microsoft.com/office/drawing/2014/main" xmlns="" id="{ADC97E7D-72AD-48B7-ABA5-B20ABBFBD7C7}"/>
               </a:ext>
             </a:extLst>
           </p:cNvPr>
@@ -2957,7 +2847,7 @@
           <a:p>
             <a:fld id="{96DCDAD2-BF2B-4B23-962D-FA09F549519F}" type="datetimeFigureOut">
               <a:rPr lang="en-US" smtClean="0"/>
-              <a:t>12/11/2018</a:t>
+              <a:t>11/27/2019</a:t>
             </a:fld>
             <a:endParaRPr lang="en-US"/>
           </a:p>
@@ -2968,7 +2858,7 @@
           <p:cNvPr id="5" name="Footer Placeholder 4">
             <a:extLst>
               <a:ext uri="{FF2B5EF4-FFF2-40B4-BE49-F238E27FC236}">
-                <a16:creationId xmlns:a16="http://schemas.microsoft.com/office/drawing/2014/main" id="{796783C9-D241-4646-AA69-5AFF6519F7EB}"/>
+                <a16:creationId xmlns:a16="http://schemas.microsoft.com/office/drawing/2014/main" xmlns="" id="{796783C9-D241-4646-AA69-5AFF6519F7EB}"/>
               </a:ext>
             </a:extLst>
           </p:cNvPr>
@@ -2993,7 +2883,7 @@
           <p:cNvPr id="6" name="Slide Number Placeholder 5">
             <a:extLst>
               <a:ext uri="{FF2B5EF4-FFF2-40B4-BE49-F238E27FC236}">
-                <a16:creationId xmlns:a16="http://schemas.microsoft.com/office/drawing/2014/main" id="{0ABA8567-0C73-4EE1-85D6-11E997D3CA11}"/>
+                <a16:creationId xmlns:a16="http://schemas.microsoft.com/office/drawing/2014/main" xmlns="" id="{0ABA8567-0C73-4EE1-85D6-11E997D3CA11}"/>
               </a:ext>
             </a:extLst>
           </p:cNvPr>
@@ -3060,7 +2950,7 @@
           <p:cNvPr id="2" name="Vertical Title 1">
             <a:extLst>
               <a:ext uri="{FF2B5EF4-FFF2-40B4-BE49-F238E27FC236}">
-                <a16:creationId xmlns:a16="http://schemas.microsoft.com/office/drawing/2014/main" id="{C034C754-EBB8-4F31-83B1-76F65241CF42}"/>
+                <a16:creationId xmlns:a16="http://schemas.microsoft.com/office/drawing/2014/main" xmlns="" id="{C034C754-EBB8-4F31-83B1-76F65241CF42}"/>
               </a:ext>
             </a:extLst>
           </p:cNvPr>
@@ -3093,7 +2983,7 @@
           <p:cNvPr id="3" name="Vertical Text Placeholder 2">
             <a:extLst>
               <a:ext uri="{FF2B5EF4-FFF2-40B4-BE49-F238E27FC236}">
-                <a16:creationId xmlns:a16="http://schemas.microsoft.com/office/drawing/2014/main" id="{F0C526F1-1446-4F44-BC5F-884564219E21}"/>
+                <a16:creationId xmlns:a16="http://schemas.microsoft.com/office/drawing/2014/main" xmlns="" id="{F0C526F1-1446-4F44-BC5F-884564219E21}"/>
               </a:ext>
             </a:extLst>
           </p:cNvPr>
@@ -3155,7 +3045,7 @@
           <p:cNvPr id="4" name="Date Placeholder 3">
             <a:extLst>
               <a:ext uri="{FF2B5EF4-FFF2-40B4-BE49-F238E27FC236}">
-                <a16:creationId xmlns:a16="http://schemas.microsoft.com/office/drawing/2014/main" id="{1DAB0D6A-501E-4400-90AE-40AD173EACB5}"/>
+                <a16:creationId xmlns:a16="http://schemas.microsoft.com/office/drawing/2014/main" xmlns="" id="{1DAB0D6A-501E-4400-90AE-40AD173EACB5}"/>
               </a:ext>
             </a:extLst>
           </p:cNvPr>
@@ -3181,7 +3071,7 @@
           <a:p>
             <a:fld id="{96DCDAD2-BF2B-4B23-962D-FA09F549519F}" type="datetimeFigureOut">
               <a:rPr lang="en-US" smtClean="0"/>
-              <a:t>12/11/2018</a:t>
+              <a:t>11/27/2019</a:t>
             </a:fld>
             <a:endParaRPr lang="en-US"/>
           </a:p>
@@ -3192,7 +3082,7 @@
           <p:cNvPr id="5" name="Footer Placeholder 4">
             <a:extLst>
               <a:ext uri="{FF2B5EF4-FFF2-40B4-BE49-F238E27FC236}">
-                <a16:creationId xmlns:a16="http://schemas.microsoft.com/office/drawing/2014/main" id="{76F1E445-1BC8-4794-9C96-36BEAF0741B6}"/>
+                <a16:creationId xmlns:a16="http://schemas.microsoft.com/office/drawing/2014/main" xmlns="" id="{76F1E445-1BC8-4794-9C96-36BEAF0741B6}"/>
               </a:ext>
             </a:extLst>
           </p:cNvPr>
@@ -3217,7 +3107,7 @@
           <p:cNvPr id="6" name="Slide Number Placeholder 5">
             <a:extLst>
               <a:ext uri="{FF2B5EF4-FFF2-40B4-BE49-F238E27FC236}">
-                <a16:creationId xmlns:a16="http://schemas.microsoft.com/office/drawing/2014/main" id="{D28A5DE7-2691-4958-B071-BAF6637CA8BE}"/>
+                <a16:creationId xmlns:a16="http://schemas.microsoft.com/office/drawing/2014/main" xmlns="" id="{D28A5DE7-2691-4958-B071-BAF6637CA8BE}"/>
               </a:ext>
             </a:extLst>
           </p:cNvPr>
@@ -3639,7 +3529,7 @@
           <p:cNvPr id="2" name="Title 1">
             <a:extLst>
               <a:ext uri="{FF2B5EF4-FFF2-40B4-BE49-F238E27FC236}">
-                <a16:creationId xmlns:a16="http://schemas.microsoft.com/office/drawing/2014/main" id="{6C17425C-18D3-491A-B44C-33310DF00363}"/>
+                <a16:creationId xmlns:a16="http://schemas.microsoft.com/office/drawing/2014/main" xmlns="" id="{6C17425C-18D3-491A-B44C-33310DF00363}"/>
               </a:ext>
             </a:extLst>
           </p:cNvPr>
@@ -3668,7 +3558,7 @@
           <p:cNvPr id="3" name="Content Placeholder 2">
             <a:extLst>
               <a:ext uri="{FF2B5EF4-FFF2-40B4-BE49-F238E27FC236}">
-                <a16:creationId xmlns:a16="http://schemas.microsoft.com/office/drawing/2014/main" id="{690EA820-1375-49CA-A199-58675EA20385}"/>
+                <a16:creationId xmlns:a16="http://schemas.microsoft.com/office/drawing/2014/main" xmlns="" id="{690EA820-1375-49CA-A199-58675EA20385}"/>
               </a:ext>
             </a:extLst>
           </p:cNvPr>
@@ -3737,7 +3627,7 @@
           <p:cNvPr id="5" name="Footer Placeholder 4">
             <a:extLst>
               <a:ext uri="{FF2B5EF4-FFF2-40B4-BE49-F238E27FC236}">
-                <a16:creationId xmlns:a16="http://schemas.microsoft.com/office/drawing/2014/main" id="{2E02902E-6772-48E0-9C32-694AC3F38F05}"/>
+                <a16:creationId xmlns:a16="http://schemas.microsoft.com/office/drawing/2014/main" xmlns="" id="{2E02902E-6772-48E0-9C32-694AC3F38F05}"/>
               </a:ext>
             </a:extLst>
           </p:cNvPr>
@@ -3765,7 +3655,7 @@
           <p:cNvPr id="7" name="Group 6">
             <a:extLst>
               <a:ext uri="{FF2B5EF4-FFF2-40B4-BE49-F238E27FC236}">
-                <a16:creationId xmlns:a16="http://schemas.microsoft.com/office/drawing/2014/main" id="{298F834E-EBF3-46CA-A2EC-73D50440B60A}"/>
+                <a16:creationId xmlns:a16="http://schemas.microsoft.com/office/drawing/2014/main" xmlns="" id="{298F834E-EBF3-46CA-A2EC-73D50440B60A}"/>
               </a:ext>
             </a:extLst>
           </p:cNvPr>
@@ -3785,7 +3675,7 @@
             <p:cNvPr id="8" name="Picture 7">
               <a:extLst>
                 <a:ext uri="{FF2B5EF4-FFF2-40B4-BE49-F238E27FC236}">
-                  <a16:creationId xmlns:a16="http://schemas.microsoft.com/office/drawing/2014/main" id="{EB3E9659-0155-4ABB-9E67-A5BD8C5D39FB}"/>
+                  <a16:creationId xmlns:a16="http://schemas.microsoft.com/office/drawing/2014/main" xmlns="" id="{EB3E9659-0155-4ABB-9E67-A5BD8C5D39FB}"/>
                 </a:ext>
               </a:extLst>
             </p:cNvPr>
@@ -3821,7 +3711,7 @@
             <p:cNvPr id="9" name="Picture 8">
               <a:extLst>
                 <a:ext uri="{FF2B5EF4-FFF2-40B4-BE49-F238E27FC236}">
-                  <a16:creationId xmlns:a16="http://schemas.microsoft.com/office/drawing/2014/main" id="{1798BE8B-8B5E-4738-8DF7-8EF166351FDC}"/>
+                  <a16:creationId xmlns:a16="http://schemas.microsoft.com/office/drawing/2014/main" xmlns="" id="{1798BE8B-8B5E-4738-8DF7-8EF166351FDC}"/>
                 </a:ext>
               </a:extLst>
             </p:cNvPr>
@@ -3888,7 +3778,7 @@
           <p:cNvPr id="2" name="Title 1">
             <a:extLst>
               <a:ext uri="{FF2B5EF4-FFF2-40B4-BE49-F238E27FC236}">
-                <a16:creationId xmlns:a16="http://schemas.microsoft.com/office/drawing/2014/main" id="{185726EC-5590-4B3F-8B93-87BF6D6E2685}"/>
+                <a16:creationId xmlns:a16="http://schemas.microsoft.com/office/drawing/2014/main" xmlns="" id="{185726EC-5590-4B3F-8B93-87BF6D6E2685}"/>
               </a:ext>
             </a:extLst>
           </p:cNvPr>
@@ -3925,7 +3815,7 @@
           <p:cNvPr id="3" name="Text Placeholder 2">
             <a:extLst>
               <a:ext uri="{FF2B5EF4-FFF2-40B4-BE49-F238E27FC236}">
-                <a16:creationId xmlns:a16="http://schemas.microsoft.com/office/drawing/2014/main" id="{702BC31A-AFD3-475B-8FD8-2A3385AB9343}"/>
+                <a16:creationId xmlns:a16="http://schemas.microsoft.com/office/drawing/2014/main" xmlns="" id="{702BC31A-AFD3-475B-8FD8-2A3385AB9343}"/>
               </a:ext>
             </a:extLst>
           </p:cNvPr>
@@ -4050,7 +3940,7 @@
           <p:cNvPr id="4" name="Date Placeholder 3">
             <a:extLst>
               <a:ext uri="{FF2B5EF4-FFF2-40B4-BE49-F238E27FC236}">
-                <a16:creationId xmlns:a16="http://schemas.microsoft.com/office/drawing/2014/main" id="{C34470BF-A87D-49C2-A87F-81CA950634A0}"/>
+                <a16:creationId xmlns:a16="http://schemas.microsoft.com/office/drawing/2014/main" xmlns="" id="{C34470BF-A87D-49C2-A87F-81CA950634A0}"/>
               </a:ext>
             </a:extLst>
           </p:cNvPr>
@@ -4076,7 +3966,7 @@
           <a:p>
             <a:fld id="{96DCDAD2-BF2B-4B23-962D-FA09F549519F}" type="datetimeFigureOut">
               <a:rPr lang="en-US" smtClean="0"/>
-              <a:t>12/11/2018</a:t>
+              <a:t>11/27/2019</a:t>
             </a:fld>
             <a:endParaRPr lang="en-US"/>
           </a:p>
@@ -4087,7 +3977,7 @@
           <p:cNvPr id="5" name="Footer Placeholder 4">
             <a:extLst>
               <a:ext uri="{FF2B5EF4-FFF2-40B4-BE49-F238E27FC236}">
-                <a16:creationId xmlns:a16="http://schemas.microsoft.com/office/drawing/2014/main" id="{FA92D832-4BA1-436E-9216-19CE6A5C0BFE}"/>
+                <a16:creationId xmlns:a16="http://schemas.microsoft.com/office/drawing/2014/main" xmlns="" id="{FA92D832-4BA1-436E-9216-19CE6A5C0BFE}"/>
               </a:ext>
             </a:extLst>
           </p:cNvPr>
@@ -4112,7 +4002,7 @@
           <p:cNvPr id="6" name="Slide Number Placeholder 5">
             <a:extLst>
               <a:ext uri="{FF2B5EF4-FFF2-40B4-BE49-F238E27FC236}">
-                <a16:creationId xmlns:a16="http://schemas.microsoft.com/office/drawing/2014/main" id="{F05B968E-A11B-4791-A225-DDAB8A994CFA}"/>
+                <a16:creationId xmlns:a16="http://schemas.microsoft.com/office/drawing/2014/main" xmlns="" id="{F05B968E-A11B-4791-A225-DDAB8A994CFA}"/>
               </a:ext>
             </a:extLst>
           </p:cNvPr>
@@ -4179,7 +4069,7 @@
           <p:cNvPr id="2" name="Title 1">
             <a:extLst>
               <a:ext uri="{FF2B5EF4-FFF2-40B4-BE49-F238E27FC236}">
-                <a16:creationId xmlns:a16="http://schemas.microsoft.com/office/drawing/2014/main" id="{A4669A23-3852-415D-8903-B7312F70C8CE}"/>
+                <a16:creationId xmlns:a16="http://schemas.microsoft.com/office/drawing/2014/main" xmlns="" id="{A4669A23-3852-415D-8903-B7312F70C8CE}"/>
               </a:ext>
             </a:extLst>
           </p:cNvPr>
@@ -4207,7 +4097,7 @@
           <p:cNvPr id="3" name="Content Placeholder 2">
             <a:extLst>
               <a:ext uri="{FF2B5EF4-FFF2-40B4-BE49-F238E27FC236}">
-                <a16:creationId xmlns:a16="http://schemas.microsoft.com/office/drawing/2014/main" id="{11D49E50-AD63-415E-99DA-84C92E64DE61}"/>
+                <a16:creationId xmlns:a16="http://schemas.microsoft.com/office/drawing/2014/main" xmlns="" id="{11D49E50-AD63-415E-99DA-84C92E64DE61}"/>
               </a:ext>
             </a:extLst>
           </p:cNvPr>
@@ -4269,7 +4159,7 @@
           <p:cNvPr id="4" name="Content Placeholder 3">
             <a:extLst>
               <a:ext uri="{FF2B5EF4-FFF2-40B4-BE49-F238E27FC236}">
-                <a16:creationId xmlns:a16="http://schemas.microsoft.com/office/drawing/2014/main" id="{2A4420E8-85C5-4B63-9A9C-1CC0FA16D3A1}"/>
+                <a16:creationId xmlns:a16="http://schemas.microsoft.com/office/drawing/2014/main" xmlns="" id="{2A4420E8-85C5-4B63-9A9C-1CC0FA16D3A1}"/>
               </a:ext>
             </a:extLst>
           </p:cNvPr>
@@ -4331,7 +4221,7 @@
           <p:cNvPr id="5" name="Date Placeholder 4">
             <a:extLst>
               <a:ext uri="{FF2B5EF4-FFF2-40B4-BE49-F238E27FC236}">
-                <a16:creationId xmlns:a16="http://schemas.microsoft.com/office/drawing/2014/main" id="{2CD305D2-024D-47A9-A566-3657C84A3336}"/>
+                <a16:creationId xmlns:a16="http://schemas.microsoft.com/office/drawing/2014/main" xmlns="" id="{2CD305D2-024D-47A9-A566-3657C84A3336}"/>
               </a:ext>
             </a:extLst>
           </p:cNvPr>
@@ -4357,7 +4247,7 @@
           <a:p>
             <a:fld id="{96DCDAD2-BF2B-4B23-962D-FA09F549519F}" type="datetimeFigureOut">
               <a:rPr lang="en-US" smtClean="0"/>
-              <a:t>12/11/2018</a:t>
+              <a:t>11/27/2019</a:t>
             </a:fld>
             <a:endParaRPr lang="en-US"/>
           </a:p>
@@ -4368,7 +4258,7 @@
           <p:cNvPr id="6" name="Footer Placeholder 5">
             <a:extLst>
               <a:ext uri="{FF2B5EF4-FFF2-40B4-BE49-F238E27FC236}">
-                <a16:creationId xmlns:a16="http://schemas.microsoft.com/office/drawing/2014/main" id="{73B305F1-7C3A-47AC-B3BA-9C8569C6B7DC}"/>
+                <a16:creationId xmlns:a16="http://schemas.microsoft.com/office/drawing/2014/main" xmlns="" id="{73B305F1-7C3A-47AC-B3BA-9C8569C6B7DC}"/>
               </a:ext>
             </a:extLst>
           </p:cNvPr>
@@ -4393,7 +4283,7 @@
           <p:cNvPr id="7" name="Slide Number Placeholder 6">
             <a:extLst>
               <a:ext uri="{FF2B5EF4-FFF2-40B4-BE49-F238E27FC236}">
-                <a16:creationId xmlns:a16="http://schemas.microsoft.com/office/drawing/2014/main" id="{AAB821BD-C529-4F76-B156-490A930D2AFF}"/>
+                <a16:creationId xmlns:a16="http://schemas.microsoft.com/office/drawing/2014/main" xmlns="" id="{AAB821BD-C529-4F76-B156-490A930D2AFF}"/>
               </a:ext>
             </a:extLst>
           </p:cNvPr>
@@ -4460,7 +4350,7 @@
           <p:cNvPr id="2" name="Title 1">
             <a:extLst>
               <a:ext uri="{FF2B5EF4-FFF2-40B4-BE49-F238E27FC236}">
-                <a16:creationId xmlns:a16="http://schemas.microsoft.com/office/drawing/2014/main" id="{9C561881-86DC-4916-AE89-0AF94D9C2977}"/>
+                <a16:creationId xmlns:a16="http://schemas.microsoft.com/office/drawing/2014/main" xmlns="" id="{9C561881-86DC-4916-AE89-0AF94D9C2977}"/>
               </a:ext>
             </a:extLst>
           </p:cNvPr>
@@ -4493,7 +4383,7 @@
           <p:cNvPr id="3" name="Text Placeholder 2">
             <a:extLst>
               <a:ext uri="{FF2B5EF4-FFF2-40B4-BE49-F238E27FC236}">
-                <a16:creationId xmlns:a16="http://schemas.microsoft.com/office/drawing/2014/main" id="{B1168BAB-1836-4E96-BAD0-AAFF619D397D}"/>
+                <a16:creationId xmlns:a16="http://schemas.microsoft.com/office/drawing/2014/main" xmlns="" id="{B1168BAB-1836-4E96-BAD0-AAFF619D397D}"/>
               </a:ext>
             </a:extLst>
           </p:cNvPr>
@@ -4564,7 +4454,7 @@
           <p:cNvPr id="4" name="Content Placeholder 3">
             <a:extLst>
               <a:ext uri="{FF2B5EF4-FFF2-40B4-BE49-F238E27FC236}">
-                <a16:creationId xmlns:a16="http://schemas.microsoft.com/office/drawing/2014/main" id="{32FF6108-0262-4DA9-B7C1-67C14C5DD408}"/>
+                <a16:creationId xmlns:a16="http://schemas.microsoft.com/office/drawing/2014/main" xmlns="" id="{32FF6108-0262-4DA9-B7C1-67C14C5DD408}"/>
               </a:ext>
             </a:extLst>
           </p:cNvPr>
@@ -4626,7 +4516,7 @@
           <p:cNvPr id="5" name="Text Placeholder 4">
             <a:extLst>
               <a:ext uri="{FF2B5EF4-FFF2-40B4-BE49-F238E27FC236}">
-                <a16:creationId xmlns:a16="http://schemas.microsoft.com/office/drawing/2014/main" id="{C3435E12-9692-4AB9-8792-8753CF5F331B}"/>
+                <a16:creationId xmlns:a16="http://schemas.microsoft.com/office/drawing/2014/main" xmlns="" id="{C3435E12-9692-4AB9-8792-8753CF5F331B}"/>
               </a:ext>
             </a:extLst>
           </p:cNvPr>
@@ -4697,7 +4587,7 @@
           <p:cNvPr id="6" name="Content Placeholder 5">
             <a:extLst>
               <a:ext uri="{FF2B5EF4-FFF2-40B4-BE49-F238E27FC236}">
-                <a16:creationId xmlns:a16="http://schemas.microsoft.com/office/drawing/2014/main" id="{B354201C-5274-4011-A80E-FE3998BCD0BB}"/>
+                <a16:creationId xmlns:a16="http://schemas.microsoft.com/office/drawing/2014/main" xmlns="" id="{B354201C-5274-4011-A80E-FE3998BCD0BB}"/>
               </a:ext>
             </a:extLst>
           </p:cNvPr>
@@ -4759,7 +4649,7 @@
           <p:cNvPr id="7" name="Date Placeholder 6">
             <a:extLst>
               <a:ext uri="{FF2B5EF4-FFF2-40B4-BE49-F238E27FC236}">
-                <a16:creationId xmlns:a16="http://schemas.microsoft.com/office/drawing/2014/main" id="{DB6D68A9-CDBE-4250-BDC9-E32480670E89}"/>
+                <a16:creationId xmlns:a16="http://schemas.microsoft.com/office/drawing/2014/main" xmlns="" id="{DB6D68A9-CDBE-4250-BDC9-E32480670E89}"/>
               </a:ext>
             </a:extLst>
           </p:cNvPr>
@@ -4785,7 +4675,7 @@
           <a:p>
             <a:fld id="{96DCDAD2-BF2B-4B23-962D-FA09F549519F}" type="datetimeFigureOut">
               <a:rPr lang="en-US" smtClean="0"/>
-              <a:t>12/11/2018</a:t>
+              <a:t>11/27/2019</a:t>
             </a:fld>
             <a:endParaRPr lang="en-US"/>
           </a:p>
@@ -4796,7 +4686,7 @@
           <p:cNvPr id="8" name="Footer Placeholder 7">
             <a:extLst>
               <a:ext uri="{FF2B5EF4-FFF2-40B4-BE49-F238E27FC236}">
-                <a16:creationId xmlns:a16="http://schemas.microsoft.com/office/drawing/2014/main" id="{9C6A8D0A-7F29-45C6-82F2-06B303437B1D}"/>
+                <a16:creationId xmlns:a16="http://schemas.microsoft.com/office/drawing/2014/main" xmlns="" id="{9C6A8D0A-7F29-45C6-82F2-06B303437B1D}"/>
               </a:ext>
             </a:extLst>
           </p:cNvPr>
@@ -4821,7 +4711,7 @@
           <p:cNvPr id="9" name="Slide Number Placeholder 8">
             <a:extLst>
               <a:ext uri="{FF2B5EF4-FFF2-40B4-BE49-F238E27FC236}">
-                <a16:creationId xmlns:a16="http://schemas.microsoft.com/office/drawing/2014/main" id="{81B1795D-5472-415B-BA30-F548D00786DF}"/>
+                <a16:creationId xmlns:a16="http://schemas.microsoft.com/office/drawing/2014/main" xmlns="" id="{81B1795D-5472-415B-BA30-F548D00786DF}"/>
               </a:ext>
             </a:extLst>
           </p:cNvPr>
@@ -4888,7 +4778,7 @@
           <p:cNvPr id="2" name="Title 1">
             <a:extLst>
               <a:ext uri="{FF2B5EF4-FFF2-40B4-BE49-F238E27FC236}">
-                <a16:creationId xmlns:a16="http://schemas.microsoft.com/office/drawing/2014/main" id="{2EB3CEBF-9D6F-47EF-9EE3-62C97B8693C7}"/>
+                <a16:creationId xmlns:a16="http://schemas.microsoft.com/office/drawing/2014/main" xmlns="" id="{2EB3CEBF-9D6F-47EF-9EE3-62C97B8693C7}"/>
               </a:ext>
             </a:extLst>
           </p:cNvPr>
@@ -4916,7 +4806,7 @@
           <p:cNvPr id="3" name="Date Placeholder 2">
             <a:extLst>
               <a:ext uri="{FF2B5EF4-FFF2-40B4-BE49-F238E27FC236}">
-                <a16:creationId xmlns:a16="http://schemas.microsoft.com/office/drawing/2014/main" id="{C6AE9C0A-FC09-4279-A12C-CF1FC4ACCE9B}"/>
+                <a16:creationId xmlns:a16="http://schemas.microsoft.com/office/drawing/2014/main" xmlns="" id="{C6AE9C0A-FC09-4279-A12C-CF1FC4ACCE9B}"/>
               </a:ext>
             </a:extLst>
           </p:cNvPr>
@@ -4942,7 +4832,7 @@
           <a:p>
             <a:fld id="{96DCDAD2-BF2B-4B23-962D-FA09F549519F}" type="datetimeFigureOut">
               <a:rPr lang="en-US" smtClean="0"/>
-              <a:t>12/11/2018</a:t>
+              <a:t>11/27/2019</a:t>
             </a:fld>
             <a:endParaRPr lang="en-US"/>
           </a:p>
@@ -4953,7 +4843,7 @@
           <p:cNvPr id="4" name="Footer Placeholder 3">
             <a:extLst>
               <a:ext uri="{FF2B5EF4-FFF2-40B4-BE49-F238E27FC236}">
-                <a16:creationId xmlns:a16="http://schemas.microsoft.com/office/drawing/2014/main" id="{89A9F02E-BCCD-47A7-916C-5C304CA71A62}"/>
+                <a16:creationId xmlns:a16="http://schemas.microsoft.com/office/drawing/2014/main" xmlns="" id="{89A9F02E-BCCD-47A7-916C-5C304CA71A62}"/>
               </a:ext>
             </a:extLst>
           </p:cNvPr>
@@ -4978,7 +4868,7 @@
           <p:cNvPr id="5" name="Slide Number Placeholder 4">
             <a:extLst>
               <a:ext uri="{FF2B5EF4-FFF2-40B4-BE49-F238E27FC236}">
-                <a16:creationId xmlns:a16="http://schemas.microsoft.com/office/drawing/2014/main" id="{DCCA5EE6-0D3B-4C18-8759-812A322530D2}"/>
+                <a16:creationId xmlns:a16="http://schemas.microsoft.com/office/drawing/2014/main" xmlns="" id="{DCCA5EE6-0D3B-4C18-8759-812A322530D2}"/>
               </a:ext>
             </a:extLst>
           </p:cNvPr>
@@ -5045,7 +4935,7 @@
           <p:cNvPr id="2" name="Date Placeholder 1">
             <a:extLst>
               <a:ext uri="{FF2B5EF4-FFF2-40B4-BE49-F238E27FC236}">
-                <a16:creationId xmlns:a16="http://schemas.microsoft.com/office/drawing/2014/main" id="{692CB08F-9B03-4D60-8EE4-511D62AE0DA2}"/>
+                <a16:creationId xmlns:a16="http://schemas.microsoft.com/office/drawing/2014/main" xmlns="" id="{692CB08F-9B03-4D60-8EE4-511D62AE0DA2}"/>
               </a:ext>
             </a:extLst>
           </p:cNvPr>
@@ -5071,7 +4961,7 @@
           <a:p>
             <a:fld id="{96DCDAD2-BF2B-4B23-962D-FA09F549519F}" type="datetimeFigureOut">
               <a:rPr lang="en-US" smtClean="0"/>
-              <a:t>12/11/2018</a:t>
+              <a:t>11/27/2019</a:t>
             </a:fld>
             <a:endParaRPr lang="en-US"/>
           </a:p>
@@ -5082,7 +4972,7 @@
           <p:cNvPr id="3" name="Footer Placeholder 2">
             <a:extLst>
               <a:ext uri="{FF2B5EF4-FFF2-40B4-BE49-F238E27FC236}">
-                <a16:creationId xmlns:a16="http://schemas.microsoft.com/office/drawing/2014/main" id="{02D76FC5-22C7-4DB5-A361-705C02029D6F}"/>
+                <a16:creationId xmlns:a16="http://schemas.microsoft.com/office/drawing/2014/main" xmlns="" id="{02D76FC5-22C7-4DB5-A361-705C02029D6F}"/>
               </a:ext>
             </a:extLst>
           </p:cNvPr>
@@ -5107,7 +4997,7 @@
           <p:cNvPr id="4" name="Slide Number Placeholder 3">
             <a:extLst>
               <a:ext uri="{FF2B5EF4-FFF2-40B4-BE49-F238E27FC236}">
-                <a16:creationId xmlns:a16="http://schemas.microsoft.com/office/drawing/2014/main" id="{BDE70A03-9867-43E1-A029-A3BE230783BC}"/>
+                <a16:creationId xmlns:a16="http://schemas.microsoft.com/office/drawing/2014/main" xmlns="" id="{BDE70A03-9867-43E1-A029-A3BE230783BC}"/>
               </a:ext>
             </a:extLst>
           </p:cNvPr>
@@ -5174,7 +5064,7 @@
           <p:cNvPr id="2" name="Title 1">
             <a:extLst>
               <a:ext uri="{FF2B5EF4-FFF2-40B4-BE49-F238E27FC236}">
-                <a16:creationId xmlns:a16="http://schemas.microsoft.com/office/drawing/2014/main" id="{7D92E7AC-CA20-4FC5-AA54-7B5F06D7E3DF}"/>
+                <a16:creationId xmlns:a16="http://schemas.microsoft.com/office/drawing/2014/main" xmlns="" id="{7D92E7AC-CA20-4FC5-AA54-7B5F06D7E3DF}"/>
               </a:ext>
             </a:extLst>
           </p:cNvPr>
@@ -5211,7 +5101,7 @@
           <p:cNvPr id="3" name="Content Placeholder 2">
             <a:extLst>
               <a:ext uri="{FF2B5EF4-FFF2-40B4-BE49-F238E27FC236}">
-                <a16:creationId xmlns:a16="http://schemas.microsoft.com/office/drawing/2014/main" id="{C04311B7-6590-4631-B0EA-3CE414A88DA8}"/>
+                <a16:creationId xmlns:a16="http://schemas.microsoft.com/office/drawing/2014/main" xmlns="" id="{C04311B7-6590-4631-B0EA-3CE414A88DA8}"/>
               </a:ext>
             </a:extLst>
           </p:cNvPr>
@@ -5301,7 +5191,7 @@
           <p:cNvPr id="4" name="Text Placeholder 3">
             <a:extLst>
               <a:ext uri="{FF2B5EF4-FFF2-40B4-BE49-F238E27FC236}">
-                <a16:creationId xmlns:a16="http://schemas.microsoft.com/office/drawing/2014/main" id="{B2F21C70-E3E7-4A52-B9E1-8B7E6EDF4A73}"/>
+                <a16:creationId xmlns:a16="http://schemas.microsoft.com/office/drawing/2014/main" xmlns="" id="{B2F21C70-E3E7-4A52-B9E1-8B7E6EDF4A73}"/>
               </a:ext>
             </a:extLst>
           </p:cNvPr>
@@ -5372,7 +5262,7 @@
           <p:cNvPr id="5" name="Date Placeholder 4">
             <a:extLst>
               <a:ext uri="{FF2B5EF4-FFF2-40B4-BE49-F238E27FC236}">
-                <a16:creationId xmlns:a16="http://schemas.microsoft.com/office/drawing/2014/main" id="{C3665185-E7E2-4539-B9D0-02A042196115}"/>
+                <a16:creationId xmlns:a16="http://schemas.microsoft.com/office/drawing/2014/main" xmlns="" id="{C3665185-E7E2-4539-B9D0-02A042196115}"/>
               </a:ext>
             </a:extLst>
           </p:cNvPr>
@@ -5398,7 +5288,7 @@
           <a:p>
             <a:fld id="{96DCDAD2-BF2B-4B23-962D-FA09F549519F}" type="datetimeFigureOut">
               <a:rPr lang="en-US" smtClean="0"/>
-              <a:t>12/11/2018</a:t>
+              <a:t>11/27/2019</a:t>
             </a:fld>
             <a:endParaRPr lang="en-US"/>
           </a:p>
@@ -5409,7 +5299,7 @@
           <p:cNvPr id="6" name="Footer Placeholder 5">
             <a:extLst>
               <a:ext uri="{FF2B5EF4-FFF2-40B4-BE49-F238E27FC236}">
-                <a16:creationId xmlns:a16="http://schemas.microsoft.com/office/drawing/2014/main" id="{95F35328-35F6-4E9F-ACEA-7F6EDCE1399D}"/>
+                <a16:creationId xmlns:a16="http://schemas.microsoft.com/office/drawing/2014/main" xmlns="" id="{95F35328-35F6-4E9F-ACEA-7F6EDCE1399D}"/>
               </a:ext>
             </a:extLst>
           </p:cNvPr>
@@ -5434,7 +5324,7 @@
           <p:cNvPr id="7" name="Slide Number Placeholder 6">
             <a:extLst>
               <a:ext uri="{FF2B5EF4-FFF2-40B4-BE49-F238E27FC236}">
-                <a16:creationId xmlns:a16="http://schemas.microsoft.com/office/drawing/2014/main" id="{7D3530D7-713A-4142-865D-69F2CBB2ABC3}"/>
+                <a16:creationId xmlns:a16="http://schemas.microsoft.com/office/drawing/2014/main" xmlns="" id="{7D3530D7-713A-4142-865D-69F2CBB2ABC3}"/>
               </a:ext>
             </a:extLst>
           </p:cNvPr>
@@ -5501,7 +5391,7 @@
           <p:cNvPr id="2" name="Title 1">
             <a:extLst>
               <a:ext uri="{FF2B5EF4-FFF2-40B4-BE49-F238E27FC236}">
-                <a16:creationId xmlns:a16="http://schemas.microsoft.com/office/drawing/2014/main" id="{5858AD64-1235-487E-9A09-75012305112A}"/>
+                <a16:creationId xmlns:a16="http://schemas.microsoft.com/office/drawing/2014/main" xmlns="" id="{5858AD64-1235-487E-9A09-75012305112A}"/>
               </a:ext>
             </a:extLst>
           </p:cNvPr>
@@ -5538,7 +5428,7 @@
           <p:cNvPr id="3" name="Picture Placeholder 2">
             <a:extLst>
               <a:ext uri="{FF2B5EF4-FFF2-40B4-BE49-F238E27FC236}">
-                <a16:creationId xmlns:a16="http://schemas.microsoft.com/office/drawing/2014/main" id="{05D99B9C-611F-4220-8C96-BA83A97158DA}"/>
+                <a16:creationId xmlns:a16="http://schemas.microsoft.com/office/drawing/2014/main" xmlns="" id="{05D99B9C-611F-4220-8C96-BA83A97158DA}"/>
               </a:ext>
             </a:extLst>
           </p:cNvPr>
@@ -5608,7 +5498,7 @@
           <p:cNvPr id="4" name="Text Placeholder 3">
             <a:extLst>
               <a:ext uri="{FF2B5EF4-FFF2-40B4-BE49-F238E27FC236}">
-                <a16:creationId xmlns:a16="http://schemas.microsoft.com/office/drawing/2014/main" id="{4E0AA1A1-26F2-44A0-9322-3322B2666875}"/>
+                <a16:creationId xmlns:a16="http://schemas.microsoft.com/office/drawing/2014/main" xmlns="" id="{4E0AA1A1-26F2-44A0-9322-3322B2666875}"/>
               </a:ext>
             </a:extLst>
           </p:cNvPr>
@@ -5679,7 +5569,7 @@
           <p:cNvPr id="5" name="Date Placeholder 4">
             <a:extLst>
               <a:ext uri="{FF2B5EF4-FFF2-40B4-BE49-F238E27FC236}">
-                <a16:creationId xmlns:a16="http://schemas.microsoft.com/office/drawing/2014/main" id="{2520F382-0E56-432B-970C-3DABE5CA9ACE}"/>
+                <a16:creationId xmlns:a16="http://schemas.microsoft.com/office/drawing/2014/main" xmlns="" id="{2520F382-0E56-432B-970C-3DABE5CA9ACE}"/>
               </a:ext>
             </a:extLst>
           </p:cNvPr>
@@ -5705,7 +5595,7 @@
           <a:p>
             <a:fld id="{96DCDAD2-BF2B-4B23-962D-FA09F549519F}" type="datetimeFigureOut">
               <a:rPr lang="en-US" smtClean="0"/>
-              <a:t>12/11/2018</a:t>
+              <a:t>11/27/2019</a:t>
             </a:fld>
             <a:endParaRPr lang="en-US"/>
           </a:p>
@@ -5716,7 +5606,7 @@
           <p:cNvPr id="6" name="Footer Placeholder 5">
             <a:extLst>
               <a:ext uri="{FF2B5EF4-FFF2-40B4-BE49-F238E27FC236}">
-                <a16:creationId xmlns:a16="http://schemas.microsoft.com/office/drawing/2014/main" id="{E62E010E-DD6F-43A1-82AC-4AAEF7E49092}"/>
+                <a16:creationId xmlns:a16="http://schemas.microsoft.com/office/drawing/2014/main" xmlns="" id="{E62E010E-DD6F-43A1-82AC-4AAEF7E49092}"/>
               </a:ext>
             </a:extLst>
           </p:cNvPr>
@@ -5741,7 +5631,7 @@
           <p:cNvPr id="7" name="Slide Number Placeholder 6">
             <a:extLst>
               <a:ext uri="{FF2B5EF4-FFF2-40B4-BE49-F238E27FC236}">
-                <a16:creationId xmlns:a16="http://schemas.microsoft.com/office/drawing/2014/main" id="{F71EA10F-0831-4A28-8DCF-F8218C7F6AF5}"/>
+                <a16:creationId xmlns:a16="http://schemas.microsoft.com/office/drawing/2014/main" xmlns="" id="{F71EA10F-0831-4A28-8DCF-F8218C7F6AF5}"/>
               </a:ext>
             </a:extLst>
           </p:cNvPr>
@@ -5813,7 +5703,7 @@
           <p:cNvPr id="2" name="Title Placeholder 1">
             <a:extLst>
               <a:ext uri="{FF2B5EF4-FFF2-40B4-BE49-F238E27FC236}">
-                <a16:creationId xmlns:a16="http://schemas.microsoft.com/office/drawing/2014/main" id="{B97A4B4B-7891-46E8-8E2C-4A43CE28BEDF}"/>
+                <a16:creationId xmlns:a16="http://schemas.microsoft.com/office/drawing/2014/main" xmlns="" id="{B97A4B4B-7891-46E8-8E2C-4A43CE28BEDF}"/>
               </a:ext>
             </a:extLst>
           </p:cNvPr>
@@ -5851,7 +5741,7 @@
           <p:cNvPr id="3" name="Text Placeholder 2">
             <a:extLst>
               <a:ext uri="{FF2B5EF4-FFF2-40B4-BE49-F238E27FC236}">
-                <a16:creationId xmlns:a16="http://schemas.microsoft.com/office/drawing/2014/main" id="{3911003D-388B-489E-B61B-028FD9516650}"/>
+                <a16:creationId xmlns:a16="http://schemas.microsoft.com/office/drawing/2014/main" xmlns="" id="{3911003D-388B-489E-B61B-028FD9516650}"/>
               </a:ext>
             </a:extLst>
           </p:cNvPr>
@@ -5918,7 +5808,7 @@
           <p:cNvPr id="5" name="Footer Placeholder 4">
             <a:extLst>
               <a:ext uri="{FF2B5EF4-FFF2-40B4-BE49-F238E27FC236}">
-                <a16:creationId xmlns:a16="http://schemas.microsoft.com/office/drawing/2014/main" id="{7FF24B16-6409-4A0B-A9E8-7BEDFCD3741B}"/>
+                <a16:creationId xmlns:a16="http://schemas.microsoft.com/office/drawing/2014/main" xmlns="" id="{7FF24B16-6409-4A0B-A9E8-7BEDFCD3741B}"/>
               </a:ext>
             </a:extLst>
           </p:cNvPr>
@@ -5964,7 +5854,7 @@
           <p:cNvPr id="8" name="Group 7">
             <a:extLst>
               <a:ext uri="{FF2B5EF4-FFF2-40B4-BE49-F238E27FC236}">
-                <a16:creationId xmlns:a16="http://schemas.microsoft.com/office/drawing/2014/main" id="{8C1E83E0-1C1D-47CB-853B-598DFFEE3018}"/>
+                <a16:creationId xmlns:a16="http://schemas.microsoft.com/office/drawing/2014/main" xmlns="" id="{8C1E83E0-1C1D-47CB-853B-598DFFEE3018}"/>
               </a:ext>
             </a:extLst>
           </p:cNvPr>
@@ -5984,7 +5874,7 @@
             <p:cNvPr id="9" name="Picture 8">
               <a:extLst>
                 <a:ext uri="{FF2B5EF4-FFF2-40B4-BE49-F238E27FC236}">
-                  <a16:creationId xmlns:a16="http://schemas.microsoft.com/office/drawing/2014/main" id="{C247AE3A-171B-4E36-8770-E111D72C8D51}"/>
+                  <a16:creationId xmlns:a16="http://schemas.microsoft.com/office/drawing/2014/main" xmlns="" id="{C247AE3A-171B-4E36-8770-E111D72C8D51}"/>
                 </a:ext>
               </a:extLst>
             </p:cNvPr>
@@ -6020,7 +5910,7 @@
             <p:cNvPr id="10" name="Picture 9">
               <a:extLst>
                 <a:ext uri="{FF2B5EF4-FFF2-40B4-BE49-F238E27FC236}">
-                  <a16:creationId xmlns:a16="http://schemas.microsoft.com/office/drawing/2014/main" id="{CB3072C0-B39B-4FDC-B4B6-E51875FEB3AC}"/>
+                  <a16:creationId xmlns:a16="http://schemas.microsoft.com/office/drawing/2014/main" xmlns="" id="{CB3072C0-B39B-4FDC-B4B6-E51875FEB3AC}"/>
                 </a:ext>
               </a:extLst>
             </p:cNvPr>
@@ -6438,116 +6328,6 @@
   <p:cSld>
     <p:spTree>
       <p:nvGrpSpPr>
-        <p:cNvPr id="1" name=""/>
-        <p:cNvGrpSpPr/>
-        <p:nvPr/>
-      </p:nvGrpSpPr>
-      <p:grpSpPr>
-        <a:xfrm>
-          <a:off x="0" y="0"/>
-          <a:ext cx="0" cy="0"/>
-          <a:chOff x="0" y="0"/>
-          <a:chExt cx="0" cy="0"/>
-        </a:xfrm>
-      </p:grpSpPr>
-      <p:sp>
-        <p:nvSpPr>
-          <p:cNvPr id="6" name="Title 5">
-            <a:extLst>
-              <a:ext uri="{FF2B5EF4-FFF2-40B4-BE49-F238E27FC236}">
-                <a16:creationId xmlns:a16="http://schemas.microsoft.com/office/drawing/2014/main" id="{0FD1DA44-B07C-4B09-ADFC-A208D2C2431A}"/>
-              </a:ext>
-            </a:extLst>
-          </p:cNvPr>
-          <p:cNvSpPr>
-            <a:spLocks noGrp="1"/>
-          </p:cNvSpPr>
-          <p:nvPr>
-            <p:ph type="title"/>
-          </p:nvPr>
-        </p:nvSpPr>
-        <p:spPr/>
-        <p:txBody>
-          <a:bodyPr/>
-          <a:lstStyle/>
-          <a:p>
-            <a:endParaRPr lang="en-US"/>
-          </a:p>
-        </p:txBody>
-      </p:sp>
-      <p:sp>
-        <p:nvSpPr>
-          <p:cNvPr id="7" name="Text Placeholder 6">
-            <a:extLst>
-              <a:ext uri="{FF2B5EF4-FFF2-40B4-BE49-F238E27FC236}">
-                <a16:creationId xmlns:a16="http://schemas.microsoft.com/office/drawing/2014/main" id="{5F44D9DE-BB02-48E0-A7B3-7C6F25CBD060}"/>
-              </a:ext>
-            </a:extLst>
-          </p:cNvPr>
-          <p:cNvSpPr>
-            <a:spLocks noGrp="1"/>
-          </p:cNvSpPr>
-          <p:nvPr>
-            <p:ph type="body" idx="1"/>
-          </p:nvPr>
-        </p:nvSpPr>
-        <p:spPr/>
-        <p:txBody>
-          <a:bodyPr/>
-          <a:lstStyle/>
-          <a:p>
-            <a:endParaRPr lang="en-US"/>
-          </a:p>
-        </p:txBody>
-      </p:sp>
-      <p:pic>
-        <p:nvPicPr>
-          <p:cNvPr id="4" name="Picture 3"/>
-          <p:cNvPicPr>
-            <a:picLocks noChangeAspect="1"/>
-          </p:cNvPicPr>
-          <p:nvPr/>
-        </p:nvPicPr>
-        <p:blipFill>
-          <a:blip r:embed="rId2">
-            <a:extLst>
-              <a:ext uri="{28A0092B-C50C-407E-A947-70E740481C1C}">
-                <a14:useLocalDpi xmlns:a14="http://schemas.microsoft.com/office/drawing/2010/main" val="0"/>
-              </a:ext>
-            </a:extLst>
-          </a:blip>
-          <a:stretch>
-            <a:fillRect/>
-          </a:stretch>
-        </p:blipFill>
-        <p:spPr>
-          <a:xfrm>
-            <a:off x="482498" y="667353"/>
-            <a:ext cx="10952317" cy="4826444"/>
-          </a:xfrm>
-          <a:prstGeom prst="rect">
-            <a:avLst/>
-          </a:prstGeom>
-        </p:spPr>
-      </p:pic>
-    </p:spTree>
-    <p:extLst>
-      <p:ext uri="{BB962C8B-B14F-4D97-AF65-F5344CB8AC3E}">
-        <p14:creationId xmlns:p14="http://schemas.microsoft.com/office/powerpoint/2010/main" val="1966895146"/>
-      </p:ext>
-    </p:extLst>
-  </p:cSld>
-  <p:clrMapOvr>
-    <a:masterClrMapping/>
-  </p:clrMapOvr>
-</p:sld>
-</file>
-
-<file path=ppt/slides/slide11.xml><?xml version="1.0" encoding="utf-8"?>
-<p:sld xmlns:a="http://schemas.openxmlformats.org/drawingml/2006/main" xmlns:r="http://schemas.openxmlformats.org/officeDocument/2006/relationships" xmlns:p="http://schemas.openxmlformats.org/presentationml/2006/main">
-  <p:cSld>
-    <p:spTree>
-      <p:nvGrpSpPr>
         <p:cNvPr id="1" name="Shape 143"/>
         <p:cNvGrpSpPr/>
         <p:nvPr/>
@@ -6779,7 +6559,7 @@
 </p:sld>
 </file>
 
-<file path=ppt/slides/slide12.xml><?xml version="1.0" encoding="utf-8"?>
+<file path=ppt/slides/slide11.xml><?xml version="1.0" encoding="utf-8"?>
 <p:sld xmlns:a="http://schemas.openxmlformats.org/drawingml/2006/main" xmlns:r="http://schemas.openxmlformats.org/officeDocument/2006/relationships" xmlns:p="http://schemas.openxmlformats.org/presentationml/2006/main">
   <p:cSld>
     <p:spTree>
@@ -6801,7 +6581,7 @@
           <p:cNvPr id="6" name="Title 5">
             <a:extLst>
               <a:ext uri="{FF2B5EF4-FFF2-40B4-BE49-F238E27FC236}">
-                <a16:creationId xmlns:a16="http://schemas.microsoft.com/office/drawing/2014/main" id="{40F1E2B2-4ECF-4BB4-80B7-BA6E3DB0FD33}"/>
+                <a16:creationId xmlns:a16="http://schemas.microsoft.com/office/drawing/2014/main" xmlns="" id="{40F1E2B2-4ECF-4BB4-80B7-BA6E3DB0FD33}"/>
               </a:ext>
             </a:extLst>
           </p:cNvPr>
@@ -6826,7 +6606,7 @@
           <p:cNvPr id="7" name="Text Placeholder 6">
             <a:extLst>
               <a:ext uri="{FF2B5EF4-FFF2-40B4-BE49-F238E27FC236}">
-                <a16:creationId xmlns:a16="http://schemas.microsoft.com/office/drawing/2014/main" id="{21D49684-575F-49D8-8567-E971C14AD2C9}"/>
+                <a16:creationId xmlns:a16="http://schemas.microsoft.com/office/drawing/2014/main" xmlns="" id="{21D49684-575F-49D8-8567-E971C14AD2C9}"/>
               </a:ext>
             </a:extLst>
           </p:cNvPr>
@@ -6889,7 +6669,7 @@
 </p:sld>
 </file>
 
-<file path=ppt/slides/slide13.xml><?xml version="1.0" encoding="utf-8"?>
+<file path=ppt/slides/slide12.xml><?xml version="1.0" encoding="utf-8"?>
 <p:sld xmlns:a="http://schemas.openxmlformats.org/drawingml/2006/main" xmlns:r="http://schemas.openxmlformats.org/officeDocument/2006/relationships" xmlns:p="http://schemas.openxmlformats.org/presentationml/2006/main">
   <p:cSld>
     <p:spTree>
@@ -6911,7 +6691,7 @@
           <p:cNvPr id="6" name="Title 5">
             <a:extLst>
               <a:ext uri="{FF2B5EF4-FFF2-40B4-BE49-F238E27FC236}">
-                <a16:creationId xmlns:a16="http://schemas.microsoft.com/office/drawing/2014/main" id="{A2FCDC3F-C832-48D4-818C-0C18D4D157B3}"/>
+                <a16:creationId xmlns:a16="http://schemas.microsoft.com/office/drawing/2014/main" xmlns="" id="{A2FCDC3F-C832-48D4-818C-0C18D4D157B3}"/>
               </a:ext>
             </a:extLst>
           </p:cNvPr>
@@ -6936,7 +6716,7 @@
           <p:cNvPr id="7" name="Text Placeholder 6">
             <a:extLst>
               <a:ext uri="{FF2B5EF4-FFF2-40B4-BE49-F238E27FC236}">
-                <a16:creationId xmlns:a16="http://schemas.microsoft.com/office/drawing/2014/main" id="{727A6214-5F42-4B25-885D-328A110ED1F5}"/>
+                <a16:creationId xmlns:a16="http://schemas.microsoft.com/office/drawing/2014/main" xmlns="" id="{727A6214-5F42-4B25-885D-328A110ED1F5}"/>
               </a:ext>
             </a:extLst>
           </p:cNvPr>
@@ -7011,7 +6791,7 @@
 </p:sld>
 </file>
 
-<file path=ppt/slides/slide14.xml><?xml version="1.0" encoding="utf-8"?>
+<file path=ppt/slides/slide13.xml><?xml version="1.0" encoding="utf-8"?>
 <p:sld xmlns:a="http://schemas.openxmlformats.org/drawingml/2006/main" xmlns:r="http://schemas.openxmlformats.org/officeDocument/2006/relationships" xmlns:p="http://schemas.openxmlformats.org/presentationml/2006/main">
   <p:cSld>
     <p:spTree>
@@ -7033,7 +6813,7 @@
           <p:cNvPr id="6" name="Title 5">
             <a:extLst>
               <a:ext uri="{FF2B5EF4-FFF2-40B4-BE49-F238E27FC236}">
-                <a16:creationId xmlns:a16="http://schemas.microsoft.com/office/drawing/2014/main" id="{E4F0BC26-3EBD-4C48-852A-362D1BCEA071}"/>
+                <a16:creationId xmlns:a16="http://schemas.microsoft.com/office/drawing/2014/main" xmlns="" id="{E4F0BC26-3EBD-4C48-852A-362D1BCEA071}"/>
               </a:ext>
             </a:extLst>
           </p:cNvPr>
@@ -7058,7 +6838,7 @@
           <p:cNvPr id="7" name="Text Placeholder 6">
             <a:extLst>
               <a:ext uri="{FF2B5EF4-FFF2-40B4-BE49-F238E27FC236}">
-                <a16:creationId xmlns:a16="http://schemas.microsoft.com/office/drawing/2014/main" id="{E52B5468-D791-41DE-80EC-A63181ADD23D}"/>
+                <a16:creationId xmlns:a16="http://schemas.microsoft.com/office/drawing/2014/main" xmlns="" id="{E52B5468-D791-41DE-80EC-A63181ADD23D}"/>
               </a:ext>
             </a:extLst>
           </p:cNvPr>
@@ -7133,7 +6913,7 @@
 </p:sld>
 </file>
 
-<file path=ppt/slides/slide15.xml><?xml version="1.0" encoding="utf-8"?>
+<file path=ppt/slides/slide14.xml><?xml version="1.0" encoding="utf-8"?>
 <p:sld xmlns:a="http://schemas.openxmlformats.org/drawingml/2006/main" xmlns:r="http://schemas.openxmlformats.org/officeDocument/2006/relationships" xmlns:p="http://schemas.openxmlformats.org/presentationml/2006/main">
   <p:cSld>
     <p:spTree>
@@ -7245,7 +7025,7 @@
           <p:cNvPr id="3" name="Rectangle 2">
             <a:extLst>
               <a:ext uri="{FF2B5EF4-FFF2-40B4-BE49-F238E27FC236}">
-                <a16:creationId xmlns:a16="http://schemas.microsoft.com/office/drawing/2014/main" id="{084533DA-0056-4962-9B78-0AF7F3225E16}"/>
+                <a16:creationId xmlns:a16="http://schemas.microsoft.com/office/drawing/2014/main" xmlns="" id="{084533DA-0056-4962-9B78-0AF7F3225E16}"/>
               </a:ext>
             </a:extLst>
           </p:cNvPr>
@@ -7299,7 +7079,7 @@
           <p:cNvPr id="9" name="Google Shape;151;p21">
             <a:extLst>
               <a:ext uri="{FF2B5EF4-FFF2-40B4-BE49-F238E27FC236}">
-                <a16:creationId xmlns:a16="http://schemas.microsoft.com/office/drawing/2014/main" id="{F662BCEB-723D-4222-B305-7C24559EDCF2}"/>
+                <a16:creationId xmlns:a16="http://schemas.microsoft.com/office/drawing/2014/main" xmlns="" id="{F662BCEB-723D-4222-B305-7C24559EDCF2}"/>
               </a:ext>
             </a:extLst>
           </p:cNvPr>
@@ -7553,7 +7333,7 @@
 </p:sld>
 </file>
 
-<file path=ppt/slides/slide16.xml><?xml version="1.0" encoding="utf-8"?>
+<file path=ppt/slides/slide15.xml><?xml version="1.0" encoding="utf-8"?>
 <p:sld xmlns:a="http://schemas.openxmlformats.org/drawingml/2006/main" xmlns:r="http://schemas.openxmlformats.org/officeDocument/2006/relationships" xmlns:p="http://schemas.openxmlformats.org/presentationml/2006/main">
   <p:cSld>
     <p:spTree>
@@ -7696,7 +7476,7 @@
 </p:sld>
 </file>
 
-<file path=ppt/slides/slide17.xml><?xml version="1.0" encoding="utf-8"?>
+<file path=ppt/slides/slide16.xml><?xml version="1.0" encoding="utf-8"?>
 <p:sld xmlns:a="http://schemas.openxmlformats.org/drawingml/2006/main" xmlns:r="http://schemas.openxmlformats.org/officeDocument/2006/relationships" xmlns:p="http://schemas.openxmlformats.org/presentationml/2006/main">
   <p:cSld>
     <p:spTree>
@@ -8048,7 +7828,7 @@
 </p:sld>
 </file>
 
-<file path=ppt/slides/slide18.xml><?xml version="1.0" encoding="utf-8"?>
+<file path=ppt/slides/slide17.xml><?xml version="1.0" encoding="utf-8"?>
 <p:sld xmlns:a="http://schemas.openxmlformats.org/drawingml/2006/main" xmlns:r="http://schemas.openxmlformats.org/officeDocument/2006/relationships" xmlns:p="http://schemas.openxmlformats.org/presentationml/2006/main">
   <p:cSld>
     <p:spTree>
@@ -8078,7 +7858,7 @@
         <p:spPr>
           <a:xfrm>
             <a:off x="415600" y="479067"/>
-            <a:ext cx="11360800" cy="763600"/>
+            <a:ext cx="11360800" cy="1551752"/>
           </a:xfrm>
         </p:spPr>
         <p:txBody>
@@ -8090,14 +7870,46 @@
             <a:pPr lvl="0"/>
             <a:r>
               <a:rPr lang="en-US" dirty="0"/>
-              <a:t>Application - St. Croix ground lizard growth </a:t>
-            </a:r>
+              <a:t>Application - St. Croix ground lizard </a:t>
+            </a:r>
+            <a:r>
+              <a:rPr lang="en-US" dirty="0" smtClean="0"/>
+              <a:t>populat</a:t>
+            </a:r>
+            <a:r>
+              <a:rPr lang="en-US" dirty="0" smtClean="0"/>
+              <a:t>ion </a:t>
+            </a:r>
+            <a:r>
+              <a:rPr lang="en-US" dirty="0" smtClean="0"/>
+              <a:t>growth </a:t>
+            </a:r>
+            <a:endParaRPr lang="en-US" dirty="0"/>
           </a:p>
           <a:p>
             <a:pPr lvl="0"/>
             <a:r>
-              <a:rPr lang="en-US" sz="2700" dirty="0"/>
-              <a:t>Sec. 7 consultation - if rats are introduced and mortality increases, what will happen to the population?</a:t>
+              <a:rPr lang="en-US" sz="2700" dirty="0" smtClean="0"/>
+              <a:t/>
+            </a:r>
+            <a:br>
+              <a:rPr lang="en-US" sz="2700" dirty="0" smtClean="0"/>
+            </a:br>
+            <a:r>
+              <a:rPr lang="en-US" sz="2900" dirty="0" smtClean="0"/>
+              <a:t>Sec</a:t>
+            </a:r>
+            <a:r>
+              <a:rPr lang="en-US" sz="2900" dirty="0"/>
+              <a:t>. 7 consultation - if rats are introduced and </a:t>
+            </a:r>
+            <a:r>
+              <a:rPr lang="en-US" sz="2900" dirty="0" smtClean="0"/>
+              <a:t>lizard mortality </a:t>
+            </a:r>
+            <a:r>
+              <a:rPr lang="en-US" sz="2900" dirty="0"/>
+              <a:t>increases, what will happen to the population?</a:t>
             </a:r>
           </a:p>
         </p:txBody>
@@ -8107,7 +7919,7 @@
           <p:cNvPr id="5" name="Text Placeholder 4">
             <a:extLst>
               <a:ext uri="{FF2B5EF4-FFF2-40B4-BE49-F238E27FC236}">
-                <a16:creationId xmlns:a16="http://schemas.microsoft.com/office/drawing/2014/main" id="{A73EFFF3-70E0-49D6-95EC-370F84C05FE4}"/>
+                <a16:creationId xmlns:a16="http://schemas.microsoft.com/office/drawing/2014/main" xmlns="" id="{A73EFFF3-70E0-49D6-95EC-370F84C05FE4}"/>
               </a:ext>
             </a:extLst>
           </p:cNvPr>
@@ -8118,12 +7930,21 @@
             <p:ph type="body" idx="1"/>
           </p:nvPr>
         </p:nvSpPr>
-        <p:spPr/>
+        <p:spPr>
+          <a:xfrm>
+            <a:off x="415600" y="2158409"/>
+            <a:ext cx="11360800" cy="3933424"/>
+          </a:xfrm>
+        </p:spPr>
         <p:txBody>
           <a:bodyPr/>
           <a:lstStyle/>
           <a:p>
-            <a:endParaRPr lang="en-US"/>
+            <a:r>
+              <a:rPr lang="en-US" dirty="0" smtClean="0"/>
+              <a:t>All three scenarios begin with 57 individuals, carrying capacity (K) = 3,520,000 </a:t>
+            </a:r>
+            <a:endParaRPr lang="en-US" dirty="0"/>
           </a:p>
         </p:txBody>
       </p:sp>
@@ -8134,14 +7955,14 @@
           <p:nvPr>
             <p:extLst>
               <p:ext uri="{D42A27DB-BD31-4B8C-83A1-F6EECF244321}">
-                <p14:modId xmlns:p14="http://schemas.microsoft.com/office/powerpoint/2010/main" val="1870130467"/>
+                <p14:modId xmlns:p14="http://schemas.microsoft.com/office/powerpoint/2010/main" val="3237181977"/>
               </p:ext>
             </p:extLst>
           </p:nvPr>
         </p:nvGraphicFramePr>
         <p:xfrm>
-          <a:off x="415600" y="1536633"/>
-          <a:ext cx="10503417" cy="5120320"/>
+          <a:off x="766478" y="3471762"/>
+          <a:ext cx="10503417" cy="1828680"/>
         </p:xfrm>
         <a:graphic>
           <a:graphicData uri="http://schemas.openxmlformats.org/drawingml/2006/table">
@@ -8150,31 +7971,31 @@
                 <a:noFill/>
               </a:tblPr>
               <a:tblGrid>
-                <a:gridCol w="1306881">
+                <a:gridCol w="1721541">
                   <a:extLst>
                     <a:ext uri="{9D8B030D-6E8A-4147-A177-3AD203B41FA5}">
-                      <a16:colId xmlns:a16="http://schemas.microsoft.com/office/drawing/2014/main" val="20000"/>
+                      <a16:colId xmlns:a16="http://schemas.microsoft.com/office/drawing/2014/main" xmlns="" val="20000"/>
                     </a:ext>
                   </a:extLst>
                 </a:gridCol>
-                <a:gridCol w="2964063">
+                <a:gridCol w="2549403">
                   <a:extLst>
                     <a:ext uri="{9D8B030D-6E8A-4147-A177-3AD203B41FA5}">
-                      <a16:colId xmlns:a16="http://schemas.microsoft.com/office/drawing/2014/main" val="20001"/>
+                      <a16:colId xmlns:a16="http://schemas.microsoft.com/office/drawing/2014/main" xmlns="" val="20001"/>
                     </a:ext>
                   </a:extLst>
                 </a:gridCol>
                 <a:gridCol w="3030299">
                   <a:extLst>
                     <a:ext uri="{9D8B030D-6E8A-4147-A177-3AD203B41FA5}">
-                      <a16:colId xmlns:a16="http://schemas.microsoft.com/office/drawing/2014/main" val="20002"/>
+                      <a16:colId xmlns:a16="http://schemas.microsoft.com/office/drawing/2014/main" xmlns="" val="20002"/>
                     </a:ext>
                   </a:extLst>
                 </a:gridCol>
                 <a:gridCol w="3202174">
                   <a:extLst>
                     <a:ext uri="{9D8B030D-6E8A-4147-A177-3AD203B41FA5}">
-                      <a16:colId xmlns:a16="http://schemas.microsoft.com/office/drawing/2014/main" val="20003"/>
+                      <a16:colId xmlns:a16="http://schemas.microsoft.com/office/drawing/2014/main" xmlns="" val="20003"/>
                     </a:ext>
                   </a:extLst>
                 </a:gridCol>
@@ -8195,16 +8016,16 @@
                         <a:buNone/>
                       </a:pPr>
                       <a:r>
-                        <a:rPr lang="en" sz="1600">
-                          <a:latin typeface="Times New Roman"/>
+                        <a:rPr lang="en" sz="1800" b="1" dirty="0">
+                          <a:latin typeface="+mj-lt"/>
                           <a:ea typeface="Times New Roman"/>
                           <a:cs typeface="Times New Roman"/>
                           <a:sym typeface="Times New Roman"/>
                         </a:rPr>
                         <a:t>Trait</a:t>
                       </a:r>
-                      <a:endParaRPr sz="1600">
-                        <a:latin typeface="Times New Roman"/>
+                      <a:endParaRPr sz="1800" b="1" dirty="0">
+                        <a:latin typeface="+mj-lt"/>
                         <a:ea typeface="Times New Roman"/>
                         <a:cs typeface="Times New Roman"/>
                         <a:sym typeface="Times New Roman"/>
@@ -8258,7 +8079,7 @@
                     <a:bodyPr/>
                     <a:lstStyle/>
                     <a:p>
-                      <a:pPr marL="0" lvl="0" indent="0" rtl="0">
+                      <a:pPr marL="0" lvl="0" indent="0" algn="ctr" rtl="0">
                         <a:spcBef>
                           <a:spcPts val="0"/>
                         </a:spcBef>
@@ -8268,16 +8089,16 @@
                         <a:buNone/>
                       </a:pPr>
                       <a:r>
-                        <a:rPr lang="en" sz="1600">
-                          <a:latin typeface="Times New Roman"/>
+                        <a:rPr lang="en" sz="1800" b="1" dirty="0">
+                          <a:latin typeface="+mj-lt"/>
                           <a:ea typeface="Times New Roman"/>
                           <a:cs typeface="Times New Roman"/>
                           <a:sym typeface="Times New Roman"/>
                         </a:rPr>
                         <a:t>Scenario 1</a:t>
                       </a:r>
-                      <a:endParaRPr sz="1600">
-                        <a:latin typeface="Times New Roman"/>
+                      <a:endParaRPr sz="1800" b="1" dirty="0">
+                        <a:latin typeface="+mj-lt"/>
                         <a:ea typeface="Times New Roman"/>
                         <a:cs typeface="Times New Roman"/>
                         <a:sym typeface="Times New Roman"/>
@@ -8331,7 +8152,7 @@
                     <a:bodyPr/>
                     <a:lstStyle/>
                     <a:p>
-                      <a:pPr marL="0" lvl="0" indent="0" rtl="0">
+                      <a:pPr marL="0" lvl="0" indent="0" algn="ctr" rtl="0">
                         <a:spcBef>
                           <a:spcPts val="0"/>
                         </a:spcBef>
@@ -8341,16 +8162,16 @@
                         <a:buNone/>
                       </a:pPr>
                       <a:r>
-                        <a:rPr lang="en" sz="1600" dirty="0">
-                          <a:latin typeface="Times New Roman"/>
+                        <a:rPr lang="en" sz="1800" b="1" dirty="0">
+                          <a:latin typeface="+mj-lt"/>
                           <a:ea typeface="Times New Roman"/>
                           <a:cs typeface="Times New Roman"/>
                           <a:sym typeface="Times New Roman"/>
                         </a:rPr>
                         <a:t>Scenario 2</a:t>
                       </a:r>
-                      <a:endParaRPr sz="1600" dirty="0">
-                        <a:latin typeface="Times New Roman"/>
+                      <a:endParaRPr sz="1800" b="1" dirty="0">
+                        <a:latin typeface="+mj-lt"/>
                         <a:ea typeface="Times New Roman"/>
                         <a:cs typeface="Times New Roman"/>
                         <a:sym typeface="Times New Roman"/>
@@ -8404,7 +8225,7 @@
                     <a:bodyPr/>
                     <a:lstStyle/>
                     <a:p>
-                      <a:pPr marL="0" lvl="0" indent="0" rtl="0">
+                      <a:pPr marL="0" lvl="0" indent="0" algn="ctr" rtl="0">
                         <a:spcBef>
                           <a:spcPts val="0"/>
                         </a:spcBef>
@@ -8414,16 +8235,16 @@
                         <a:buNone/>
                       </a:pPr>
                       <a:r>
-                        <a:rPr lang="en" sz="1600">
-                          <a:latin typeface="Times New Roman"/>
+                        <a:rPr lang="en" sz="1800" b="1" dirty="0">
+                          <a:latin typeface="+mj-lt"/>
                           <a:ea typeface="Times New Roman"/>
                           <a:cs typeface="Times New Roman"/>
                           <a:sym typeface="Times New Roman"/>
                         </a:rPr>
                         <a:t>Scenario 3</a:t>
                       </a:r>
-                      <a:endParaRPr sz="1600">
-                        <a:latin typeface="Times New Roman"/>
+                      <a:endParaRPr sz="1800" b="1" dirty="0">
+                        <a:latin typeface="+mj-lt"/>
                         <a:ea typeface="Times New Roman"/>
                         <a:cs typeface="Times New Roman"/>
                         <a:sym typeface="Times New Roman"/>
@@ -8474,7 +8295,7 @@
                 </a:tc>
                 <a:extLst>
                   <a:ext uri="{0D108BD9-81ED-4DB2-BD59-A6C34878D82A}">
-                    <a16:rowId xmlns:a16="http://schemas.microsoft.com/office/drawing/2014/main" val="10000"/>
+                    <a16:rowId xmlns:a16="http://schemas.microsoft.com/office/drawing/2014/main" xmlns="" val="10000"/>
                   </a:ext>
                 </a:extLst>
               </a:tr>
@@ -8494,16 +8315,25 @@
                         <a:buNone/>
                       </a:pPr>
                       <a:r>
-                        <a:rPr lang="en" sz="1600">
-                          <a:latin typeface="Times New Roman"/>
+                        <a:rPr lang="en" sz="1800" dirty="0">
+                          <a:latin typeface="+mj-lt"/>
                           <a:ea typeface="Times New Roman"/>
                           <a:cs typeface="Times New Roman"/>
                           <a:sym typeface="Times New Roman"/>
                         </a:rPr>
-                        <a:t>Founder Population</a:t>
+                        <a:t>Intrinsic growth </a:t>
                       </a:r>
-                      <a:endParaRPr sz="1600">
-                        <a:latin typeface="Times New Roman"/>
+                      <a:r>
+                        <a:rPr lang="en" sz="1800" dirty="0" smtClean="0">
+                          <a:latin typeface="+mj-lt"/>
+                          <a:ea typeface="Times New Roman"/>
+                          <a:cs typeface="Times New Roman"/>
+                          <a:sym typeface="Times New Roman"/>
+                        </a:rPr>
+                        <a:t>rate (r)</a:t>
+                      </a:r>
+                      <a:endParaRPr sz="1800" dirty="0">
+                        <a:latin typeface="+mj-lt"/>
                         <a:ea typeface="Times New Roman"/>
                         <a:cs typeface="Times New Roman"/>
                         <a:sym typeface="Times New Roman"/>
@@ -8520,7 +8350,7 @@
                       <a:headEnd type="none" w="sm" len="sm"/>
                       <a:tailEnd type="none" w="sm" len="sm"/>
                     </a:lnL>
-                    <a:lnR w="12575" cap="flat" cmpd="sng">
+                    <a:lnR w="12575" cap="flat" cmpd="sng" algn="ctr">
                       <a:solidFill>
                         <a:srgbClr val="000000"/>
                       </a:solidFill>
@@ -8529,7 +8359,7 @@
                       <a:headEnd type="none" w="sm" len="sm"/>
                       <a:tailEnd type="none" w="sm" len="sm"/>
                     </a:lnR>
-                    <a:lnT w="12575" cap="flat" cmpd="sng">
+                    <a:lnT w="12575" cap="flat" cmpd="sng" algn="ctr">
                       <a:solidFill>
                         <a:srgbClr val="000000"/>
                       </a:solidFill>
@@ -8554,7 +8384,7 @@
                     <a:bodyPr/>
                     <a:lstStyle/>
                     <a:p>
-                      <a:pPr marL="0" lvl="0" indent="0" rtl="0">
+                      <a:pPr marL="0" lvl="0" indent="0" algn="ctr" rtl="0">
                         <a:spcBef>
                           <a:spcPts val="0"/>
                         </a:spcBef>
@@ -8564,16 +8394,16 @@
                         <a:buNone/>
                       </a:pPr>
                       <a:r>
-                        <a:rPr lang="en" sz="1600">
-                          <a:latin typeface="Times New Roman"/>
+                        <a:rPr lang="en" sz="1800" dirty="0">
+                          <a:latin typeface="+mj-lt"/>
                           <a:ea typeface="Times New Roman"/>
                           <a:cs typeface="Times New Roman"/>
                           <a:sym typeface="Times New Roman"/>
                         </a:rPr>
-                        <a:t>57</a:t>
+                        <a:t>1.13</a:t>
                       </a:r>
-                      <a:endParaRPr sz="1600">
-                        <a:latin typeface="Times New Roman"/>
+                      <a:endParaRPr sz="1800" dirty="0">
+                        <a:latin typeface="+mj-lt"/>
                         <a:ea typeface="Times New Roman"/>
                         <a:cs typeface="Times New Roman"/>
                         <a:sym typeface="Times New Roman"/>
@@ -8581,7 +8411,7 @@
                     </a:p>
                   </a:txBody>
                   <a:tcPr marL="91433" marR="91433" marT="121900" marB="121900">
-                    <a:lnL w="12575" cap="flat" cmpd="sng">
+                    <a:lnL w="12575" cap="flat" cmpd="sng" algn="ctr">
                       <a:solidFill>
                         <a:srgbClr val="000000"/>
                       </a:solidFill>
@@ -8590,7 +8420,7 @@
                       <a:headEnd type="none" w="sm" len="sm"/>
                       <a:tailEnd type="none" w="sm" len="sm"/>
                     </a:lnL>
-                    <a:lnR w="12575" cap="flat" cmpd="sng">
+                    <a:lnR w="12575" cap="flat" cmpd="sng" algn="ctr">
                       <a:solidFill>
                         <a:srgbClr val="000000"/>
                       </a:solidFill>
@@ -8599,7 +8429,7 @@
                       <a:headEnd type="none" w="sm" len="sm"/>
                       <a:tailEnd type="none" w="sm" len="sm"/>
                     </a:lnR>
-                    <a:lnT w="12575" cap="flat" cmpd="sng">
+                    <a:lnT w="12575" cap="flat" cmpd="sng" algn="ctr">
                       <a:solidFill>
                         <a:srgbClr val="000000"/>
                       </a:solidFill>
@@ -8624,7 +8454,7 @@
                     <a:bodyPr/>
                     <a:lstStyle/>
                     <a:p>
-                      <a:pPr marL="0" lvl="0" indent="0" rtl="0">
+                      <a:pPr marL="0" lvl="0" indent="0" algn="ctr" rtl="0">
                         <a:spcBef>
                           <a:spcPts val="0"/>
                         </a:spcBef>
@@ -8634,16 +8464,16 @@
                         <a:buNone/>
                       </a:pPr>
                       <a:r>
-                        <a:rPr lang="en" sz="1600">
-                          <a:latin typeface="Times New Roman"/>
+                        <a:rPr lang="en" sz="1800" dirty="0">
+                          <a:latin typeface="+mj-lt"/>
                           <a:ea typeface="Times New Roman"/>
                           <a:cs typeface="Times New Roman"/>
                           <a:sym typeface="Times New Roman"/>
                         </a:rPr>
-                        <a:t>57</a:t>
+                        <a:t>0.5</a:t>
                       </a:r>
-                      <a:endParaRPr sz="1600">
-                        <a:latin typeface="Times New Roman"/>
+                      <a:endParaRPr sz="1800" dirty="0">
+                        <a:latin typeface="+mj-lt"/>
                         <a:ea typeface="Times New Roman"/>
                         <a:cs typeface="Times New Roman"/>
                         <a:sym typeface="Times New Roman"/>
@@ -8651,7 +8481,7 @@
                     </a:p>
                   </a:txBody>
                   <a:tcPr marL="91433" marR="91433" marT="121900" marB="121900">
-                    <a:lnL w="12575" cap="flat" cmpd="sng">
+                    <a:lnL w="12575" cap="flat" cmpd="sng" algn="ctr">
                       <a:solidFill>
                         <a:srgbClr val="000000"/>
                       </a:solidFill>
@@ -8660,7 +8490,7 @@
                       <a:headEnd type="none" w="sm" len="sm"/>
                       <a:tailEnd type="none" w="sm" len="sm"/>
                     </a:lnL>
-                    <a:lnR w="12575" cap="flat" cmpd="sng">
+                    <a:lnR w="12575" cap="flat" cmpd="sng" algn="ctr">
                       <a:solidFill>
                         <a:srgbClr val="000000"/>
                       </a:solidFill>
@@ -8669,7 +8499,7 @@
                       <a:headEnd type="none" w="sm" len="sm"/>
                       <a:tailEnd type="none" w="sm" len="sm"/>
                     </a:lnR>
-                    <a:lnT w="12575" cap="flat" cmpd="sng">
+                    <a:lnT w="12575" cap="flat" cmpd="sng" algn="ctr">
                       <a:solidFill>
                         <a:srgbClr val="000000"/>
                       </a:solidFill>
@@ -8694,7 +8524,7 @@
                     <a:bodyPr/>
                     <a:lstStyle/>
                     <a:p>
-                      <a:pPr marL="0" lvl="0" indent="0" rtl="0">
+                      <a:pPr marL="0" lvl="0" indent="0" algn="ctr" rtl="0">
                         <a:spcBef>
                           <a:spcPts val="0"/>
                         </a:spcBef>
@@ -8704,16 +8534,16 @@
                         <a:buNone/>
                       </a:pPr>
                       <a:r>
-                        <a:rPr lang="en" sz="1600">
-                          <a:latin typeface="Times New Roman"/>
+                        <a:rPr lang="en" sz="1800" dirty="0">
+                          <a:latin typeface="+mj-lt"/>
                           <a:ea typeface="Times New Roman"/>
                           <a:cs typeface="Times New Roman"/>
                           <a:sym typeface="Times New Roman"/>
                         </a:rPr>
-                        <a:t>57</a:t>
+                        <a:t>0.35</a:t>
                       </a:r>
-                      <a:endParaRPr sz="1600">
-                        <a:latin typeface="Times New Roman"/>
+                      <a:endParaRPr sz="1800" dirty="0">
+                        <a:latin typeface="+mj-lt"/>
                         <a:ea typeface="Times New Roman"/>
                         <a:cs typeface="Times New Roman"/>
                         <a:sym typeface="Times New Roman"/>
@@ -8721,7 +8551,7 @@
                     </a:p>
                   </a:txBody>
                   <a:tcPr marL="91433" marR="91433" marT="121900" marB="121900">
-                    <a:lnL w="12575" cap="flat" cmpd="sng">
+                    <a:lnL w="12575" cap="flat" cmpd="sng" algn="ctr">
                       <a:solidFill>
                         <a:srgbClr val="000000"/>
                       </a:solidFill>
@@ -8739,7 +8569,7 @@
                       <a:headEnd type="none" w="sm" len="sm"/>
                       <a:tailEnd type="none" w="sm" len="sm"/>
                     </a:lnR>
-                    <a:lnT w="12575" cap="flat" cmpd="sng">
+                    <a:lnT w="12575" cap="flat" cmpd="sng" algn="ctr">
                       <a:solidFill>
                         <a:srgbClr val="000000"/>
                       </a:solidFill>
@@ -8761,11 +8591,11 @@
                 </a:tc>
                 <a:extLst>
                   <a:ext uri="{0D108BD9-81ED-4DB2-BD59-A6C34878D82A}">
-                    <a16:rowId xmlns:a16="http://schemas.microsoft.com/office/drawing/2014/main" val="10001"/>
+                    <a16:rowId xmlns:a16="http://schemas.microsoft.com/office/drawing/2014/main" xmlns="" val="10004"/>
                   </a:ext>
                 </a:extLst>
               </a:tr>
-              <a:tr h="621774">
+              <a:tr h="414504">
                 <a:tc>
                   <a:txBody>
                     <a:bodyPr/>
@@ -8781,16 +8611,16 @@
                         <a:buNone/>
                       </a:pPr>
                       <a:r>
-                        <a:rPr lang="en" sz="1600">
-                          <a:latin typeface="Times New Roman"/>
+                        <a:rPr lang="en" sz="1800" dirty="0">
+                          <a:latin typeface="+mj-lt"/>
                           <a:ea typeface="Times New Roman"/>
                           <a:cs typeface="Times New Roman"/>
                           <a:sym typeface="Times New Roman"/>
                         </a:rPr>
-                        <a:t>Carrying capacity</a:t>
+                        <a:t>Mortality</a:t>
                       </a:r>
-                      <a:endParaRPr sz="1600">
-                        <a:latin typeface="Times New Roman"/>
+                      <a:endParaRPr sz="1800" dirty="0">
+                        <a:latin typeface="+mj-lt"/>
                         <a:ea typeface="Times New Roman"/>
                         <a:cs typeface="Times New Roman"/>
                         <a:sym typeface="Times New Roman"/>
@@ -8807,7 +8637,7 @@
                       <a:headEnd type="none" w="sm" len="sm"/>
                       <a:tailEnd type="none" w="sm" len="sm"/>
                     </a:lnL>
-                    <a:lnR w="12575" cap="flat" cmpd="sng">
+                    <a:lnR w="12575" cap="flat" cmpd="sng" algn="ctr">
                       <a:solidFill>
                         <a:srgbClr val="000000"/>
                       </a:solidFill>
@@ -8816,7 +8646,7 @@
                       <a:headEnd type="none" w="sm" len="sm"/>
                       <a:tailEnd type="none" w="sm" len="sm"/>
                     </a:lnR>
-                    <a:lnT w="12575" cap="flat" cmpd="sng">
+                    <a:lnT w="12575" cap="flat" cmpd="sng" algn="ctr">
                       <a:solidFill>
                         <a:srgbClr val="000000"/>
                       </a:solidFill>
@@ -8841,7 +8671,7 @@
                     <a:bodyPr/>
                     <a:lstStyle/>
                     <a:p>
-                      <a:pPr marL="0" lvl="0" indent="0" rtl="0">
+                      <a:pPr marL="0" lvl="0" indent="0" algn="ctr" rtl="0">
                         <a:spcBef>
                           <a:spcPts val="0"/>
                         </a:spcBef>
@@ -8851,16 +8681,43 @@
                         <a:buNone/>
                       </a:pPr>
                       <a:r>
-                        <a:rPr lang="en" sz="1600">
-                          <a:latin typeface="Times New Roman"/>
+                        <a:rPr lang="en" sz="1800" dirty="0" smtClean="0">
+                          <a:latin typeface="+mj-lt"/>
                           <a:ea typeface="Times New Roman"/>
                           <a:cs typeface="Times New Roman"/>
                           <a:sym typeface="Times New Roman"/>
                         </a:rPr>
-                        <a:t>3520000</a:t>
+                        <a:t> Fixed</a:t>
                       </a:r>
-                      <a:endParaRPr sz="1600">
-                        <a:latin typeface="Times New Roman"/>
+                      <a:r>
+                        <a:rPr lang="en" sz="1800" baseline="0" dirty="0" smtClean="0">
+                          <a:latin typeface="+mj-lt"/>
+                          <a:ea typeface="Times New Roman"/>
+                          <a:cs typeface="Times New Roman"/>
+                          <a:sym typeface="Times New Roman"/>
+                        </a:rPr>
+                        <a:t>: </a:t>
+                      </a:r>
+                      <a:r>
+                        <a:rPr lang="en" sz="1800" dirty="0" smtClean="0">
+                          <a:latin typeface="+mj-lt"/>
+                          <a:ea typeface="Times New Roman"/>
+                          <a:cs typeface="Times New Roman"/>
+                          <a:sym typeface="Times New Roman"/>
+                        </a:rPr>
+                        <a:t>12</a:t>
+                      </a:r>
+                      <a:r>
+                        <a:rPr lang="en" sz="1800" dirty="0">
+                          <a:latin typeface="+mj-lt"/>
+                          <a:ea typeface="Times New Roman"/>
+                          <a:cs typeface="Times New Roman"/>
+                          <a:sym typeface="Times New Roman"/>
+                        </a:rPr>
+                        <a:t>%</a:t>
+                      </a:r>
+                      <a:endParaRPr sz="1800" dirty="0">
+                        <a:latin typeface="+mj-lt"/>
                         <a:ea typeface="Times New Roman"/>
                         <a:cs typeface="Times New Roman"/>
                         <a:sym typeface="Times New Roman"/>
@@ -8868,7 +8725,7 @@
                     </a:p>
                   </a:txBody>
                   <a:tcPr marL="91433" marR="91433" marT="121900" marB="121900">
-                    <a:lnL w="12575" cap="flat" cmpd="sng">
+                    <a:lnL w="12575" cap="flat" cmpd="sng" algn="ctr">
                       <a:solidFill>
                         <a:srgbClr val="000000"/>
                       </a:solidFill>
@@ -8877,7 +8734,7 @@
                       <a:headEnd type="none" w="sm" len="sm"/>
                       <a:tailEnd type="none" w="sm" len="sm"/>
                     </a:lnL>
-                    <a:lnR w="12575" cap="flat" cmpd="sng">
+                    <a:lnR w="12575" cap="flat" cmpd="sng" algn="ctr">
                       <a:solidFill>
                         <a:srgbClr val="000000"/>
                       </a:solidFill>
@@ -8886,7 +8743,7 @@
                       <a:headEnd type="none" w="sm" len="sm"/>
                       <a:tailEnd type="none" w="sm" len="sm"/>
                     </a:lnR>
-                    <a:lnT w="12575" cap="flat" cmpd="sng">
+                    <a:lnT w="12575" cap="flat" cmpd="sng" algn="ctr">
                       <a:solidFill>
                         <a:srgbClr val="000000"/>
                       </a:solidFill>
@@ -8911,7 +8768,7 @@
                     <a:bodyPr/>
                     <a:lstStyle/>
                     <a:p>
-                      <a:pPr marL="0" lvl="0" indent="0" rtl="0">
+                      <a:pPr marL="0" lvl="0" indent="0" algn="ctr" rtl="0">
                         <a:spcBef>
                           <a:spcPts val="0"/>
                         </a:spcBef>
@@ -8921,16 +8778,16 @@
                         <a:buNone/>
                       </a:pPr>
                       <a:r>
-                        <a:rPr lang="en" sz="1600">
-                          <a:latin typeface="Times New Roman"/>
+                        <a:rPr lang="en" sz="1800" dirty="0" smtClean="0">
+                          <a:latin typeface="+mj-lt"/>
                           <a:ea typeface="Times New Roman"/>
                           <a:cs typeface="Times New Roman"/>
                           <a:sym typeface="Times New Roman"/>
                         </a:rPr>
-                        <a:t>3520000</a:t>
+                        <a:t>Random: 20-50%</a:t>
                       </a:r>
-                      <a:endParaRPr sz="1600">
-                        <a:latin typeface="Times New Roman"/>
+                      <a:endParaRPr sz="1800" dirty="0">
+                        <a:latin typeface="+mj-lt"/>
                         <a:ea typeface="Times New Roman"/>
                         <a:cs typeface="Times New Roman"/>
                         <a:sym typeface="Times New Roman"/>
@@ -8938,7 +8795,7 @@
                     </a:p>
                   </a:txBody>
                   <a:tcPr marL="91433" marR="91433" marT="121900" marB="121900">
-                    <a:lnL w="12575" cap="flat" cmpd="sng">
+                    <a:lnL w="12575" cap="flat" cmpd="sng" algn="ctr">
                       <a:solidFill>
                         <a:srgbClr val="000000"/>
                       </a:solidFill>
@@ -8947,7 +8804,7 @@
                       <a:headEnd type="none" w="sm" len="sm"/>
                       <a:tailEnd type="none" w="sm" len="sm"/>
                     </a:lnL>
-                    <a:lnR w="12575" cap="flat" cmpd="sng">
+                    <a:lnR w="12575" cap="flat" cmpd="sng" algn="ctr">
                       <a:solidFill>
                         <a:srgbClr val="000000"/>
                       </a:solidFill>
@@ -8956,7 +8813,7 @@
                       <a:headEnd type="none" w="sm" len="sm"/>
                       <a:tailEnd type="none" w="sm" len="sm"/>
                     </a:lnR>
-                    <a:lnT w="12575" cap="flat" cmpd="sng">
+                    <a:lnT w="12575" cap="flat" cmpd="sng" algn="ctr">
                       <a:solidFill>
                         <a:srgbClr val="000000"/>
                       </a:solidFill>
@@ -8981,7 +8838,7 @@
                     <a:bodyPr/>
                     <a:lstStyle/>
                     <a:p>
-                      <a:pPr marL="0" lvl="0" indent="0" rtl="0">
+                      <a:pPr marL="0" lvl="0" indent="0" algn="ctr" rtl="0">
                         <a:spcBef>
                           <a:spcPts val="0"/>
                         </a:spcBef>
@@ -8991,16 +8848,25 @@
                         <a:buNone/>
                       </a:pPr>
                       <a:r>
-                        <a:rPr lang="en" sz="1600">
-                          <a:latin typeface="Times New Roman"/>
+                        <a:rPr lang="en" sz="1800" dirty="0" smtClean="0">
+                          <a:latin typeface="+mj-lt"/>
                           <a:ea typeface="Times New Roman"/>
                           <a:cs typeface="Times New Roman"/>
                           <a:sym typeface="Times New Roman"/>
                         </a:rPr>
-                        <a:t>3520000</a:t>
+                        <a:t>Random: 50-66</a:t>
                       </a:r>
-                      <a:endParaRPr sz="1600">
-                        <a:latin typeface="Times New Roman"/>
+                      <a:r>
+                        <a:rPr lang="en" sz="1800" dirty="0">
+                          <a:latin typeface="+mj-lt"/>
+                          <a:ea typeface="Times New Roman"/>
+                          <a:cs typeface="Times New Roman"/>
+                          <a:sym typeface="Times New Roman"/>
+                        </a:rPr>
+                        <a:t>%</a:t>
+                      </a:r>
+                      <a:endParaRPr sz="1800" dirty="0">
+                        <a:latin typeface="+mj-lt"/>
                         <a:ea typeface="Times New Roman"/>
                         <a:cs typeface="Times New Roman"/>
                         <a:sym typeface="Times New Roman"/>
@@ -9008,7 +8874,7 @@
                     </a:p>
                   </a:txBody>
                   <a:tcPr marL="91433" marR="91433" marT="121900" marB="121900">
-                    <a:lnL w="12575" cap="flat" cmpd="sng">
+                    <a:lnL w="12575" cap="flat" cmpd="sng" algn="ctr">
                       <a:solidFill>
                         <a:srgbClr val="000000"/>
                       </a:solidFill>
@@ -9026,7 +8892,7 @@
                       <a:headEnd type="none" w="sm" len="sm"/>
                       <a:tailEnd type="none" w="sm" len="sm"/>
                     </a:lnR>
-                    <a:lnT w="12575" cap="flat" cmpd="sng">
+                    <a:lnT w="12575" cap="flat" cmpd="sng" algn="ctr">
                       <a:solidFill>
                         <a:srgbClr val="000000"/>
                       </a:solidFill>
@@ -9048,1442 +8914,7 @@
                 </a:tc>
                 <a:extLst>
                   <a:ext uri="{0D108BD9-81ED-4DB2-BD59-A6C34878D82A}">
-                    <a16:rowId xmlns:a16="http://schemas.microsoft.com/office/drawing/2014/main" val="10002"/>
-                  </a:ext>
-                </a:extLst>
-              </a:tr>
-              <a:tr h="414504">
-                <a:tc>
-                  <a:txBody>
-                    <a:bodyPr/>
-                    <a:lstStyle/>
-                    <a:p>
-                      <a:pPr marL="0" lvl="0" indent="0" rtl="0">
-                        <a:spcBef>
-                          <a:spcPts val="0"/>
-                        </a:spcBef>
-                        <a:spcAft>
-                          <a:spcPts val="0"/>
-                        </a:spcAft>
-                        <a:buNone/>
-                      </a:pPr>
-                      <a:r>
-                        <a:rPr lang="en" sz="1600">
-                          <a:latin typeface="Times New Roman"/>
-                          <a:ea typeface="Times New Roman"/>
-                          <a:cs typeface="Times New Roman"/>
-                          <a:sym typeface="Times New Roman"/>
-                        </a:rPr>
-                        <a:t>Survivorship</a:t>
-                      </a:r>
-                      <a:endParaRPr sz="1600">
-                        <a:latin typeface="Times New Roman"/>
-                        <a:ea typeface="Times New Roman"/>
-                        <a:cs typeface="Times New Roman"/>
-                        <a:sym typeface="Times New Roman"/>
-                      </a:endParaRPr>
-                    </a:p>
-                  </a:txBody>
-                  <a:tcPr marL="91433" marR="91433" marT="121900" marB="121900">
-                    <a:lnL w="12575" cap="flat" cmpd="sng">
-                      <a:solidFill>
-                        <a:srgbClr val="000000"/>
-                      </a:solidFill>
-                      <a:prstDash val="solid"/>
-                      <a:round/>
-                      <a:headEnd type="none" w="sm" len="sm"/>
-                      <a:tailEnd type="none" w="sm" len="sm"/>
-                    </a:lnL>
-                    <a:lnR w="12575" cap="flat" cmpd="sng">
-                      <a:solidFill>
-                        <a:srgbClr val="000000"/>
-                      </a:solidFill>
-                      <a:prstDash val="solid"/>
-                      <a:round/>
-                      <a:headEnd type="none" w="sm" len="sm"/>
-                      <a:tailEnd type="none" w="sm" len="sm"/>
-                    </a:lnR>
-                    <a:lnT w="12575" cap="flat" cmpd="sng">
-                      <a:solidFill>
-                        <a:srgbClr val="000000"/>
-                      </a:solidFill>
-                      <a:prstDash val="solid"/>
-                      <a:round/>
-                      <a:headEnd type="none" w="sm" len="sm"/>
-                      <a:tailEnd type="none" w="sm" len="sm"/>
-                    </a:lnT>
-                    <a:lnB w="12575" cap="flat" cmpd="sng">
-                      <a:solidFill>
-                        <a:srgbClr val="000000"/>
-                      </a:solidFill>
-                      <a:prstDash val="solid"/>
-                      <a:round/>
-                      <a:headEnd type="none" w="sm" len="sm"/>
-                      <a:tailEnd type="none" w="sm" len="sm"/>
-                    </a:lnB>
-                  </a:tcPr>
-                </a:tc>
-                <a:tc>
-                  <a:txBody>
-                    <a:bodyPr/>
-                    <a:lstStyle/>
-                    <a:p>
-                      <a:pPr marL="0" lvl="0" indent="0" rtl="0">
-                        <a:spcBef>
-                          <a:spcPts val="0"/>
-                        </a:spcBef>
-                        <a:spcAft>
-                          <a:spcPts val="0"/>
-                        </a:spcAft>
-                        <a:buNone/>
-                      </a:pPr>
-                      <a:r>
-                        <a:rPr lang="en" sz="1600">
-                          <a:latin typeface="Times New Roman"/>
-                          <a:ea typeface="Times New Roman"/>
-                          <a:cs typeface="Times New Roman"/>
-                          <a:sym typeface="Times New Roman"/>
-                        </a:rPr>
-                        <a:t>Type III</a:t>
-                      </a:r>
-                      <a:endParaRPr sz="1600">
-                        <a:latin typeface="Times New Roman"/>
-                        <a:ea typeface="Times New Roman"/>
-                        <a:cs typeface="Times New Roman"/>
-                        <a:sym typeface="Times New Roman"/>
-                      </a:endParaRPr>
-                    </a:p>
-                  </a:txBody>
-                  <a:tcPr marL="91433" marR="91433" marT="121900" marB="121900">
-                    <a:lnL w="12575" cap="flat" cmpd="sng">
-                      <a:solidFill>
-                        <a:srgbClr val="000000"/>
-                      </a:solidFill>
-                      <a:prstDash val="solid"/>
-                      <a:round/>
-                      <a:headEnd type="none" w="sm" len="sm"/>
-                      <a:tailEnd type="none" w="sm" len="sm"/>
-                    </a:lnL>
-                    <a:lnR w="12575" cap="flat" cmpd="sng">
-                      <a:solidFill>
-                        <a:srgbClr val="000000"/>
-                      </a:solidFill>
-                      <a:prstDash val="solid"/>
-                      <a:round/>
-                      <a:headEnd type="none" w="sm" len="sm"/>
-                      <a:tailEnd type="none" w="sm" len="sm"/>
-                    </a:lnR>
-                    <a:lnT w="12575" cap="flat" cmpd="sng">
-                      <a:solidFill>
-                        <a:srgbClr val="000000"/>
-                      </a:solidFill>
-                      <a:prstDash val="solid"/>
-                      <a:round/>
-                      <a:headEnd type="none" w="sm" len="sm"/>
-                      <a:tailEnd type="none" w="sm" len="sm"/>
-                    </a:lnT>
-                    <a:lnB w="12575" cap="flat" cmpd="sng">
-                      <a:solidFill>
-                        <a:srgbClr val="000000"/>
-                      </a:solidFill>
-                      <a:prstDash val="solid"/>
-                      <a:round/>
-                      <a:headEnd type="none" w="sm" len="sm"/>
-                      <a:tailEnd type="none" w="sm" len="sm"/>
-                    </a:lnB>
-                  </a:tcPr>
-                </a:tc>
-                <a:tc>
-                  <a:txBody>
-                    <a:bodyPr/>
-                    <a:lstStyle/>
-                    <a:p>
-                      <a:pPr marL="0" lvl="0" indent="0" rtl="0">
-                        <a:spcBef>
-                          <a:spcPts val="0"/>
-                        </a:spcBef>
-                        <a:spcAft>
-                          <a:spcPts val="0"/>
-                        </a:spcAft>
-                        <a:buNone/>
-                      </a:pPr>
-                      <a:r>
-                        <a:rPr lang="en" sz="1600">
-                          <a:latin typeface="Times New Roman"/>
-                          <a:ea typeface="Times New Roman"/>
-                          <a:cs typeface="Times New Roman"/>
-                          <a:sym typeface="Times New Roman"/>
-                        </a:rPr>
-                        <a:t>Type III</a:t>
-                      </a:r>
-                      <a:endParaRPr sz="1600">
-                        <a:latin typeface="Times New Roman"/>
-                        <a:ea typeface="Times New Roman"/>
-                        <a:cs typeface="Times New Roman"/>
-                        <a:sym typeface="Times New Roman"/>
-                      </a:endParaRPr>
-                    </a:p>
-                  </a:txBody>
-                  <a:tcPr marL="91433" marR="91433" marT="121900" marB="121900">
-                    <a:lnL w="12575" cap="flat" cmpd="sng">
-                      <a:solidFill>
-                        <a:srgbClr val="000000"/>
-                      </a:solidFill>
-                      <a:prstDash val="solid"/>
-                      <a:round/>
-                      <a:headEnd type="none" w="sm" len="sm"/>
-                      <a:tailEnd type="none" w="sm" len="sm"/>
-                    </a:lnL>
-                    <a:lnR w="12575" cap="flat" cmpd="sng">
-                      <a:solidFill>
-                        <a:srgbClr val="000000"/>
-                      </a:solidFill>
-                      <a:prstDash val="solid"/>
-                      <a:round/>
-                      <a:headEnd type="none" w="sm" len="sm"/>
-                      <a:tailEnd type="none" w="sm" len="sm"/>
-                    </a:lnR>
-                    <a:lnT w="12575" cap="flat" cmpd="sng">
-                      <a:solidFill>
-                        <a:srgbClr val="000000"/>
-                      </a:solidFill>
-                      <a:prstDash val="solid"/>
-                      <a:round/>
-                      <a:headEnd type="none" w="sm" len="sm"/>
-                      <a:tailEnd type="none" w="sm" len="sm"/>
-                    </a:lnT>
-                    <a:lnB w="12575" cap="flat" cmpd="sng">
-                      <a:solidFill>
-                        <a:srgbClr val="000000"/>
-                      </a:solidFill>
-                      <a:prstDash val="solid"/>
-                      <a:round/>
-                      <a:headEnd type="none" w="sm" len="sm"/>
-                      <a:tailEnd type="none" w="sm" len="sm"/>
-                    </a:lnB>
-                  </a:tcPr>
-                </a:tc>
-                <a:tc>
-                  <a:txBody>
-                    <a:bodyPr/>
-                    <a:lstStyle/>
-                    <a:p>
-                      <a:pPr marL="0" lvl="0" indent="0" rtl="0">
-                        <a:spcBef>
-                          <a:spcPts val="0"/>
-                        </a:spcBef>
-                        <a:spcAft>
-                          <a:spcPts val="0"/>
-                        </a:spcAft>
-                        <a:buNone/>
-                      </a:pPr>
-                      <a:r>
-                        <a:rPr lang="en" sz="1600">
-                          <a:latin typeface="Times New Roman"/>
-                          <a:ea typeface="Times New Roman"/>
-                          <a:cs typeface="Times New Roman"/>
-                          <a:sym typeface="Times New Roman"/>
-                        </a:rPr>
-                        <a:t>Type III</a:t>
-                      </a:r>
-                      <a:endParaRPr sz="1600">
-                        <a:latin typeface="Times New Roman"/>
-                        <a:ea typeface="Times New Roman"/>
-                        <a:cs typeface="Times New Roman"/>
-                        <a:sym typeface="Times New Roman"/>
-                      </a:endParaRPr>
-                    </a:p>
-                  </a:txBody>
-                  <a:tcPr marL="91433" marR="91433" marT="121900" marB="121900">
-                    <a:lnL w="12575" cap="flat" cmpd="sng">
-                      <a:solidFill>
-                        <a:srgbClr val="000000"/>
-                      </a:solidFill>
-                      <a:prstDash val="solid"/>
-                      <a:round/>
-                      <a:headEnd type="none" w="sm" len="sm"/>
-                      <a:tailEnd type="none" w="sm" len="sm"/>
-                    </a:lnL>
-                    <a:lnR w="12575" cap="flat" cmpd="sng">
-                      <a:solidFill>
-                        <a:srgbClr val="000000"/>
-                      </a:solidFill>
-                      <a:prstDash val="solid"/>
-                      <a:round/>
-                      <a:headEnd type="none" w="sm" len="sm"/>
-                      <a:tailEnd type="none" w="sm" len="sm"/>
-                    </a:lnR>
-                    <a:lnT w="12575" cap="flat" cmpd="sng">
-                      <a:solidFill>
-                        <a:srgbClr val="000000"/>
-                      </a:solidFill>
-                      <a:prstDash val="solid"/>
-                      <a:round/>
-                      <a:headEnd type="none" w="sm" len="sm"/>
-                      <a:tailEnd type="none" w="sm" len="sm"/>
-                    </a:lnT>
-                    <a:lnB w="12575" cap="flat" cmpd="sng">
-                      <a:solidFill>
-                        <a:srgbClr val="000000"/>
-                      </a:solidFill>
-                      <a:prstDash val="solid"/>
-                      <a:round/>
-                      <a:headEnd type="none" w="sm" len="sm"/>
-                      <a:tailEnd type="none" w="sm" len="sm"/>
-                    </a:lnB>
-                  </a:tcPr>
-                </a:tc>
-                <a:extLst>
-                  <a:ext uri="{0D108BD9-81ED-4DB2-BD59-A6C34878D82A}">
-                    <a16:rowId xmlns:a16="http://schemas.microsoft.com/office/drawing/2014/main" val="10003"/>
-                  </a:ext>
-                </a:extLst>
-              </a:tr>
-              <a:tr h="621774">
-                <a:tc>
-                  <a:txBody>
-                    <a:bodyPr/>
-                    <a:lstStyle/>
-                    <a:p>
-                      <a:pPr marL="0" lvl="0" indent="0" rtl="0">
-                        <a:spcBef>
-                          <a:spcPts val="0"/>
-                        </a:spcBef>
-                        <a:spcAft>
-                          <a:spcPts val="0"/>
-                        </a:spcAft>
-                        <a:buNone/>
-                      </a:pPr>
-                      <a:r>
-                        <a:rPr lang="en" sz="1600">
-                          <a:latin typeface="Times New Roman"/>
-                          <a:ea typeface="Times New Roman"/>
-                          <a:cs typeface="Times New Roman"/>
-                          <a:sym typeface="Times New Roman"/>
-                        </a:rPr>
-                        <a:t>Intrinsic growth rate</a:t>
-                      </a:r>
-                      <a:endParaRPr sz="1600">
-                        <a:latin typeface="Times New Roman"/>
-                        <a:ea typeface="Times New Roman"/>
-                        <a:cs typeface="Times New Roman"/>
-                        <a:sym typeface="Times New Roman"/>
-                      </a:endParaRPr>
-                    </a:p>
-                  </a:txBody>
-                  <a:tcPr marL="91433" marR="91433" marT="121900" marB="121900">
-                    <a:lnL w="12575" cap="flat" cmpd="sng">
-                      <a:solidFill>
-                        <a:srgbClr val="000000"/>
-                      </a:solidFill>
-                      <a:prstDash val="solid"/>
-                      <a:round/>
-                      <a:headEnd type="none" w="sm" len="sm"/>
-                      <a:tailEnd type="none" w="sm" len="sm"/>
-                    </a:lnL>
-                    <a:lnR w="12575" cap="flat" cmpd="sng">
-                      <a:solidFill>
-                        <a:srgbClr val="000000"/>
-                      </a:solidFill>
-                      <a:prstDash val="solid"/>
-                      <a:round/>
-                      <a:headEnd type="none" w="sm" len="sm"/>
-                      <a:tailEnd type="none" w="sm" len="sm"/>
-                    </a:lnR>
-                    <a:lnT w="12575" cap="flat" cmpd="sng">
-                      <a:solidFill>
-                        <a:srgbClr val="000000"/>
-                      </a:solidFill>
-                      <a:prstDash val="solid"/>
-                      <a:round/>
-                      <a:headEnd type="none" w="sm" len="sm"/>
-                      <a:tailEnd type="none" w="sm" len="sm"/>
-                    </a:lnT>
-                    <a:lnB w="12575" cap="flat" cmpd="sng">
-                      <a:solidFill>
-                        <a:srgbClr val="000000"/>
-                      </a:solidFill>
-                      <a:prstDash val="solid"/>
-                      <a:round/>
-                      <a:headEnd type="none" w="sm" len="sm"/>
-                      <a:tailEnd type="none" w="sm" len="sm"/>
-                    </a:lnB>
-                  </a:tcPr>
-                </a:tc>
-                <a:tc>
-                  <a:txBody>
-                    <a:bodyPr/>
-                    <a:lstStyle/>
-                    <a:p>
-                      <a:pPr marL="0" lvl="0" indent="0" rtl="0">
-                        <a:spcBef>
-                          <a:spcPts val="0"/>
-                        </a:spcBef>
-                        <a:spcAft>
-                          <a:spcPts val="0"/>
-                        </a:spcAft>
-                        <a:buNone/>
-                      </a:pPr>
-                      <a:r>
-                        <a:rPr lang="en" sz="1600">
-                          <a:latin typeface="Times New Roman"/>
-                          <a:ea typeface="Times New Roman"/>
-                          <a:cs typeface="Times New Roman"/>
-                          <a:sym typeface="Times New Roman"/>
-                        </a:rPr>
-                        <a:t>1.13</a:t>
-                      </a:r>
-                      <a:endParaRPr sz="1600">
-                        <a:latin typeface="Times New Roman"/>
-                        <a:ea typeface="Times New Roman"/>
-                        <a:cs typeface="Times New Roman"/>
-                        <a:sym typeface="Times New Roman"/>
-                      </a:endParaRPr>
-                    </a:p>
-                  </a:txBody>
-                  <a:tcPr marL="91433" marR="91433" marT="121900" marB="121900">
-                    <a:lnL w="12575" cap="flat" cmpd="sng">
-                      <a:solidFill>
-                        <a:srgbClr val="000000"/>
-                      </a:solidFill>
-                      <a:prstDash val="solid"/>
-                      <a:round/>
-                      <a:headEnd type="none" w="sm" len="sm"/>
-                      <a:tailEnd type="none" w="sm" len="sm"/>
-                    </a:lnL>
-                    <a:lnR w="12575" cap="flat" cmpd="sng">
-                      <a:solidFill>
-                        <a:srgbClr val="000000"/>
-                      </a:solidFill>
-                      <a:prstDash val="solid"/>
-                      <a:round/>
-                      <a:headEnd type="none" w="sm" len="sm"/>
-                      <a:tailEnd type="none" w="sm" len="sm"/>
-                    </a:lnR>
-                    <a:lnT w="12575" cap="flat" cmpd="sng">
-                      <a:solidFill>
-                        <a:srgbClr val="000000"/>
-                      </a:solidFill>
-                      <a:prstDash val="solid"/>
-                      <a:round/>
-                      <a:headEnd type="none" w="sm" len="sm"/>
-                      <a:tailEnd type="none" w="sm" len="sm"/>
-                    </a:lnT>
-                    <a:lnB w="12575" cap="flat" cmpd="sng">
-                      <a:solidFill>
-                        <a:srgbClr val="000000"/>
-                      </a:solidFill>
-                      <a:prstDash val="solid"/>
-                      <a:round/>
-                      <a:headEnd type="none" w="sm" len="sm"/>
-                      <a:tailEnd type="none" w="sm" len="sm"/>
-                    </a:lnB>
-                  </a:tcPr>
-                </a:tc>
-                <a:tc>
-                  <a:txBody>
-                    <a:bodyPr/>
-                    <a:lstStyle/>
-                    <a:p>
-                      <a:pPr marL="0" lvl="0" indent="0" rtl="0">
-                        <a:spcBef>
-                          <a:spcPts val="0"/>
-                        </a:spcBef>
-                        <a:spcAft>
-                          <a:spcPts val="0"/>
-                        </a:spcAft>
-                        <a:buNone/>
-                      </a:pPr>
-                      <a:r>
-                        <a:rPr lang="en" sz="1600">
-                          <a:latin typeface="Times New Roman"/>
-                          <a:ea typeface="Times New Roman"/>
-                          <a:cs typeface="Times New Roman"/>
-                          <a:sym typeface="Times New Roman"/>
-                        </a:rPr>
-                        <a:t>0.5</a:t>
-                      </a:r>
-                      <a:endParaRPr sz="1600">
-                        <a:latin typeface="Times New Roman"/>
-                        <a:ea typeface="Times New Roman"/>
-                        <a:cs typeface="Times New Roman"/>
-                        <a:sym typeface="Times New Roman"/>
-                      </a:endParaRPr>
-                    </a:p>
-                  </a:txBody>
-                  <a:tcPr marL="91433" marR="91433" marT="121900" marB="121900">
-                    <a:lnL w="12575" cap="flat" cmpd="sng">
-                      <a:solidFill>
-                        <a:srgbClr val="000000"/>
-                      </a:solidFill>
-                      <a:prstDash val="solid"/>
-                      <a:round/>
-                      <a:headEnd type="none" w="sm" len="sm"/>
-                      <a:tailEnd type="none" w="sm" len="sm"/>
-                    </a:lnL>
-                    <a:lnR w="12575" cap="flat" cmpd="sng">
-                      <a:solidFill>
-                        <a:srgbClr val="000000"/>
-                      </a:solidFill>
-                      <a:prstDash val="solid"/>
-                      <a:round/>
-                      <a:headEnd type="none" w="sm" len="sm"/>
-                      <a:tailEnd type="none" w="sm" len="sm"/>
-                    </a:lnR>
-                    <a:lnT w="12575" cap="flat" cmpd="sng">
-                      <a:solidFill>
-                        <a:srgbClr val="000000"/>
-                      </a:solidFill>
-                      <a:prstDash val="solid"/>
-                      <a:round/>
-                      <a:headEnd type="none" w="sm" len="sm"/>
-                      <a:tailEnd type="none" w="sm" len="sm"/>
-                    </a:lnT>
-                    <a:lnB w="12575" cap="flat" cmpd="sng">
-                      <a:solidFill>
-                        <a:srgbClr val="000000"/>
-                      </a:solidFill>
-                      <a:prstDash val="solid"/>
-                      <a:round/>
-                      <a:headEnd type="none" w="sm" len="sm"/>
-                      <a:tailEnd type="none" w="sm" len="sm"/>
-                    </a:lnB>
-                  </a:tcPr>
-                </a:tc>
-                <a:tc>
-                  <a:txBody>
-                    <a:bodyPr/>
-                    <a:lstStyle/>
-                    <a:p>
-                      <a:pPr marL="0" lvl="0" indent="0" rtl="0">
-                        <a:spcBef>
-                          <a:spcPts val="0"/>
-                        </a:spcBef>
-                        <a:spcAft>
-                          <a:spcPts val="0"/>
-                        </a:spcAft>
-                        <a:buNone/>
-                      </a:pPr>
-                      <a:r>
-                        <a:rPr lang="en" sz="1600">
-                          <a:latin typeface="Times New Roman"/>
-                          <a:ea typeface="Times New Roman"/>
-                          <a:cs typeface="Times New Roman"/>
-                          <a:sym typeface="Times New Roman"/>
-                        </a:rPr>
-                        <a:t>0.35</a:t>
-                      </a:r>
-                      <a:endParaRPr sz="1600">
-                        <a:latin typeface="Times New Roman"/>
-                        <a:ea typeface="Times New Roman"/>
-                        <a:cs typeface="Times New Roman"/>
-                        <a:sym typeface="Times New Roman"/>
-                      </a:endParaRPr>
-                    </a:p>
-                  </a:txBody>
-                  <a:tcPr marL="91433" marR="91433" marT="121900" marB="121900">
-                    <a:lnL w="12575" cap="flat" cmpd="sng">
-                      <a:solidFill>
-                        <a:srgbClr val="000000"/>
-                      </a:solidFill>
-                      <a:prstDash val="solid"/>
-                      <a:round/>
-                      <a:headEnd type="none" w="sm" len="sm"/>
-                      <a:tailEnd type="none" w="sm" len="sm"/>
-                    </a:lnL>
-                    <a:lnR w="12575" cap="flat" cmpd="sng">
-                      <a:solidFill>
-                        <a:srgbClr val="000000"/>
-                      </a:solidFill>
-                      <a:prstDash val="solid"/>
-                      <a:round/>
-                      <a:headEnd type="none" w="sm" len="sm"/>
-                      <a:tailEnd type="none" w="sm" len="sm"/>
-                    </a:lnR>
-                    <a:lnT w="12575" cap="flat" cmpd="sng">
-                      <a:solidFill>
-                        <a:srgbClr val="000000"/>
-                      </a:solidFill>
-                      <a:prstDash val="solid"/>
-                      <a:round/>
-                      <a:headEnd type="none" w="sm" len="sm"/>
-                      <a:tailEnd type="none" w="sm" len="sm"/>
-                    </a:lnT>
-                    <a:lnB w="12575" cap="flat" cmpd="sng">
-                      <a:solidFill>
-                        <a:srgbClr val="000000"/>
-                      </a:solidFill>
-                      <a:prstDash val="solid"/>
-                      <a:round/>
-                      <a:headEnd type="none" w="sm" len="sm"/>
-                      <a:tailEnd type="none" w="sm" len="sm"/>
-                    </a:lnB>
-                  </a:tcPr>
-                </a:tc>
-                <a:extLst>
-                  <a:ext uri="{0D108BD9-81ED-4DB2-BD59-A6C34878D82A}">
-                    <a16:rowId xmlns:a16="http://schemas.microsoft.com/office/drawing/2014/main" val="10004"/>
-                  </a:ext>
-                </a:extLst>
-              </a:tr>
-              <a:tr h="414504">
-                <a:tc>
-                  <a:txBody>
-                    <a:bodyPr/>
-                    <a:lstStyle/>
-                    <a:p>
-                      <a:pPr marL="0" lvl="0" indent="0" rtl="0">
-                        <a:spcBef>
-                          <a:spcPts val="0"/>
-                        </a:spcBef>
-                        <a:spcAft>
-                          <a:spcPts val="0"/>
-                        </a:spcAft>
-                        <a:buNone/>
-                      </a:pPr>
-                      <a:r>
-                        <a:rPr lang="en" sz="1600">
-                          <a:latin typeface="Times New Roman"/>
-                          <a:ea typeface="Times New Roman"/>
-                          <a:cs typeface="Times New Roman"/>
-                          <a:sym typeface="Times New Roman"/>
-                        </a:rPr>
-                        <a:t>Clutch size</a:t>
-                      </a:r>
-                      <a:endParaRPr sz="1600">
-                        <a:latin typeface="Times New Roman"/>
-                        <a:ea typeface="Times New Roman"/>
-                        <a:cs typeface="Times New Roman"/>
-                        <a:sym typeface="Times New Roman"/>
-                      </a:endParaRPr>
-                    </a:p>
-                  </a:txBody>
-                  <a:tcPr marL="91433" marR="91433" marT="121900" marB="121900">
-                    <a:lnL w="12575" cap="flat" cmpd="sng">
-                      <a:solidFill>
-                        <a:srgbClr val="000000"/>
-                      </a:solidFill>
-                      <a:prstDash val="solid"/>
-                      <a:round/>
-                      <a:headEnd type="none" w="sm" len="sm"/>
-                      <a:tailEnd type="none" w="sm" len="sm"/>
-                    </a:lnL>
-                    <a:lnR w="12575" cap="flat" cmpd="sng">
-                      <a:solidFill>
-                        <a:srgbClr val="000000"/>
-                      </a:solidFill>
-                      <a:prstDash val="solid"/>
-                      <a:round/>
-                      <a:headEnd type="none" w="sm" len="sm"/>
-                      <a:tailEnd type="none" w="sm" len="sm"/>
-                    </a:lnR>
-                    <a:lnT w="12575" cap="flat" cmpd="sng">
-                      <a:solidFill>
-                        <a:srgbClr val="000000"/>
-                      </a:solidFill>
-                      <a:prstDash val="solid"/>
-                      <a:round/>
-                      <a:headEnd type="none" w="sm" len="sm"/>
-                      <a:tailEnd type="none" w="sm" len="sm"/>
-                    </a:lnT>
-                    <a:lnB w="12575" cap="flat" cmpd="sng">
-                      <a:solidFill>
-                        <a:srgbClr val="000000"/>
-                      </a:solidFill>
-                      <a:prstDash val="solid"/>
-                      <a:round/>
-                      <a:headEnd type="none" w="sm" len="sm"/>
-                      <a:tailEnd type="none" w="sm" len="sm"/>
-                    </a:lnB>
-                  </a:tcPr>
-                </a:tc>
-                <a:tc>
-                  <a:txBody>
-                    <a:bodyPr/>
-                    <a:lstStyle/>
-                    <a:p>
-                      <a:pPr marL="0" lvl="0" indent="0" rtl="0">
-                        <a:spcBef>
-                          <a:spcPts val="0"/>
-                        </a:spcBef>
-                        <a:spcAft>
-                          <a:spcPts val="0"/>
-                        </a:spcAft>
-                        <a:buNone/>
-                      </a:pPr>
-                      <a:r>
-                        <a:rPr lang="en" sz="1600">
-                          <a:latin typeface="Times New Roman"/>
-                          <a:ea typeface="Times New Roman"/>
-                          <a:cs typeface="Times New Roman"/>
-                          <a:sym typeface="Times New Roman"/>
-                        </a:rPr>
-                        <a:t>1 where 1/3 females produce 1 egg</a:t>
-                      </a:r>
-                      <a:endParaRPr sz="1600">
-                        <a:latin typeface="Times New Roman"/>
-                        <a:ea typeface="Times New Roman"/>
-                        <a:cs typeface="Times New Roman"/>
-                        <a:sym typeface="Times New Roman"/>
-                      </a:endParaRPr>
-                    </a:p>
-                  </a:txBody>
-                  <a:tcPr marL="91433" marR="91433" marT="121900" marB="121900">
-                    <a:lnL w="12575" cap="flat" cmpd="sng">
-                      <a:solidFill>
-                        <a:srgbClr val="000000"/>
-                      </a:solidFill>
-                      <a:prstDash val="solid"/>
-                      <a:round/>
-                      <a:headEnd type="none" w="sm" len="sm"/>
-                      <a:tailEnd type="none" w="sm" len="sm"/>
-                    </a:lnL>
-                    <a:lnR w="12575" cap="flat" cmpd="sng">
-                      <a:solidFill>
-                        <a:srgbClr val="000000"/>
-                      </a:solidFill>
-                      <a:prstDash val="solid"/>
-                      <a:round/>
-                      <a:headEnd type="none" w="sm" len="sm"/>
-                      <a:tailEnd type="none" w="sm" len="sm"/>
-                    </a:lnR>
-                    <a:lnT w="12575" cap="flat" cmpd="sng">
-                      <a:solidFill>
-                        <a:srgbClr val="000000"/>
-                      </a:solidFill>
-                      <a:prstDash val="solid"/>
-                      <a:round/>
-                      <a:headEnd type="none" w="sm" len="sm"/>
-                      <a:tailEnd type="none" w="sm" len="sm"/>
-                    </a:lnT>
-                    <a:lnB w="12575" cap="flat" cmpd="sng">
-                      <a:solidFill>
-                        <a:srgbClr val="000000"/>
-                      </a:solidFill>
-                      <a:prstDash val="solid"/>
-                      <a:round/>
-                      <a:headEnd type="none" w="sm" len="sm"/>
-                      <a:tailEnd type="none" w="sm" len="sm"/>
-                    </a:lnB>
-                  </a:tcPr>
-                </a:tc>
-                <a:tc>
-                  <a:txBody>
-                    <a:bodyPr/>
-                    <a:lstStyle/>
-                    <a:p>
-                      <a:pPr marL="0" lvl="0" indent="0" rtl="0">
-                        <a:spcBef>
-                          <a:spcPts val="0"/>
-                        </a:spcBef>
-                        <a:spcAft>
-                          <a:spcPts val="0"/>
-                        </a:spcAft>
-                        <a:buNone/>
-                      </a:pPr>
-                      <a:r>
-                        <a:rPr lang="en" sz="1600">
-                          <a:latin typeface="Times New Roman"/>
-                          <a:ea typeface="Times New Roman"/>
-                          <a:cs typeface="Times New Roman"/>
-                          <a:sym typeface="Times New Roman"/>
-                        </a:rPr>
-                        <a:t>1 where 1/3 females produce 1 egg</a:t>
-                      </a:r>
-                      <a:endParaRPr sz="1600">
-                        <a:latin typeface="Times New Roman"/>
-                        <a:ea typeface="Times New Roman"/>
-                        <a:cs typeface="Times New Roman"/>
-                        <a:sym typeface="Times New Roman"/>
-                      </a:endParaRPr>
-                    </a:p>
-                  </a:txBody>
-                  <a:tcPr marL="91433" marR="91433" marT="121900" marB="121900">
-                    <a:lnL w="12575" cap="flat" cmpd="sng">
-                      <a:solidFill>
-                        <a:srgbClr val="000000"/>
-                      </a:solidFill>
-                      <a:prstDash val="solid"/>
-                      <a:round/>
-                      <a:headEnd type="none" w="sm" len="sm"/>
-                      <a:tailEnd type="none" w="sm" len="sm"/>
-                    </a:lnL>
-                    <a:lnR w="12575" cap="flat" cmpd="sng">
-                      <a:solidFill>
-                        <a:srgbClr val="000000"/>
-                      </a:solidFill>
-                      <a:prstDash val="solid"/>
-                      <a:round/>
-                      <a:headEnd type="none" w="sm" len="sm"/>
-                      <a:tailEnd type="none" w="sm" len="sm"/>
-                    </a:lnR>
-                    <a:lnT w="12575" cap="flat" cmpd="sng">
-                      <a:solidFill>
-                        <a:srgbClr val="000000"/>
-                      </a:solidFill>
-                      <a:prstDash val="solid"/>
-                      <a:round/>
-                      <a:headEnd type="none" w="sm" len="sm"/>
-                      <a:tailEnd type="none" w="sm" len="sm"/>
-                    </a:lnT>
-                    <a:lnB w="12575" cap="flat" cmpd="sng">
-                      <a:solidFill>
-                        <a:srgbClr val="000000"/>
-                      </a:solidFill>
-                      <a:prstDash val="solid"/>
-                      <a:round/>
-                      <a:headEnd type="none" w="sm" len="sm"/>
-                      <a:tailEnd type="none" w="sm" len="sm"/>
-                    </a:lnB>
-                  </a:tcPr>
-                </a:tc>
-                <a:tc>
-                  <a:txBody>
-                    <a:bodyPr/>
-                    <a:lstStyle/>
-                    <a:p>
-                      <a:pPr marL="0" lvl="0" indent="0" rtl="0">
-                        <a:spcBef>
-                          <a:spcPts val="0"/>
-                        </a:spcBef>
-                        <a:spcAft>
-                          <a:spcPts val="0"/>
-                        </a:spcAft>
-                        <a:buNone/>
-                      </a:pPr>
-                      <a:r>
-                        <a:rPr lang="en" sz="1600">
-                          <a:latin typeface="Times New Roman"/>
-                          <a:ea typeface="Times New Roman"/>
-                          <a:cs typeface="Times New Roman"/>
-                          <a:sym typeface="Times New Roman"/>
-                        </a:rPr>
-                        <a:t>1 where 1/3 females produce 1 egg</a:t>
-                      </a:r>
-                      <a:endParaRPr sz="1600">
-                        <a:latin typeface="Times New Roman"/>
-                        <a:ea typeface="Times New Roman"/>
-                        <a:cs typeface="Times New Roman"/>
-                        <a:sym typeface="Times New Roman"/>
-                      </a:endParaRPr>
-                    </a:p>
-                  </a:txBody>
-                  <a:tcPr marL="91433" marR="91433" marT="121900" marB="121900">
-                    <a:lnL w="12575" cap="flat" cmpd="sng">
-                      <a:solidFill>
-                        <a:srgbClr val="000000"/>
-                      </a:solidFill>
-                      <a:prstDash val="solid"/>
-                      <a:round/>
-                      <a:headEnd type="none" w="sm" len="sm"/>
-                      <a:tailEnd type="none" w="sm" len="sm"/>
-                    </a:lnL>
-                    <a:lnR w="12575" cap="flat" cmpd="sng">
-                      <a:solidFill>
-                        <a:srgbClr val="000000"/>
-                      </a:solidFill>
-                      <a:prstDash val="solid"/>
-                      <a:round/>
-                      <a:headEnd type="none" w="sm" len="sm"/>
-                      <a:tailEnd type="none" w="sm" len="sm"/>
-                    </a:lnR>
-                    <a:lnT w="12575" cap="flat" cmpd="sng">
-                      <a:solidFill>
-                        <a:srgbClr val="000000"/>
-                      </a:solidFill>
-                      <a:prstDash val="solid"/>
-                      <a:round/>
-                      <a:headEnd type="none" w="sm" len="sm"/>
-                      <a:tailEnd type="none" w="sm" len="sm"/>
-                    </a:lnT>
-                    <a:lnB w="12575" cap="flat" cmpd="sng">
-                      <a:solidFill>
-                        <a:srgbClr val="000000"/>
-                      </a:solidFill>
-                      <a:prstDash val="solid"/>
-                      <a:round/>
-                      <a:headEnd type="none" w="sm" len="sm"/>
-                      <a:tailEnd type="none" w="sm" len="sm"/>
-                    </a:lnB>
-                  </a:tcPr>
-                </a:tc>
-                <a:extLst>
-                  <a:ext uri="{0D108BD9-81ED-4DB2-BD59-A6C34878D82A}">
-                    <a16:rowId xmlns:a16="http://schemas.microsoft.com/office/drawing/2014/main" val="10005"/>
-                  </a:ext>
-                </a:extLst>
-              </a:tr>
-              <a:tr h="621774">
-                <a:tc>
-                  <a:txBody>
-                    <a:bodyPr/>
-                    <a:lstStyle/>
-                    <a:p>
-                      <a:pPr marL="0" lvl="0" indent="0" rtl="0">
-                        <a:spcBef>
-                          <a:spcPts val="0"/>
-                        </a:spcBef>
-                        <a:spcAft>
-                          <a:spcPts val="0"/>
-                        </a:spcAft>
-                        <a:buNone/>
-                      </a:pPr>
-                      <a:r>
-                        <a:rPr lang="en" sz="1600">
-                          <a:latin typeface="Times New Roman"/>
-                          <a:ea typeface="Times New Roman"/>
-                          <a:cs typeface="Times New Roman"/>
-                          <a:sym typeface="Times New Roman"/>
-                        </a:rPr>
-                        <a:t>Clutch frequency</a:t>
-                      </a:r>
-                      <a:endParaRPr sz="1600">
-                        <a:latin typeface="Times New Roman"/>
-                        <a:ea typeface="Times New Roman"/>
-                        <a:cs typeface="Times New Roman"/>
-                        <a:sym typeface="Times New Roman"/>
-                      </a:endParaRPr>
-                    </a:p>
-                  </a:txBody>
-                  <a:tcPr marL="91433" marR="91433" marT="121900" marB="121900">
-                    <a:lnL w="12575" cap="flat" cmpd="sng">
-                      <a:solidFill>
-                        <a:srgbClr val="000000"/>
-                      </a:solidFill>
-                      <a:prstDash val="solid"/>
-                      <a:round/>
-                      <a:headEnd type="none" w="sm" len="sm"/>
-                      <a:tailEnd type="none" w="sm" len="sm"/>
-                    </a:lnL>
-                    <a:lnR w="12575" cap="flat" cmpd="sng">
-                      <a:solidFill>
-                        <a:srgbClr val="000000"/>
-                      </a:solidFill>
-                      <a:prstDash val="solid"/>
-                      <a:round/>
-                      <a:headEnd type="none" w="sm" len="sm"/>
-                      <a:tailEnd type="none" w="sm" len="sm"/>
-                    </a:lnR>
-                    <a:lnT w="12575" cap="flat" cmpd="sng">
-                      <a:solidFill>
-                        <a:srgbClr val="000000"/>
-                      </a:solidFill>
-                      <a:prstDash val="solid"/>
-                      <a:round/>
-                      <a:headEnd type="none" w="sm" len="sm"/>
-                      <a:tailEnd type="none" w="sm" len="sm"/>
-                    </a:lnT>
-                    <a:lnB w="12575" cap="flat" cmpd="sng">
-                      <a:solidFill>
-                        <a:srgbClr val="000000"/>
-                      </a:solidFill>
-                      <a:prstDash val="solid"/>
-                      <a:round/>
-                      <a:headEnd type="none" w="sm" len="sm"/>
-                      <a:tailEnd type="none" w="sm" len="sm"/>
-                    </a:lnB>
-                  </a:tcPr>
-                </a:tc>
-                <a:tc>
-                  <a:txBody>
-                    <a:bodyPr/>
-                    <a:lstStyle/>
-                    <a:p>
-                      <a:pPr marL="0" lvl="0" indent="0" rtl="0">
-                        <a:spcBef>
-                          <a:spcPts val="0"/>
-                        </a:spcBef>
-                        <a:spcAft>
-                          <a:spcPts val="0"/>
-                        </a:spcAft>
-                        <a:buNone/>
-                      </a:pPr>
-                      <a:r>
-                        <a:rPr lang="en" sz="1600">
-                          <a:latin typeface="Times New Roman"/>
-                          <a:ea typeface="Times New Roman"/>
-                          <a:cs typeface="Times New Roman"/>
-                          <a:sym typeface="Times New Roman"/>
-                        </a:rPr>
-                        <a:t>2</a:t>
-                      </a:r>
-                      <a:endParaRPr sz="1600">
-                        <a:latin typeface="Times New Roman"/>
-                        <a:ea typeface="Times New Roman"/>
-                        <a:cs typeface="Times New Roman"/>
-                        <a:sym typeface="Times New Roman"/>
-                      </a:endParaRPr>
-                    </a:p>
-                  </a:txBody>
-                  <a:tcPr marL="91433" marR="91433" marT="121900" marB="121900">
-                    <a:lnL w="12575" cap="flat" cmpd="sng">
-                      <a:solidFill>
-                        <a:srgbClr val="000000"/>
-                      </a:solidFill>
-                      <a:prstDash val="solid"/>
-                      <a:round/>
-                      <a:headEnd type="none" w="sm" len="sm"/>
-                      <a:tailEnd type="none" w="sm" len="sm"/>
-                    </a:lnL>
-                    <a:lnR w="12575" cap="flat" cmpd="sng">
-                      <a:solidFill>
-                        <a:srgbClr val="000000"/>
-                      </a:solidFill>
-                      <a:prstDash val="solid"/>
-                      <a:round/>
-                      <a:headEnd type="none" w="sm" len="sm"/>
-                      <a:tailEnd type="none" w="sm" len="sm"/>
-                    </a:lnR>
-                    <a:lnT w="12575" cap="flat" cmpd="sng">
-                      <a:solidFill>
-                        <a:srgbClr val="000000"/>
-                      </a:solidFill>
-                      <a:prstDash val="solid"/>
-                      <a:round/>
-                      <a:headEnd type="none" w="sm" len="sm"/>
-                      <a:tailEnd type="none" w="sm" len="sm"/>
-                    </a:lnT>
-                    <a:lnB w="12575" cap="flat" cmpd="sng">
-                      <a:solidFill>
-                        <a:srgbClr val="000000"/>
-                      </a:solidFill>
-                      <a:prstDash val="solid"/>
-                      <a:round/>
-                      <a:headEnd type="none" w="sm" len="sm"/>
-                      <a:tailEnd type="none" w="sm" len="sm"/>
-                    </a:lnB>
-                  </a:tcPr>
-                </a:tc>
-                <a:tc>
-                  <a:txBody>
-                    <a:bodyPr/>
-                    <a:lstStyle/>
-                    <a:p>
-                      <a:pPr marL="0" lvl="0" indent="0" rtl="0">
-                        <a:spcBef>
-                          <a:spcPts val="0"/>
-                        </a:spcBef>
-                        <a:spcAft>
-                          <a:spcPts val="0"/>
-                        </a:spcAft>
-                        <a:buNone/>
-                      </a:pPr>
-                      <a:r>
-                        <a:rPr lang="en" sz="1600">
-                          <a:latin typeface="Times New Roman"/>
-                          <a:ea typeface="Times New Roman"/>
-                          <a:cs typeface="Times New Roman"/>
-                          <a:sym typeface="Times New Roman"/>
-                        </a:rPr>
-                        <a:t>2</a:t>
-                      </a:r>
-                      <a:endParaRPr sz="1600">
-                        <a:latin typeface="Times New Roman"/>
-                        <a:ea typeface="Times New Roman"/>
-                        <a:cs typeface="Times New Roman"/>
-                        <a:sym typeface="Times New Roman"/>
-                      </a:endParaRPr>
-                    </a:p>
-                  </a:txBody>
-                  <a:tcPr marL="91433" marR="91433" marT="121900" marB="121900">
-                    <a:lnL w="12575" cap="flat" cmpd="sng">
-                      <a:solidFill>
-                        <a:srgbClr val="000000"/>
-                      </a:solidFill>
-                      <a:prstDash val="solid"/>
-                      <a:round/>
-                      <a:headEnd type="none" w="sm" len="sm"/>
-                      <a:tailEnd type="none" w="sm" len="sm"/>
-                    </a:lnL>
-                    <a:lnR w="12575" cap="flat" cmpd="sng">
-                      <a:solidFill>
-                        <a:srgbClr val="000000"/>
-                      </a:solidFill>
-                      <a:prstDash val="solid"/>
-                      <a:round/>
-                      <a:headEnd type="none" w="sm" len="sm"/>
-                      <a:tailEnd type="none" w="sm" len="sm"/>
-                    </a:lnR>
-                    <a:lnT w="12575" cap="flat" cmpd="sng">
-                      <a:solidFill>
-                        <a:srgbClr val="000000"/>
-                      </a:solidFill>
-                      <a:prstDash val="solid"/>
-                      <a:round/>
-                      <a:headEnd type="none" w="sm" len="sm"/>
-                      <a:tailEnd type="none" w="sm" len="sm"/>
-                    </a:lnT>
-                    <a:lnB w="12575" cap="flat" cmpd="sng">
-                      <a:solidFill>
-                        <a:srgbClr val="000000"/>
-                      </a:solidFill>
-                      <a:prstDash val="solid"/>
-                      <a:round/>
-                      <a:headEnd type="none" w="sm" len="sm"/>
-                      <a:tailEnd type="none" w="sm" len="sm"/>
-                    </a:lnB>
-                  </a:tcPr>
-                </a:tc>
-                <a:tc>
-                  <a:txBody>
-                    <a:bodyPr/>
-                    <a:lstStyle/>
-                    <a:p>
-                      <a:pPr marL="0" lvl="0" indent="0" rtl="0">
-                        <a:spcBef>
-                          <a:spcPts val="0"/>
-                        </a:spcBef>
-                        <a:spcAft>
-                          <a:spcPts val="0"/>
-                        </a:spcAft>
-                        <a:buNone/>
-                      </a:pPr>
-                      <a:r>
-                        <a:rPr lang="en" sz="1600">
-                          <a:latin typeface="Times New Roman"/>
-                          <a:ea typeface="Times New Roman"/>
-                          <a:cs typeface="Times New Roman"/>
-                          <a:sym typeface="Times New Roman"/>
-                        </a:rPr>
-                        <a:t>2</a:t>
-                      </a:r>
-                      <a:endParaRPr sz="1600">
-                        <a:latin typeface="Times New Roman"/>
-                        <a:ea typeface="Times New Roman"/>
-                        <a:cs typeface="Times New Roman"/>
-                        <a:sym typeface="Times New Roman"/>
-                      </a:endParaRPr>
-                    </a:p>
-                  </a:txBody>
-                  <a:tcPr marL="91433" marR="91433" marT="121900" marB="121900">
-                    <a:lnL w="12575" cap="flat" cmpd="sng">
-                      <a:solidFill>
-                        <a:srgbClr val="000000"/>
-                      </a:solidFill>
-                      <a:prstDash val="solid"/>
-                      <a:round/>
-                      <a:headEnd type="none" w="sm" len="sm"/>
-                      <a:tailEnd type="none" w="sm" len="sm"/>
-                    </a:lnL>
-                    <a:lnR w="12575" cap="flat" cmpd="sng">
-                      <a:solidFill>
-                        <a:srgbClr val="000000"/>
-                      </a:solidFill>
-                      <a:prstDash val="solid"/>
-                      <a:round/>
-                      <a:headEnd type="none" w="sm" len="sm"/>
-                      <a:tailEnd type="none" w="sm" len="sm"/>
-                    </a:lnR>
-                    <a:lnT w="12575" cap="flat" cmpd="sng">
-                      <a:solidFill>
-                        <a:srgbClr val="000000"/>
-                      </a:solidFill>
-                      <a:prstDash val="solid"/>
-                      <a:round/>
-                      <a:headEnd type="none" w="sm" len="sm"/>
-                      <a:tailEnd type="none" w="sm" len="sm"/>
-                    </a:lnT>
-                    <a:lnB w="12575" cap="flat" cmpd="sng">
-                      <a:solidFill>
-                        <a:srgbClr val="000000"/>
-                      </a:solidFill>
-                      <a:prstDash val="solid"/>
-                      <a:round/>
-                      <a:headEnd type="none" w="sm" len="sm"/>
-                      <a:tailEnd type="none" w="sm" len="sm"/>
-                    </a:lnB>
-                  </a:tcPr>
-                </a:tc>
-                <a:extLst>
-                  <a:ext uri="{0D108BD9-81ED-4DB2-BD59-A6C34878D82A}">
-                    <a16:rowId xmlns:a16="http://schemas.microsoft.com/office/drawing/2014/main" val="10006"/>
-                  </a:ext>
-                </a:extLst>
-              </a:tr>
-              <a:tr h="414504">
-                <a:tc>
-                  <a:txBody>
-                    <a:bodyPr/>
-                    <a:lstStyle/>
-                    <a:p>
-                      <a:pPr marL="0" lvl="0" indent="0" rtl="0">
-                        <a:spcBef>
-                          <a:spcPts val="0"/>
-                        </a:spcBef>
-                        <a:spcAft>
-                          <a:spcPts val="0"/>
-                        </a:spcAft>
-                        <a:buNone/>
-                      </a:pPr>
-                      <a:r>
-                        <a:rPr lang="en" sz="1600">
-                          <a:latin typeface="Times New Roman"/>
-                          <a:ea typeface="Times New Roman"/>
-                          <a:cs typeface="Times New Roman"/>
-                          <a:sym typeface="Times New Roman"/>
-                        </a:rPr>
-                        <a:t>Mortality</a:t>
-                      </a:r>
-                      <a:endParaRPr sz="1600">
-                        <a:latin typeface="Times New Roman"/>
-                        <a:ea typeface="Times New Roman"/>
-                        <a:cs typeface="Times New Roman"/>
-                        <a:sym typeface="Times New Roman"/>
-                      </a:endParaRPr>
-                    </a:p>
-                  </a:txBody>
-                  <a:tcPr marL="91433" marR="91433" marT="121900" marB="121900">
-                    <a:lnL w="12575" cap="flat" cmpd="sng">
-                      <a:solidFill>
-                        <a:srgbClr val="000000"/>
-                      </a:solidFill>
-                      <a:prstDash val="solid"/>
-                      <a:round/>
-                      <a:headEnd type="none" w="sm" len="sm"/>
-                      <a:tailEnd type="none" w="sm" len="sm"/>
-                    </a:lnL>
-                    <a:lnR w="12575" cap="flat" cmpd="sng">
-                      <a:solidFill>
-                        <a:srgbClr val="000000"/>
-                      </a:solidFill>
-                      <a:prstDash val="solid"/>
-                      <a:round/>
-                      <a:headEnd type="none" w="sm" len="sm"/>
-                      <a:tailEnd type="none" w="sm" len="sm"/>
-                    </a:lnR>
-                    <a:lnT w="12575" cap="flat" cmpd="sng">
-                      <a:solidFill>
-                        <a:srgbClr val="000000"/>
-                      </a:solidFill>
-                      <a:prstDash val="solid"/>
-                      <a:round/>
-                      <a:headEnd type="none" w="sm" len="sm"/>
-                      <a:tailEnd type="none" w="sm" len="sm"/>
-                    </a:lnT>
-                    <a:lnB w="12575" cap="flat" cmpd="sng">
-                      <a:solidFill>
-                        <a:srgbClr val="000000"/>
-                      </a:solidFill>
-                      <a:prstDash val="solid"/>
-                      <a:round/>
-                      <a:headEnd type="none" w="sm" len="sm"/>
-                      <a:tailEnd type="none" w="sm" len="sm"/>
-                    </a:lnB>
-                  </a:tcPr>
-                </a:tc>
-                <a:tc>
-                  <a:txBody>
-                    <a:bodyPr/>
-                    <a:lstStyle/>
-                    <a:p>
-                      <a:pPr marL="0" lvl="0" indent="0" rtl="0">
-                        <a:spcBef>
-                          <a:spcPts val="0"/>
-                        </a:spcBef>
-                        <a:spcAft>
-                          <a:spcPts val="0"/>
-                        </a:spcAft>
-                        <a:buNone/>
-                      </a:pPr>
-                      <a:r>
-                        <a:rPr lang="en" sz="1600">
-                          <a:latin typeface="Times New Roman"/>
-                          <a:ea typeface="Times New Roman"/>
-                          <a:cs typeface="Times New Roman"/>
-                          <a:sym typeface="Times New Roman"/>
-                        </a:rPr>
-                        <a:t>12%</a:t>
-                      </a:r>
-                      <a:endParaRPr sz="1600">
-                        <a:latin typeface="Times New Roman"/>
-                        <a:ea typeface="Times New Roman"/>
-                        <a:cs typeface="Times New Roman"/>
-                        <a:sym typeface="Times New Roman"/>
-                      </a:endParaRPr>
-                    </a:p>
-                  </a:txBody>
-                  <a:tcPr marL="91433" marR="91433" marT="121900" marB="121900">
-                    <a:lnL w="12575" cap="flat" cmpd="sng">
-                      <a:solidFill>
-                        <a:srgbClr val="000000"/>
-                      </a:solidFill>
-                      <a:prstDash val="solid"/>
-                      <a:round/>
-                      <a:headEnd type="none" w="sm" len="sm"/>
-                      <a:tailEnd type="none" w="sm" len="sm"/>
-                    </a:lnL>
-                    <a:lnR w="12575" cap="flat" cmpd="sng">
-                      <a:solidFill>
-                        <a:srgbClr val="000000"/>
-                      </a:solidFill>
-                      <a:prstDash val="solid"/>
-                      <a:round/>
-                      <a:headEnd type="none" w="sm" len="sm"/>
-                      <a:tailEnd type="none" w="sm" len="sm"/>
-                    </a:lnR>
-                    <a:lnT w="12575" cap="flat" cmpd="sng">
-                      <a:solidFill>
-                        <a:srgbClr val="000000"/>
-                      </a:solidFill>
-                      <a:prstDash val="solid"/>
-                      <a:round/>
-                      <a:headEnd type="none" w="sm" len="sm"/>
-                      <a:tailEnd type="none" w="sm" len="sm"/>
-                    </a:lnT>
-                    <a:lnB w="12575" cap="flat" cmpd="sng">
-                      <a:solidFill>
-                        <a:srgbClr val="000000"/>
-                      </a:solidFill>
-                      <a:prstDash val="solid"/>
-                      <a:round/>
-                      <a:headEnd type="none" w="sm" len="sm"/>
-                      <a:tailEnd type="none" w="sm" len="sm"/>
-                    </a:lnB>
-                  </a:tcPr>
-                </a:tc>
-                <a:tc>
-                  <a:txBody>
-                    <a:bodyPr/>
-                    <a:lstStyle/>
-                    <a:p>
-                      <a:pPr marL="0" lvl="0" indent="0" rtl="0">
-                        <a:spcBef>
-                          <a:spcPts val="0"/>
-                        </a:spcBef>
-                        <a:spcAft>
-                          <a:spcPts val="0"/>
-                        </a:spcAft>
-                        <a:buNone/>
-                      </a:pPr>
-                      <a:r>
-                        <a:rPr lang="en" sz="1600">
-                          <a:latin typeface="Times New Roman"/>
-                          <a:ea typeface="Times New Roman"/>
-                          <a:cs typeface="Times New Roman"/>
-                          <a:sym typeface="Times New Roman"/>
-                        </a:rPr>
-                        <a:t>Random 20 - 50</a:t>
-                      </a:r>
-                      <a:endParaRPr sz="1600">
-                        <a:latin typeface="Times New Roman"/>
-                        <a:ea typeface="Times New Roman"/>
-                        <a:cs typeface="Times New Roman"/>
-                        <a:sym typeface="Times New Roman"/>
-                      </a:endParaRPr>
-                    </a:p>
-                  </a:txBody>
-                  <a:tcPr marL="91433" marR="91433" marT="121900" marB="121900">
-                    <a:lnL w="12575" cap="flat" cmpd="sng">
-                      <a:solidFill>
-                        <a:srgbClr val="000000"/>
-                      </a:solidFill>
-                      <a:prstDash val="solid"/>
-                      <a:round/>
-                      <a:headEnd type="none" w="sm" len="sm"/>
-                      <a:tailEnd type="none" w="sm" len="sm"/>
-                    </a:lnL>
-                    <a:lnR w="12575" cap="flat" cmpd="sng">
-                      <a:solidFill>
-                        <a:srgbClr val="000000"/>
-                      </a:solidFill>
-                      <a:prstDash val="solid"/>
-                      <a:round/>
-                      <a:headEnd type="none" w="sm" len="sm"/>
-                      <a:tailEnd type="none" w="sm" len="sm"/>
-                    </a:lnR>
-                    <a:lnT w="12575" cap="flat" cmpd="sng">
-                      <a:solidFill>
-                        <a:srgbClr val="000000"/>
-                      </a:solidFill>
-                      <a:prstDash val="solid"/>
-                      <a:round/>
-                      <a:headEnd type="none" w="sm" len="sm"/>
-                      <a:tailEnd type="none" w="sm" len="sm"/>
-                    </a:lnT>
-                    <a:lnB w="12575" cap="flat" cmpd="sng">
-                      <a:solidFill>
-                        <a:srgbClr val="000000"/>
-                      </a:solidFill>
-                      <a:prstDash val="solid"/>
-                      <a:round/>
-                      <a:headEnd type="none" w="sm" len="sm"/>
-                      <a:tailEnd type="none" w="sm" len="sm"/>
-                    </a:lnB>
-                  </a:tcPr>
-                </a:tc>
-                <a:tc>
-                  <a:txBody>
-                    <a:bodyPr/>
-                    <a:lstStyle/>
-                    <a:p>
-                      <a:pPr marL="0" lvl="0" indent="0" rtl="0">
-                        <a:spcBef>
-                          <a:spcPts val="0"/>
-                        </a:spcBef>
-                        <a:spcAft>
-                          <a:spcPts val="0"/>
-                        </a:spcAft>
-                        <a:buNone/>
-                      </a:pPr>
-                      <a:r>
-                        <a:rPr lang="en" sz="1600" dirty="0">
-                          <a:latin typeface="Times New Roman"/>
-                          <a:ea typeface="Times New Roman"/>
-                          <a:cs typeface="Times New Roman"/>
-                          <a:sym typeface="Times New Roman"/>
-                        </a:rPr>
-                        <a:t>Random 50 - 66%</a:t>
-                      </a:r>
-                      <a:endParaRPr sz="1600" dirty="0">
-                        <a:latin typeface="Times New Roman"/>
-                        <a:ea typeface="Times New Roman"/>
-                        <a:cs typeface="Times New Roman"/>
-                        <a:sym typeface="Times New Roman"/>
-                      </a:endParaRPr>
-                    </a:p>
-                  </a:txBody>
-                  <a:tcPr marL="91433" marR="91433" marT="121900" marB="121900">
-                    <a:lnL w="12575" cap="flat" cmpd="sng">
-                      <a:solidFill>
-                        <a:srgbClr val="000000"/>
-                      </a:solidFill>
-                      <a:prstDash val="solid"/>
-                      <a:round/>
-                      <a:headEnd type="none" w="sm" len="sm"/>
-                      <a:tailEnd type="none" w="sm" len="sm"/>
-                    </a:lnL>
-                    <a:lnR w="12575" cap="flat" cmpd="sng">
-                      <a:solidFill>
-                        <a:srgbClr val="000000"/>
-                      </a:solidFill>
-                      <a:prstDash val="solid"/>
-                      <a:round/>
-                      <a:headEnd type="none" w="sm" len="sm"/>
-                      <a:tailEnd type="none" w="sm" len="sm"/>
-                    </a:lnR>
-                    <a:lnT w="12575" cap="flat" cmpd="sng">
-                      <a:solidFill>
-                        <a:srgbClr val="000000"/>
-                      </a:solidFill>
-                      <a:prstDash val="solid"/>
-                      <a:round/>
-                      <a:headEnd type="none" w="sm" len="sm"/>
-                      <a:tailEnd type="none" w="sm" len="sm"/>
-                    </a:lnT>
-                    <a:lnB w="12575" cap="flat" cmpd="sng">
-                      <a:solidFill>
-                        <a:srgbClr val="000000"/>
-                      </a:solidFill>
-                      <a:prstDash val="solid"/>
-                      <a:round/>
-                      <a:headEnd type="none" w="sm" len="sm"/>
-                      <a:tailEnd type="none" w="sm" len="sm"/>
-                    </a:lnB>
-                  </a:tcPr>
-                </a:tc>
-                <a:extLst>
-                  <a:ext uri="{0D108BD9-81ED-4DB2-BD59-A6C34878D82A}">
-                    <a16:rowId xmlns:a16="http://schemas.microsoft.com/office/drawing/2014/main" val="10007"/>
+                    <a16:rowId xmlns:a16="http://schemas.microsoft.com/office/drawing/2014/main" xmlns="" val="10007"/>
                   </a:ext>
                 </a:extLst>
               </a:tr>
@@ -10504,7 +8935,7 @@
 </p:sld>
 </file>
 
-<file path=ppt/slides/slide19.xml><?xml version="1.0" encoding="utf-8"?>
+<file path=ppt/slides/slide18.xml><?xml version="1.0" encoding="utf-8"?>
 <p:sld xmlns:a="http://schemas.openxmlformats.org/drawingml/2006/main" xmlns:r="http://schemas.openxmlformats.org/officeDocument/2006/relationships" xmlns:p="http://schemas.openxmlformats.org/presentationml/2006/main">
   <p:cSld>
     <p:spTree>
@@ -10578,680 +9009,6 @@
           </a:p>
         </p:txBody>
       </p:sp>
-      <p:graphicFrame>
-        <p:nvGraphicFramePr>
-          <p:cNvPr id="193" name="Google Shape;193;p26"/>
-          <p:cNvGraphicFramePr/>
-          <p:nvPr>
-            <p:extLst/>
-          </p:nvPr>
-        </p:nvGraphicFramePr>
-        <p:xfrm>
-          <a:off x="815134" y="4774434"/>
-          <a:ext cx="11169033" cy="1295513"/>
-        </p:xfrm>
-        <a:graphic>
-          <a:graphicData uri="http://schemas.openxmlformats.org/drawingml/2006/table">
-            <a:tbl>
-              <a:tblPr>
-                <a:noFill/>
-              </a:tblPr>
-              <a:tblGrid>
-                <a:gridCol w="1389700">
-                  <a:extLst>
-                    <a:ext uri="{9D8B030D-6E8A-4147-A177-3AD203B41FA5}">
-                      <a16:colId xmlns:a16="http://schemas.microsoft.com/office/drawing/2014/main" val="20000"/>
-                    </a:ext>
-                  </a:extLst>
-                </a:gridCol>
-                <a:gridCol w="1136433">
-                  <a:extLst>
-                    <a:ext uri="{9D8B030D-6E8A-4147-A177-3AD203B41FA5}">
-                      <a16:colId xmlns:a16="http://schemas.microsoft.com/office/drawing/2014/main" val="20001"/>
-                    </a:ext>
-                  </a:extLst>
-                </a:gridCol>
-                <a:gridCol w="3208833">
-                  <a:extLst>
-                    <a:ext uri="{9D8B030D-6E8A-4147-A177-3AD203B41FA5}">
-                      <a16:colId xmlns:a16="http://schemas.microsoft.com/office/drawing/2014/main" val="20002"/>
-                    </a:ext>
-                  </a:extLst>
-                </a:gridCol>
-                <a:gridCol w="5434067">
-                  <a:extLst>
-                    <a:ext uri="{9D8B030D-6E8A-4147-A177-3AD203B41FA5}">
-                      <a16:colId xmlns:a16="http://schemas.microsoft.com/office/drawing/2014/main" val="20003"/>
-                    </a:ext>
-                  </a:extLst>
-                </a:gridCol>
-              </a:tblGrid>
-              <a:tr h="731480">
-                <a:tc>
-                  <a:txBody>
-                    <a:bodyPr/>
-                    <a:lstStyle/>
-                    <a:p>
-                      <a:pPr marL="0" lvl="0" indent="0" rtl="0">
-                        <a:spcBef>
-                          <a:spcPts val="0"/>
-                        </a:spcBef>
-                        <a:spcAft>
-                          <a:spcPts val="0"/>
-                        </a:spcAft>
-                        <a:buNone/>
-                      </a:pPr>
-                      <a:r>
-                        <a:rPr lang="en" sz="1600" dirty="0">
-                          <a:solidFill>
-                            <a:schemeClr val="bg2">
-                              <a:lumMod val="60000"/>
-                              <a:lumOff val="40000"/>
-                            </a:schemeClr>
-                          </a:solidFill>
-                          <a:latin typeface="Times New Roman"/>
-                          <a:ea typeface="Times New Roman"/>
-                          <a:cs typeface="Times New Roman"/>
-                          <a:sym typeface="Times New Roman"/>
-                        </a:rPr>
-                        <a:t>Intrinsic growth rate (r)</a:t>
-                      </a:r>
-                      <a:endParaRPr sz="1600" dirty="0">
-                        <a:solidFill>
-                          <a:schemeClr val="bg2">
-                            <a:lumMod val="60000"/>
-                            <a:lumOff val="40000"/>
-                          </a:schemeClr>
-                        </a:solidFill>
-                        <a:latin typeface="Times New Roman"/>
-                        <a:ea typeface="Times New Roman"/>
-                        <a:cs typeface="Times New Roman"/>
-                        <a:sym typeface="Times New Roman"/>
-                      </a:endParaRPr>
-                    </a:p>
-                  </a:txBody>
-                  <a:tcPr marL="91433" marR="91433" marT="121900" marB="121900">
-                    <a:lnL w="12575" cap="flat" cmpd="sng">
-                      <a:solidFill>
-                        <a:srgbClr val="000000"/>
-                      </a:solidFill>
-                      <a:prstDash val="solid"/>
-                      <a:round/>
-                      <a:headEnd type="none" w="sm" len="sm"/>
-                      <a:tailEnd type="none" w="sm" len="sm"/>
-                    </a:lnL>
-                    <a:lnR w="12575" cap="flat" cmpd="sng">
-                      <a:solidFill>
-                        <a:srgbClr val="000000"/>
-                      </a:solidFill>
-                      <a:prstDash val="solid"/>
-                      <a:round/>
-                      <a:headEnd type="none" w="sm" len="sm"/>
-                      <a:tailEnd type="none" w="sm" len="sm"/>
-                    </a:lnR>
-                    <a:lnT w="12575" cap="flat" cmpd="sng">
-                      <a:solidFill>
-                        <a:srgbClr val="000000"/>
-                      </a:solidFill>
-                      <a:prstDash val="solid"/>
-                      <a:round/>
-                      <a:headEnd type="none" w="sm" len="sm"/>
-                      <a:tailEnd type="none" w="sm" len="sm"/>
-                    </a:lnT>
-                    <a:lnB w="12575" cap="flat" cmpd="sng">
-                      <a:solidFill>
-                        <a:srgbClr val="000000"/>
-                      </a:solidFill>
-                      <a:prstDash val="solid"/>
-                      <a:round/>
-                      <a:headEnd type="none" w="sm" len="sm"/>
-                      <a:tailEnd type="none" w="sm" len="sm"/>
-                    </a:lnB>
-                  </a:tcPr>
-                </a:tc>
-                <a:tc>
-                  <a:txBody>
-                    <a:bodyPr/>
-                    <a:lstStyle/>
-                    <a:p>
-                      <a:pPr marL="0" lvl="0" indent="0" rtl="0">
-                        <a:spcBef>
-                          <a:spcPts val="0"/>
-                        </a:spcBef>
-                        <a:spcAft>
-                          <a:spcPts val="0"/>
-                        </a:spcAft>
-                        <a:buNone/>
-                      </a:pPr>
-                      <a:r>
-                        <a:rPr lang="en" sz="1600" dirty="0">
-                          <a:solidFill>
-                            <a:schemeClr val="bg2">
-                              <a:lumMod val="60000"/>
-                              <a:lumOff val="40000"/>
-                            </a:schemeClr>
-                          </a:solidFill>
-                          <a:latin typeface="Times New Roman"/>
-                          <a:ea typeface="Times New Roman"/>
-                          <a:cs typeface="Times New Roman"/>
-                          <a:sym typeface="Times New Roman"/>
-                        </a:rPr>
-                        <a:t>1.13</a:t>
-                      </a:r>
-                      <a:endParaRPr sz="1600" dirty="0">
-                        <a:solidFill>
-                          <a:schemeClr val="bg2">
-                            <a:lumMod val="60000"/>
-                            <a:lumOff val="40000"/>
-                          </a:schemeClr>
-                        </a:solidFill>
-                        <a:latin typeface="Times New Roman"/>
-                        <a:ea typeface="Times New Roman"/>
-                        <a:cs typeface="Times New Roman"/>
-                        <a:sym typeface="Times New Roman"/>
-                      </a:endParaRPr>
-                    </a:p>
-                  </a:txBody>
-                  <a:tcPr marL="91433" marR="91433" marT="121900" marB="121900">
-                    <a:lnL w="12575" cap="flat" cmpd="sng">
-                      <a:solidFill>
-                        <a:srgbClr val="000000"/>
-                      </a:solidFill>
-                      <a:prstDash val="solid"/>
-                      <a:round/>
-                      <a:headEnd type="none" w="sm" len="sm"/>
-                      <a:tailEnd type="none" w="sm" len="sm"/>
-                    </a:lnL>
-                    <a:lnR w="12575" cap="flat" cmpd="sng">
-                      <a:solidFill>
-                        <a:srgbClr val="000000"/>
-                      </a:solidFill>
-                      <a:prstDash val="solid"/>
-                      <a:round/>
-                      <a:headEnd type="none" w="sm" len="sm"/>
-                      <a:tailEnd type="none" w="sm" len="sm"/>
-                    </a:lnR>
-                    <a:lnT w="12575" cap="flat" cmpd="sng">
-                      <a:solidFill>
-                        <a:srgbClr val="000000"/>
-                      </a:solidFill>
-                      <a:prstDash val="solid"/>
-                      <a:round/>
-                      <a:headEnd type="none" w="sm" len="sm"/>
-                      <a:tailEnd type="none" w="sm" len="sm"/>
-                    </a:lnT>
-                    <a:lnB w="12575" cap="flat" cmpd="sng">
-                      <a:solidFill>
-                        <a:srgbClr val="000000"/>
-                      </a:solidFill>
-                      <a:prstDash val="solid"/>
-                      <a:round/>
-                      <a:headEnd type="none" w="sm" len="sm"/>
-                      <a:tailEnd type="none" w="sm" len="sm"/>
-                    </a:lnB>
-                  </a:tcPr>
-                </a:tc>
-                <a:tc>
-                  <a:txBody>
-                    <a:bodyPr/>
-                    <a:lstStyle/>
-                    <a:p>
-                      <a:pPr marL="0" lvl="0" indent="0" rtl="0">
-                        <a:spcBef>
-                          <a:spcPts val="0"/>
-                        </a:spcBef>
-                        <a:spcAft>
-                          <a:spcPts val="0"/>
-                        </a:spcAft>
-                        <a:buNone/>
-                      </a:pPr>
-                      <a:r>
-                        <a:rPr lang="en" sz="1600" dirty="0">
-                          <a:solidFill>
-                            <a:schemeClr val="bg2">
-                              <a:lumMod val="60000"/>
-                              <a:lumOff val="40000"/>
-                            </a:schemeClr>
-                          </a:solidFill>
-                          <a:latin typeface="Times New Roman"/>
-                          <a:ea typeface="Times New Roman"/>
-                          <a:cs typeface="Times New Roman"/>
-                          <a:sym typeface="Times New Roman"/>
-                        </a:rPr>
-                        <a:t>0.5</a:t>
-                      </a:r>
-                      <a:endParaRPr sz="1600" dirty="0">
-                        <a:solidFill>
-                          <a:schemeClr val="bg2">
-                            <a:lumMod val="60000"/>
-                            <a:lumOff val="40000"/>
-                          </a:schemeClr>
-                        </a:solidFill>
-                        <a:latin typeface="Times New Roman"/>
-                        <a:ea typeface="Times New Roman"/>
-                        <a:cs typeface="Times New Roman"/>
-                        <a:sym typeface="Times New Roman"/>
-                      </a:endParaRPr>
-                    </a:p>
-                  </a:txBody>
-                  <a:tcPr marL="91433" marR="91433" marT="121900" marB="121900">
-                    <a:lnL w="12575" cap="flat" cmpd="sng">
-                      <a:solidFill>
-                        <a:srgbClr val="000000"/>
-                      </a:solidFill>
-                      <a:prstDash val="solid"/>
-                      <a:round/>
-                      <a:headEnd type="none" w="sm" len="sm"/>
-                      <a:tailEnd type="none" w="sm" len="sm"/>
-                    </a:lnL>
-                    <a:lnR w="12575" cap="flat" cmpd="sng">
-                      <a:solidFill>
-                        <a:srgbClr val="000000"/>
-                      </a:solidFill>
-                      <a:prstDash val="solid"/>
-                      <a:round/>
-                      <a:headEnd type="none" w="sm" len="sm"/>
-                      <a:tailEnd type="none" w="sm" len="sm"/>
-                    </a:lnR>
-                    <a:lnT w="12575" cap="flat" cmpd="sng">
-                      <a:solidFill>
-                        <a:srgbClr val="000000"/>
-                      </a:solidFill>
-                      <a:prstDash val="solid"/>
-                      <a:round/>
-                      <a:headEnd type="none" w="sm" len="sm"/>
-                      <a:tailEnd type="none" w="sm" len="sm"/>
-                    </a:lnT>
-                    <a:lnB w="12575" cap="flat" cmpd="sng">
-                      <a:solidFill>
-                        <a:srgbClr val="000000"/>
-                      </a:solidFill>
-                      <a:prstDash val="solid"/>
-                      <a:round/>
-                      <a:headEnd type="none" w="sm" len="sm"/>
-                      <a:tailEnd type="none" w="sm" len="sm"/>
-                    </a:lnB>
-                  </a:tcPr>
-                </a:tc>
-                <a:tc>
-                  <a:txBody>
-                    <a:bodyPr/>
-                    <a:lstStyle/>
-                    <a:p>
-                      <a:pPr marL="0" lvl="0" indent="0" rtl="0">
-                        <a:spcBef>
-                          <a:spcPts val="0"/>
-                        </a:spcBef>
-                        <a:spcAft>
-                          <a:spcPts val="0"/>
-                        </a:spcAft>
-                        <a:buNone/>
-                      </a:pPr>
-                      <a:r>
-                        <a:rPr lang="en" sz="1600" dirty="0">
-                          <a:solidFill>
-                            <a:schemeClr val="bg2">
-                              <a:lumMod val="60000"/>
-                              <a:lumOff val="40000"/>
-                            </a:schemeClr>
-                          </a:solidFill>
-                          <a:latin typeface="Times New Roman"/>
-                          <a:ea typeface="Times New Roman"/>
-                          <a:cs typeface="Times New Roman"/>
-                          <a:sym typeface="Times New Roman"/>
-                        </a:rPr>
-                        <a:t>0.35</a:t>
-                      </a:r>
-                      <a:endParaRPr sz="1600" dirty="0">
-                        <a:solidFill>
-                          <a:schemeClr val="bg2">
-                            <a:lumMod val="60000"/>
-                            <a:lumOff val="40000"/>
-                          </a:schemeClr>
-                        </a:solidFill>
-                        <a:latin typeface="Times New Roman"/>
-                        <a:ea typeface="Times New Roman"/>
-                        <a:cs typeface="Times New Roman"/>
-                        <a:sym typeface="Times New Roman"/>
-                      </a:endParaRPr>
-                    </a:p>
-                  </a:txBody>
-                  <a:tcPr marL="91433" marR="91433" marT="121900" marB="121900">
-                    <a:lnL w="12575" cap="flat" cmpd="sng">
-                      <a:solidFill>
-                        <a:srgbClr val="000000"/>
-                      </a:solidFill>
-                      <a:prstDash val="solid"/>
-                      <a:round/>
-                      <a:headEnd type="none" w="sm" len="sm"/>
-                      <a:tailEnd type="none" w="sm" len="sm"/>
-                    </a:lnL>
-                    <a:lnR w="12575" cap="flat" cmpd="sng">
-                      <a:solidFill>
-                        <a:srgbClr val="000000"/>
-                      </a:solidFill>
-                      <a:prstDash val="solid"/>
-                      <a:round/>
-                      <a:headEnd type="none" w="sm" len="sm"/>
-                      <a:tailEnd type="none" w="sm" len="sm"/>
-                    </a:lnR>
-                    <a:lnT w="12575" cap="flat" cmpd="sng">
-                      <a:solidFill>
-                        <a:srgbClr val="000000"/>
-                      </a:solidFill>
-                      <a:prstDash val="solid"/>
-                      <a:round/>
-                      <a:headEnd type="none" w="sm" len="sm"/>
-                      <a:tailEnd type="none" w="sm" len="sm"/>
-                    </a:lnT>
-                    <a:lnB w="12575" cap="flat" cmpd="sng">
-                      <a:solidFill>
-                        <a:srgbClr val="000000"/>
-                      </a:solidFill>
-                      <a:prstDash val="solid"/>
-                      <a:round/>
-                      <a:headEnd type="none" w="sm" len="sm"/>
-                      <a:tailEnd type="none" w="sm" len="sm"/>
-                    </a:lnB>
-                  </a:tcPr>
-                </a:tc>
-                <a:extLst>
-                  <a:ext uri="{0D108BD9-81ED-4DB2-BD59-A6C34878D82A}">
-                    <a16:rowId xmlns:a16="http://schemas.microsoft.com/office/drawing/2014/main" val="10000"/>
-                  </a:ext>
-                </a:extLst>
-              </a:tr>
-              <a:tr h="564033">
-                <a:tc>
-                  <a:txBody>
-                    <a:bodyPr/>
-                    <a:lstStyle/>
-                    <a:p>
-                      <a:pPr marL="0" lvl="0" indent="0" rtl="0">
-                        <a:spcBef>
-                          <a:spcPts val="0"/>
-                        </a:spcBef>
-                        <a:spcAft>
-                          <a:spcPts val="0"/>
-                        </a:spcAft>
-                        <a:buNone/>
-                      </a:pPr>
-                      <a:r>
-                        <a:rPr lang="en" sz="1600">
-                          <a:latin typeface="Times New Roman"/>
-                          <a:ea typeface="Times New Roman"/>
-                          <a:cs typeface="Times New Roman"/>
-                          <a:sym typeface="Times New Roman"/>
-                        </a:rPr>
-                        <a:t>Mortality</a:t>
-                      </a:r>
-                      <a:endParaRPr sz="1600">
-                        <a:latin typeface="Times New Roman"/>
-                        <a:ea typeface="Times New Roman"/>
-                        <a:cs typeface="Times New Roman"/>
-                        <a:sym typeface="Times New Roman"/>
-                      </a:endParaRPr>
-                    </a:p>
-                  </a:txBody>
-                  <a:tcPr marL="91433" marR="91433" marT="121900" marB="121900">
-                    <a:lnL w="12575" cap="flat" cmpd="sng">
-                      <a:solidFill>
-                        <a:srgbClr val="000000"/>
-                      </a:solidFill>
-                      <a:prstDash val="solid"/>
-                      <a:round/>
-                      <a:headEnd type="none" w="sm" len="sm"/>
-                      <a:tailEnd type="none" w="sm" len="sm"/>
-                    </a:lnL>
-                    <a:lnR w="12575" cap="flat" cmpd="sng">
-                      <a:solidFill>
-                        <a:srgbClr val="000000"/>
-                      </a:solidFill>
-                      <a:prstDash val="solid"/>
-                      <a:round/>
-                      <a:headEnd type="none" w="sm" len="sm"/>
-                      <a:tailEnd type="none" w="sm" len="sm"/>
-                    </a:lnR>
-                    <a:lnT w="12575" cap="flat" cmpd="sng">
-                      <a:solidFill>
-                        <a:srgbClr val="000000"/>
-                      </a:solidFill>
-                      <a:prstDash val="solid"/>
-                      <a:round/>
-                      <a:headEnd type="none" w="sm" len="sm"/>
-                      <a:tailEnd type="none" w="sm" len="sm"/>
-                    </a:lnT>
-                    <a:lnB w="12575" cap="flat" cmpd="sng">
-                      <a:solidFill>
-                        <a:srgbClr val="000000"/>
-                      </a:solidFill>
-                      <a:prstDash val="solid"/>
-                      <a:round/>
-                      <a:headEnd type="none" w="sm" len="sm"/>
-                      <a:tailEnd type="none" w="sm" len="sm"/>
-                    </a:lnB>
-                  </a:tcPr>
-                </a:tc>
-                <a:tc>
-                  <a:txBody>
-                    <a:bodyPr/>
-                    <a:lstStyle/>
-                    <a:p>
-                      <a:pPr marL="0" lvl="0" indent="0" rtl="0">
-                        <a:spcBef>
-                          <a:spcPts val="0"/>
-                        </a:spcBef>
-                        <a:spcAft>
-                          <a:spcPts val="0"/>
-                        </a:spcAft>
-                        <a:buNone/>
-                      </a:pPr>
-                      <a:r>
-                        <a:rPr lang="en" sz="1600">
-                          <a:latin typeface="Times New Roman"/>
-                          <a:ea typeface="Times New Roman"/>
-                          <a:cs typeface="Times New Roman"/>
-                          <a:sym typeface="Times New Roman"/>
-                        </a:rPr>
-                        <a:t>12%</a:t>
-                      </a:r>
-                      <a:endParaRPr sz="1600">
-                        <a:latin typeface="Times New Roman"/>
-                        <a:ea typeface="Times New Roman"/>
-                        <a:cs typeface="Times New Roman"/>
-                        <a:sym typeface="Times New Roman"/>
-                      </a:endParaRPr>
-                    </a:p>
-                  </a:txBody>
-                  <a:tcPr marL="91433" marR="91433" marT="121900" marB="121900">
-                    <a:lnL w="12575" cap="flat" cmpd="sng">
-                      <a:solidFill>
-                        <a:srgbClr val="000000"/>
-                      </a:solidFill>
-                      <a:prstDash val="solid"/>
-                      <a:round/>
-                      <a:headEnd type="none" w="sm" len="sm"/>
-                      <a:tailEnd type="none" w="sm" len="sm"/>
-                    </a:lnL>
-                    <a:lnR w="12575" cap="flat" cmpd="sng">
-                      <a:solidFill>
-                        <a:srgbClr val="000000"/>
-                      </a:solidFill>
-                      <a:prstDash val="solid"/>
-                      <a:round/>
-                      <a:headEnd type="none" w="sm" len="sm"/>
-                      <a:tailEnd type="none" w="sm" len="sm"/>
-                    </a:lnR>
-                    <a:lnT w="12575" cap="flat" cmpd="sng">
-                      <a:solidFill>
-                        <a:srgbClr val="000000"/>
-                      </a:solidFill>
-                      <a:prstDash val="solid"/>
-                      <a:round/>
-                      <a:headEnd type="none" w="sm" len="sm"/>
-                      <a:tailEnd type="none" w="sm" len="sm"/>
-                    </a:lnT>
-                    <a:lnB w="12575" cap="flat" cmpd="sng">
-                      <a:solidFill>
-                        <a:srgbClr val="000000"/>
-                      </a:solidFill>
-                      <a:prstDash val="solid"/>
-                      <a:round/>
-                      <a:headEnd type="none" w="sm" len="sm"/>
-                      <a:tailEnd type="none" w="sm" len="sm"/>
-                    </a:lnB>
-                  </a:tcPr>
-                </a:tc>
-                <a:tc>
-                  <a:txBody>
-                    <a:bodyPr/>
-                    <a:lstStyle/>
-                    <a:p>
-                      <a:pPr marL="0" lvl="0" indent="0" rtl="0">
-                        <a:spcBef>
-                          <a:spcPts val="0"/>
-                        </a:spcBef>
-                        <a:spcAft>
-                          <a:spcPts val="0"/>
-                        </a:spcAft>
-                        <a:buNone/>
-                      </a:pPr>
-                      <a:r>
-                        <a:rPr lang="en" sz="1600">
-                          <a:latin typeface="Times New Roman"/>
-                          <a:ea typeface="Times New Roman"/>
-                          <a:cs typeface="Times New Roman"/>
-                          <a:sym typeface="Times New Roman"/>
-                        </a:rPr>
-                        <a:t>Varies by poisson(20 - 50)</a:t>
-                      </a:r>
-                      <a:endParaRPr sz="1600">
-                        <a:latin typeface="Times New Roman"/>
-                        <a:ea typeface="Times New Roman"/>
-                        <a:cs typeface="Times New Roman"/>
-                        <a:sym typeface="Times New Roman"/>
-                      </a:endParaRPr>
-                    </a:p>
-                  </a:txBody>
-                  <a:tcPr marL="91433" marR="91433" marT="121900" marB="121900">
-                    <a:lnL w="12575" cap="flat" cmpd="sng">
-                      <a:solidFill>
-                        <a:srgbClr val="000000"/>
-                      </a:solidFill>
-                      <a:prstDash val="solid"/>
-                      <a:round/>
-                      <a:headEnd type="none" w="sm" len="sm"/>
-                      <a:tailEnd type="none" w="sm" len="sm"/>
-                    </a:lnL>
-                    <a:lnR w="12575" cap="flat" cmpd="sng">
-                      <a:solidFill>
-                        <a:srgbClr val="000000"/>
-                      </a:solidFill>
-                      <a:prstDash val="solid"/>
-                      <a:round/>
-                      <a:headEnd type="none" w="sm" len="sm"/>
-                      <a:tailEnd type="none" w="sm" len="sm"/>
-                    </a:lnR>
-                    <a:lnT w="12575" cap="flat" cmpd="sng">
-                      <a:solidFill>
-                        <a:srgbClr val="000000"/>
-                      </a:solidFill>
-                      <a:prstDash val="solid"/>
-                      <a:round/>
-                      <a:headEnd type="none" w="sm" len="sm"/>
-                      <a:tailEnd type="none" w="sm" len="sm"/>
-                    </a:lnT>
-                    <a:lnB w="12575" cap="flat" cmpd="sng">
-                      <a:solidFill>
-                        <a:srgbClr val="000000"/>
-                      </a:solidFill>
-                      <a:prstDash val="solid"/>
-                      <a:round/>
-                      <a:headEnd type="none" w="sm" len="sm"/>
-                      <a:tailEnd type="none" w="sm" len="sm"/>
-                    </a:lnB>
-                  </a:tcPr>
-                </a:tc>
-                <a:tc>
-                  <a:txBody>
-                    <a:bodyPr/>
-                    <a:lstStyle/>
-                    <a:p>
-                      <a:pPr marL="0" lvl="0" indent="0" rtl="0">
-                        <a:spcBef>
-                          <a:spcPts val="0"/>
-                        </a:spcBef>
-                        <a:spcAft>
-                          <a:spcPts val="0"/>
-                        </a:spcAft>
-                        <a:buNone/>
-                      </a:pPr>
-                      <a:r>
-                        <a:rPr lang="en" sz="1600" dirty="0">
-                          <a:latin typeface="Times New Roman"/>
-                          <a:ea typeface="Times New Roman"/>
-                          <a:cs typeface="Times New Roman"/>
-                          <a:sym typeface="Times New Roman"/>
-                        </a:rPr>
-                        <a:t>Varies by poisson(50 - 66%)</a:t>
-                      </a:r>
-                      <a:endParaRPr sz="1600" dirty="0">
-                        <a:latin typeface="Times New Roman"/>
-                        <a:ea typeface="Times New Roman"/>
-                        <a:cs typeface="Times New Roman"/>
-                        <a:sym typeface="Times New Roman"/>
-                      </a:endParaRPr>
-                    </a:p>
-                  </a:txBody>
-                  <a:tcPr marL="91433" marR="91433" marT="121900" marB="121900">
-                    <a:lnL w="12575" cap="flat" cmpd="sng">
-                      <a:solidFill>
-                        <a:srgbClr val="000000"/>
-                      </a:solidFill>
-                      <a:prstDash val="solid"/>
-                      <a:round/>
-                      <a:headEnd type="none" w="sm" len="sm"/>
-                      <a:tailEnd type="none" w="sm" len="sm"/>
-                    </a:lnL>
-                    <a:lnR w="12575" cap="flat" cmpd="sng">
-                      <a:solidFill>
-                        <a:srgbClr val="000000"/>
-                      </a:solidFill>
-                      <a:prstDash val="solid"/>
-                      <a:round/>
-                      <a:headEnd type="none" w="sm" len="sm"/>
-                      <a:tailEnd type="none" w="sm" len="sm"/>
-                    </a:lnR>
-                    <a:lnT w="12575" cap="flat" cmpd="sng">
-                      <a:solidFill>
-                        <a:srgbClr val="000000"/>
-                      </a:solidFill>
-                      <a:prstDash val="solid"/>
-                      <a:round/>
-                      <a:headEnd type="none" w="sm" len="sm"/>
-                      <a:tailEnd type="none" w="sm" len="sm"/>
-                    </a:lnT>
-                    <a:lnB w="12575" cap="flat" cmpd="sng">
-                      <a:solidFill>
-                        <a:srgbClr val="000000"/>
-                      </a:solidFill>
-                      <a:prstDash val="solid"/>
-                      <a:round/>
-                      <a:headEnd type="none" w="sm" len="sm"/>
-                      <a:tailEnd type="none" w="sm" len="sm"/>
-                    </a:lnB>
-                  </a:tcPr>
-                </a:tc>
-                <a:extLst>
-                  <a:ext uri="{0D108BD9-81ED-4DB2-BD59-A6C34878D82A}">
-                    <a16:rowId xmlns:a16="http://schemas.microsoft.com/office/drawing/2014/main" val="10001"/>
-                  </a:ext>
-                </a:extLst>
-              </a:tr>
-            </a:tbl>
-          </a:graphicData>
-        </a:graphic>
-      </p:graphicFrame>
       <p:sp>
         <p:nvSpPr>
           <p:cNvPr id="194" name="Google Shape;194;p26"/>
@@ -11301,114 +9058,6 @@
           </a:p>
         </p:txBody>
       </p:sp>
-      <p:pic>
-        <p:nvPicPr>
-          <p:cNvPr id="195" name="Google Shape;195;p26"/>
-          <p:cNvPicPr preferRelativeResize="0"/>
-          <p:nvPr/>
-        </p:nvPicPr>
-        <p:blipFill rotWithShape="1">
-          <a:blip r:embed="rId4">
-            <a:alphaModFix/>
-          </a:blip>
-          <a:srcRect b="16922"/>
-          <a:stretch/>
-        </p:blipFill>
-        <p:spPr>
-          <a:xfrm>
-            <a:off x="5817001" y="5577834"/>
-            <a:ext cx="558001" cy="379165"/>
-          </a:xfrm>
-          <a:prstGeom prst="rect">
-            <a:avLst/>
-          </a:prstGeom>
-          <a:noFill/>
-          <a:ln>
-            <a:noFill/>
-          </a:ln>
-        </p:spPr>
-      </p:pic>
-      <p:pic>
-        <p:nvPicPr>
-          <p:cNvPr id="196" name="Google Shape;196;p26"/>
-          <p:cNvPicPr preferRelativeResize="0"/>
-          <p:nvPr/>
-        </p:nvPicPr>
-        <p:blipFill rotWithShape="1">
-          <a:blip r:embed="rId4">
-            <a:alphaModFix/>
-          </a:blip>
-          <a:srcRect b="16922"/>
-          <a:stretch/>
-        </p:blipFill>
-        <p:spPr>
-          <a:xfrm>
-            <a:off x="10064901" y="5577834"/>
-            <a:ext cx="558001" cy="379165"/>
-          </a:xfrm>
-          <a:prstGeom prst="rect">
-            <a:avLst/>
-          </a:prstGeom>
-          <a:noFill/>
-          <a:ln>
-            <a:noFill/>
-          </a:ln>
-        </p:spPr>
-      </p:pic>
-      <p:pic>
-        <p:nvPicPr>
-          <p:cNvPr id="197" name="Google Shape;197;p26"/>
-          <p:cNvPicPr preferRelativeResize="0"/>
-          <p:nvPr/>
-        </p:nvPicPr>
-        <p:blipFill rotWithShape="1">
-          <a:blip r:embed="rId4">
-            <a:alphaModFix/>
-          </a:blip>
-          <a:srcRect b="16922"/>
-          <a:stretch/>
-        </p:blipFill>
-        <p:spPr>
-          <a:xfrm>
-            <a:off x="9121768" y="5577838"/>
-            <a:ext cx="558001" cy="379164"/>
-          </a:xfrm>
-          <a:prstGeom prst="rect">
-            <a:avLst/>
-          </a:prstGeom>
-          <a:noFill/>
-          <a:ln>
-            <a:noFill/>
-          </a:ln>
-        </p:spPr>
-      </p:pic>
-      <p:pic>
-        <p:nvPicPr>
-          <p:cNvPr id="198" name="Google Shape;198;p26"/>
-          <p:cNvPicPr preferRelativeResize="0"/>
-          <p:nvPr/>
-        </p:nvPicPr>
-        <p:blipFill rotWithShape="1">
-          <a:blip r:embed="rId4">
-            <a:alphaModFix/>
-          </a:blip>
-          <a:srcRect b="16922"/>
-          <a:stretch/>
-        </p:blipFill>
-        <p:spPr>
-          <a:xfrm>
-            <a:off x="11008034" y="5577834"/>
-            <a:ext cx="558001" cy="379165"/>
-          </a:xfrm>
-          <a:prstGeom prst="rect">
-            <a:avLst/>
-          </a:prstGeom>
-          <a:noFill/>
-          <a:ln>
-            <a:noFill/>
-          </a:ln>
-        </p:spPr>
-      </p:pic>
       <p:cxnSp>
         <p:nvCxnSpPr>
           <p:cNvPr id="3" name="Straight Connector 2"/>
@@ -11517,10 +9166,1209 @@
           </a:p>
         </p:txBody>
       </p:sp>
+      <p:graphicFrame>
+        <p:nvGraphicFramePr>
+          <p:cNvPr id="13" name="Google Shape;186;p25"/>
+          <p:cNvGraphicFramePr/>
+          <p:nvPr>
+            <p:extLst>
+              <p:ext uri="{D42A27DB-BD31-4B8C-83A1-F6EECF244321}">
+                <p14:modId xmlns:p14="http://schemas.microsoft.com/office/powerpoint/2010/main" val="2326148733"/>
+              </p:ext>
+            </p:extLst>
+          </p:nvPr>
+        </p:nvGraphicFramePr>
+        <p:xfrm>
+          <a:off x="233916" y="4981411"/>
+          <a:ext cx="9133368" cy="1658014"/>
+        </p:xfrm>
+        <a:graphic>
+          <a:graphicData uri="http://schemas.openxmlformats.org/drawingml/2006/table">
+            <a:tbl>
+              <a:tblPr>
+                <a:noFill/>
+              </a:tblPr>
+              <a:tblGrid>
+                <a:gridCol w="2608049">
+                  <a:extLst>
+                    <a:ext uri="{9D8B030D-6E8A-4147-A177-3AD203B41FA5}">
+                      <a16:colId xmlns:a16="http://schemas.microsoft.com/office/drawing/2014/main" xmlns="" val="20000"/>
+                    </a:ext>
+                  </a:extLst>
+                </a:gridCol>
+                <a:gridCol w="2067736">
+                  <a:extLst>
+                    <a:ext uri="{9D8B030D-6E8A-4147-A177-3AD203B41FA5}">
+                      <a16:colId xmlns:a16="http://schemas.microsoft.com/office/drawing/2014/main" xmlns="" val="20001"/>
+                    </a:ext>
+                  </a:extLst>
+                </a:gridCol>
+                <a:gridCol w="2081562">
+                  <a:extLst>
+                    <a:ext uri="{9D8B030D-6E8A-4147-A177-3AD203B41FA5}">
+                      <a16:colId xmlns:a16="http://schemas.microsoft.com/office/drawing/2014/main" xmlns="" val="20002"/>
+                    </a:ext>
+                  </a:extLst>
+                </a:gridCol>
+                <a:gridCol w="2376021">
+                  <a:extLst>
+                    <a:ext uri="{9D8B030D-6E8A-4147-A177-3AD203B41FA5}">
+                      <a16:colId xmlns:a16="http://schemas.microsoft.com/office/drawing/2014/main" xmlns="" val="20003"/>
+                    </a:ext>
+                  </a:extLst>
+                </a:gridCol>
+              </a:tblGrid>
+              <a:tr h="414504">
+                <a:tc>
+                  <a:txBody>
+                    <a:bodyPr/>
+                    <a:lstStyle/>
+                    <a:p>
+                      <a:pPr marL="0" lvl="0" indent="0" rtl="0">
+                        <a:spcBef>
+                          <a:spcPts val="0"/>
+                        </a:spcBef>
+                        <a:spcAft>
+                          <a:spcPts val="0"/>
+                        </a:spcAft>
+                        <a:buNone/>
+                      </a:pPr>
+                      <a:r>
+                        <a:rPr lang="en" sz="1800" b="1" dirty="0">
+                          <a:latin typeface="+mj-lt"/>
+                          <a:ea typeface="Times New Roman"/>
+                          <a:cs typeface="Times New Roman"/>
+                          <a:sym typeface="Times New Roman"/>
+                        </a:rPr>
+                        <a:t>Trait</a:t>
+                      </a:r>
+                      <a:endParaRPr sz="1800" b="1" dirty="0">
+                        <a:latin typeface="+mj-lt"/>
+                        <a:ea typeface="Times New Roman"/>
+                        <a:cs typeface="Times New Roman"/>
+                        <a:sym typeface="Times New Roman"/>
+                      </a:endParaRPr>
+                    </a:p>
+                  </a:txBody>
+                  <a:tcPr marL="91433" marR="91433" marT="121900" marB="121900">
+                    <a:lnL w="12575" cap="flat" cmpd="sng">
+                      <a:solidFill>
+                        <a:srgbClr val="000000"/>
+                      </a:solidFill>
+                      <a:prstDash val="solid"/>
+                      <a:round/>
+                      <a:headEnd type="none" w="sm" len="sm"/>
+                      <a:tailEnd type="none" w="sm" len="sm"/>
+                    </a:lnL>
+                    <a:lnR w="12575" cap="flat" cmpd="sng">
+                      <a:solidFill>
+                        <a:srgbClr val="000000"/>
+                      </a:solidFill>
+                      <a:prstDash val="solid"/>
+                      <a:round/>
+                      <a:headEnd type="none" w="sm" len="sm"/>
+                      <a:tailEnd type="none" w="sm" len="sm"/>
+                    </a:lnR>
+                    <a:lnT w="12575" cap="flat" cmpd="sng">
+                      <a:solidFill>
+                        <a:srgbClr val="000000"/>
+                      </a:solidFill>
+                      <a:prstDash val="solid"/>
+                      <a:round/>
+                      <a:headEnd type="none" w="sm" len="sm"/>
+                      <a:tailEnd type="none" w="sm" len="sm"/>
+                    </a:lnT>
+                    <a:lnB w="12575" cap="flat" cmpd="sng">
+                      <a:solidFill>
+                        <a:srgbClr val="000000"/>
+                      </a:solidFill>
+                      <a:prstDash val="solid"/>
+                      <a:round/>
+                      <a:headEnd type="none" w="sm" len="sm"/>
+                      <a:tailEnd type="none" w="sm" len="sm"/>
+                    </a:lnB>
+                    <a:solidFill>
+                      <a:srgbClr val="E7E6E6"/>
+                    </a:solidFill>
+                  </a:tcPr>
+                </a:tc>
+                <a:tc>
+                  <a:txBody>
+                    <a:bodyPr/>
+                    <a:lstStyle/>
+                    <a:p>
+                      <a:pPr marL="0" lvl="0" indent="0" algn="ctr" rtl="0">
+                        <a:spcBef>
+                          <a:spcPts val="0"/>
+                        </a:spcBef>
+                        <a:spcAft>
+                          <a:spcPts val="0"/>
+                        </a:spcAft>
+                        <a:buNone/>
+                      </a:pPr>
+                      <a:r>
+                        <a:rPr lang="en" sz="1800" b="1" dirty="0">
+                          <a:latin typeface="+mj-lt"/>
+                          <a:ea typeface="Times New Roman"/>
+                          <a:cs typeface="Times New Roman"/>
+                          <a:sym typeface="Times New Roman"/>
+                        </a:rPr>
+                        <a:t>Scenario 1</a:t>
+                      </a:r>
+                      <a:endParaRPr sz="1800" b="1" dirty="0">
+                        <a:latin typeface="+mj-lt"/>
+                        <a:ea typeface="Times New Roman"/>
+                        <a:cs typeface="Times New Roman"/>
+                        <a:sym typeface="Times New Roman"/>
+                      </a:endParaRPr>
+                    </a:p>
+                  </a:txBody>
+                  <a:tcPr marL="91433" marR="91433" marT="121900" marB="121900">
+                    <a:lnL w="12575" cap="flat" cmpd="sng">
+                      <a:solidFill>
+                        <a:srgbClr val="000000"/>
+                      </a:solidFill>
+                      <a:prstDash val="solid"/>
+                      <a:round/>
+                      <a:headEnd type="none" w="sm" len="sm"/>
+                      <a:tailEnd type="none" w="sm" len="sm"/>
+                    </a:lnL>
+                    <a:lnR w="12575" cap="flat" cmpd="sng">
+                      <a:solidFill>
+                        <a:srgbClr val="000000"/>
+                      </a:solidFill>
+                      <a:prstDash val="solid"/>
+                      <a:round/>
+                      <a:headEnd type="none" w="sm" len="sm"/>
+                      <a:tailEnd type="none" w="sm" len="sm"/>
+                    </a:lnR>
+                    <a:lnT w="12575" cap="flat" cmpd="sng">
+                      <a:solidFill>
+                        <a:srgbClr val="000000"/>
+                      </a:solidFill>
+                      <a:prstDash val="solid"/>
+                      <a:round/>
+                      <a:headEnd type="none" w="sm" len="sm"/>
+                      <a:tailEnd type="none" w="sm" len="sm"/>
+                    </a:lnT>
+                    <a:lnB w="12575" cap="flat" cmpd="sng">
+                      <a:solidFill>
+                        <a:srgbClr val="000000"/>
+                      </a:solidFill>
+                      <a:prstDash val="solid"/>
+                      <a:round/>
+                      <a:headEnd type="none" w="sm" len="sm"/>
+                      <a:tailEnd type="none" w="sm" len="sm"/>
+                    </a:lnB>
+                    <a:solidFill>
+                      <a:srgbClr val="E7E6E6"/>
+                    </a:solidFill>
+                  </a:tcPr>
+                </a:tc>
+                <a:tc>
+                  <a:txBody>
+                    <a:bodyPr/>
+                    <a:lstStyle/>
+                    <a:p>
+                      <a:pPr marL="0" lvl="0" indent="0" algn="ctr" rtl="0">
+                        <a:spcBef>
+                          <a:spcPts val="0"/>
+                        </a:spcBef>
+                        <a:spcAft>
+                          <a:spcPts val="0"/>
+                        </a:spcAft>
+                        <a:buNone/>
+                      </a:pPr>
+                      <a:r>
+                        <a:rPr lang="en" sz="1800" b="1" dirty="0">
+                          <a:latin typeface="+mj-lt"/>
+                          <a:ea typeface="Times New Roman"/>
+                          <a:cs typeface="Times New Roman"/>
+                          <a:sym typeface="Times New Roman"/>
+                        </a:rPr>
+                        <a:t>Scenario 2</a:t>
+                      </a:r>
+                      <a:endParaRPr sz="1800" b="1" dirty="0">
+                        <a:latin typeface="+mj-lt"/>
+                        <a:ea typeface="Times New Roman"/>
+                        <a:cs typeface="Times New Roman"/>
+                        <a:sym typeface="Times New Roman"/>
+                      </a:endParaRPr>
+                    </a:p>
+                  </a:txBody>
+                  <a:tcPr marL="91433" marR="91433" marT="121900" marB="121900">
+                    <a:lnL w="12575" cap="flat" cmpd="sng">
+                      <a:solidFill>
+                        <a:srgbClr val="000000"/>
+                      </a:solidFill>
+                      <a:prstDash val="solid"/>
+                      <a:round/>
+                      <a:headEnd type="none" w="sm" len="sm"/>
+                      <a:tailEnd type="none" w="sm" len="sm"/>
+                    </a:lnL>
+                    <a:lnR w="12575" cap="flat" cmpd="sng">
+                      <a:solidFill>
+                        <a:srgbClr val="000000"/>
+                      </a:solidFill>
+                      <a:prstDash val="solid"/>
+                      <a:round/>
+                      <a:headEnd type="none" w="sm" len="sm"/>
+                      <a:tailEnd type="none" w="sm" len="sm"/>
+                    </a:lnR>
+                    <a:lnT w="12575" cap="flat" cmpd="sng">
+                      <a:solidFill>
+                        <a:srgbClr val="000000"/>
+                      </a:solidFill>
+                      <a:prstDash val="solid"/>
+                      <a:round/>
+                      <a:headEnd type="none" w="sm" len="sm"/>
+                      <a:tailEnd type="none" w="sm" len="sm"/>
+                    </a:lnT>
+                    <a:lnB w="12575" cap="flat" cmpd="sng">
+                      <a:solidFill>
+                        <a:srgbClr val="000000"/>
+                      </a:solidFill>
+                      <a:prstDash val="solid"/>
+                      <a:round/>
+                      <a:headEnd type="none" w="sm" len="sm"/>
+                      <a:tailEnd type="none" w="sm" len="sm"/>
+                    </a:lnB>
+                    <a:solidFill>
+                      <a:srgbClr val="E7E6E6"/>
+                    </a:solidFill>
+                  </a:tcPr>
+                </a:tc>
+                <a:tc>
+                  <a:txBody>
+                    <a:bodyPr/>
+                    <a:lstStyle/>
+                    <a:p>
+                      <a:pPr marL="0" lvl="0" indent="0" algn="ctr" rtl="0">
+                        <a:spcBef>
+                          <a:spcPts val="0"/>
+                        </a:spcBef>
+                        <a:spcAft>
+                          <a:spcPts val="0"/>
+                        </a:spcAft>
+                        <a:buNone/>
+                      </a:pPr>
+                      <a:r>
+                        <a:rPr lang="en" sz="1800" b="1" dirty="0">
+                          <a:latin typeface="+mj-lt"/>
+                          <a:ea typeface="Times New Roman"/>
+                          <a:cs typeface="Times New Roman"/>
+                          <a:sym typeface="Times New Roman"/>
+                        </a:rPr>
+                        <a:t>Scenario 3</a:t>
+                      </a:r>
+                      <a:endParaRPr sz="1800" b="1" dirty="0">
+                        <a:latin typeface="+mj-lt"/>
+                        <a:ea typeface="Times New Roman"/>
+                        <a:cs typeface="Times New Roman"/>
+                        <a:sym typeface="Times New Roman"/>
+                      </a:endParaRPr>
+                    </a:p>
+                  </a:txBody>
+                  <a:tcPr marL="91433" marR="91433" marT="121900" marB="121900">
+                    <a:lnL w="12575" cap="flat" cmpd="sng">
+                      <a:solidFill>
+                        <a:srgbClr val="000000"/>
+                      </a:solidFill>
+                      <a:prstDash val="solid"/>
+                      <a:round/>
+                      <a:headEnd type="none" w="sm" len="sm"/>
+                      <a:tailEnd type="none" w="sm" len="sm"/>
+                    </a:lnL>
+                    <a:lnR w="12575" cap="flat" cmpd="sng">
+                      <a:solidFill>
+                        <a:srgbClr val="000000"/>
+                      </a:solidFill>
+                      <a:prstDash val="solid"/>
+                      <a:round/>
+                      <a:headEnd type="none" w="sm" len="sm"/>
+                      <a:tailEnd type="none" w="sm" len="sm"/>
+                    </a:lnR>
+                    <a:lnT w="12575" cap="flat" cmpd="sng">
+                      <a:solidFill>
+                        <a:srgbClr val="000000"/>
+                      </a:solidFill>
+                      <a:prstDash val="solid"/>
+                      <a:round/>
+                      <a:headEnd type="none" w="sm" len="sm"/>
+                      <a:tailEnd type="none" w="sm" len="sm"/>
+                    </a:lnT>
+                    <a:lnB w="12575" cap="flat" cmpd="sng">
+                      <a:solidFill>
+                        <a:srgbClr val="000000"/>
+                      </a:solidFill>
+                      <a:prstDash val="solid"/>
+                      <a:round/>
+                      <a:headEnd type="none" w="sm" len="sm"/>
+                      <a:tailEnd type="none" w="sm" len="sm"/>
+                    </a:lnB>
+                    <a:solidFill>
+                      <a:srgbClr val="E7E6E6"/>
+                    </a:solidFill>
+                  </a:tcPr>
+                </a:tc>
+                <a:extLst>
+                  <a:ext uri="{0D108BD9-81ED-4DB2-BD59-A6C34878D82A}">
+                    <a16:rowId xmlns:a16="http://schemas.microsoft.com/office/drawing/2014/main" xmlns="" val="10000"/>
+                  </a:ext>
+                </a:extLst>
+              </a:tr>
+              <a:tr h="621774">
+                <a:tc>
+                  <a:txBody>
+                    <a:bodyPr/>
+                    <a:lstStyle/>
+                    <a:p>
+                      <a:pPr marL="0" lvl="0" indent="0" rtl="0">
+                        <a:spcBef>
+                          <a:spcPts val="0"/>
+                        </a:spcBef>
+                        <a:spcAft>
+                          <a:spcPts val="0"/>
+                        </a:spcAft>
+                        <a:buNone/>
+                      </a:pPr>
+                      <a:r>
+                        <a:rPr lang="en" sz="1800" dirty="0">
+                          <a:latin typeface="+mj-lt"/>
+                          <a:ea typeface="Times New Roman"/>
+                          <a:cs typeface="Times New Roman"/>
+                          <a:sym typeface="Times New Roman"/>
+                        </a:rPr>
+                        <a:t>Intrinsic growth </a:t>
+                      </a:r>
+                      <a:r>
+                        <a:rPr lang="en" sz="1800" dirty="0" smtClean="0">
+                          <a:latin typeface="+mj-lt"/>
+                          <a:ea typeface="Times New Roman"/>
+                          <a:cs typeface="Times New Roman"/>
+                          <a:sym typeface="Times New Roman"/>
+                        </a:rPr>
+                        <a:t>rate (r)</a:t>
+                      </a:r>
+                      <a:endParaRPr sz="1800" dirty="0">
+                        <a:latin typeface="+mj-lt"/>
+                        <a:ea typeface="Times New Roman"/>
+                        <a:cs typeface="Times New Roman"/>
+                        <a:sym typeface="Times New Roman"/>
+                      </a:endParaRPr>
+                    </a:p>
+                  </a:txBody>
+                  <a:tcPr marL="91433" marR="91433" marT="121900" marB="121900">
+                    <a:lnL w="12575" cap="flat" cmpd="sng">
+                      <a:solidFill>
+                        <a:srgbClr val="000000"/>
+                      </a:solidFill>
+                      <a:prstDash val="solid"/>
+                      <a:round/>
+                      <a:headEnd type="none" w="sm" len="sm"/>
+                      <a:tailEnd type="none" w="sm" len="sm"/>
+                    </a:lnL>
+                    <a:lnR w="12575" cap="flat" cmpd="sng" algn="ctr">
+                      <a:solidFill>
+                        <a:srgbClr val="000000"/>
+                      </a:solidFill>
+                      <a:prstDash val="solid"/>
+                      <a:round/>
+                      <a:headEnd type="none" w="sm" len="sm"/>
+                      <a:tailEnd type="none" w="sm" len="sm"/>
+                    </a:lnR>
+                    <a:lnT w="12575" cap="flat" cmpd="sng" algn="ctr">
+                      <a:solidFill>
+                        <a:srgbClr val="000000"/>
+                      </a:solidFill>
+                      <a:prstDash val="solid"/>
+                      <a:round/>
+                      <a:headEnd type="none" w="sm" len="sm"/>
+                      <a:tailEnd type="none" w="sm" len="sm"/>
+                    </a:lnT>
+                    <a:lnB w="12575" cap="flat" cmpd="sng">
+                      <a:solidFill>
+                        <a:srgbClr val="000000"/>
+                      </a:solidFill>
+                      <a:prstDash val="solid"/>
+                      <a:round/>
+                      <a:headEnd type="none" w="sm" len="sm"/>
+                      <a:tailEnd type="none" w="sm" len="sm"/>
+                    </a:lnB>
+                  </a:tcPr>
+                </a:tc>
+                <a:tc>
+                  <a:txBody>
+                    <a:bodyPr/>
+                    <a:lstStyle/>
+                    <a:p>
+                      <a:pPr marL="0" lvl="0" indent="0" algn="ctr" rtl="0">
+                        <a:spcBef>
+                          <a:spcPts val="0"/>
+                        </a:spcBef>
+                        <a:spcAft>
+                          <a:spcPts val="0"/>
+                        </a:spcAft>
+                        <a:buNone/>
+                      </a:pPr>
+                      <a:r>
+                        <a:rPr lang="en" sz="1800" dirty="0">
+                          <a:latin typeface="+mj-lt"/>
+                          <a:ea typeface="Times New Roman"/>
+                          <a:cs typeface="Times New Roman"/>
+                          <a:sym typeface="Times New Roman"/>
+                        </a:rPr>
+                        <a:t>1.13</a:t>
+                      </a:r>
+                      <a:endParaRPr sz="1800" dirty="0">
+                        <a:latin typeface="+mj-lt"/>
+                        <a:ea typeface="Times New Roman"/>
+                        <a:cs typeface="Times New Roman"/>
+                        <a:sym typeface="Times New Roman"/>
+                      </a:endParaRPr>
+                    </a:p>
+                  </a:txBody>
+                  <a:tcPr marL="91433" marR="91433" marT="121900" marB="121900">
+                    <a:lnL w="12575" cap="flat" cmpd="sng" algn="ctr">
+                      <a:solidFill>
+                        <a:srgbClr val="000000"/>
+                      </a:solidFill>
+                      <a:prstDash val="solid"/>
+                      <a:round/>
+                      <a:headEnd type="none" w="sm" len="sm"/>
+                      <a:tailEnd type="none" w="sm" len="sm"/>
+                    </a:lnL>
+                    <a:lnR w="12575" cap="flat" cmpd="sng" algn="ctr">
+                      <a:solidFill>
+                        <a:srgbClr val="000000"/>
+                      </a:solidFill>
+                      <a:prstDash val="solid"/>
+                      <a:round/>
+                      <a:headEnd type="none" w="sm" len="sm"/>
+                      <a:tailEnd type="none" w="sm" len="sm"/>
+                    </a:lnR>
+                    <a:lnT w="12575" cap="flat" cmpd="sng" algn="ctr">
+                      <a:solidFill>
+                        <a:srgbClr val="000000"/>
+                      </a:solidFill>
+                      <a:prstDash val="solid"/>
+                      <a:round/>
+                      <a:headEnd type="none" w="sm" len="sm"/>
+                      <a:tailEnd type="none" w="sm" len="sm"/>
+                    </a:lnT>
+                    <a:lnB w="12575" cap="flat" cmpd="sng">
+                      <a:solidFill>
+                        <a:srgbClr val="000000"/>
+                      </a:solidFill>
+                      <a:prstDash val="solid"/>
+                      <a:round/>
+                      <a:headEnd type="none" w="sm" len="sm"/>
+                      <a:tailEnd type="none" w="sm" len="sm"/>
+                    </a:lnB>
+                  </a:tcPr>
+                </a:tc>
+                <a:tc>
+                  <a:txBody>
+                    <a:bodyPr/>
+                    <a:lstStyle/>
+                    <a:p>
+                      <a:pPr marL="0" lvl="0" indent="0" algn="ctr" rtl="0">
+                        <a:spcBef>
+                          <a:spcPts val="0"/>
+                        </a:spcBef>
+                        <a:spcAft>
+                          <a:spcPts val="0"/>
+                        </a:spcAft>
+                        <a:buNone/>
+                      </a:pPr>
+                      <a:r>
+                        <a:rPr lang="en" sz="1800" dirty="0">
+                          <a:latin typeface="+mj-lt"/>
+                          <a:ea typeface="Times New Roman"/>
+                          <a:cs typeface="Times New Roman"/>
+                          <a:sym typeface="Times New Roman"/>
+                        </a:rPr>
+                        <a:t>0.5</a:t>
+                      </a:r>
+                      <a:endParaRPr sz="1800" dirty="0">
+                        <a:latin typeface="+mj-lt"/>
+                        <a:ea typeface="Times New Roman"/>
+                        <a:cs typeface="Times New Roman"/>
+                        <a:sym typeface="Times New Roman"/>
+                      </a:endParaRPr>
+                    </a:p>
+                  </a:txBody>
+                  <a:tcPr marL="91433" marR="91433" marT="121900" marB="121900">
+                    <a:lnL w="12575" cap="flat" cmpd="sng" algn="ctr">
+                      <a:solidFill>
+                        <a:srgbClr val="000000"/>
+                      </a:solidFill>
+                      <a:prstDash val="solid"/>
+                      <a:round/>
+                      <a:headEnd type="none" w="sm" len="sm"/>
+                      <a:tailEnd type="none" w="sm" len="sm"/>
+                    </a:lnL>
+                    <a:lnR w="12575" cap="flat" cmpd="sng" algn="ctr">
+                      <a:solidFill>
+                        <a:srgbClr val="000000"/>
+                      </a:solidFill>
+                      <a:prstDash val="solid"/>
+                      <a:round/>
+                      <a:headEnd type="none" w="sm" len="sm"/>
+                      <a:tailEnd type="none" w="sm" len="sm"/>
+                    </a:lnR>
+                    <a:lnT w="12575" cap="flat" cmpd="sng" algn="ctr">
+                      <a:solidFill>
+                        <a:srgbClr val="000000"/>
+                      </a:solidFill>
+                      <a:prstDash val="solid"/>
+                      <a:round/>
+                      <a:headEnd type="none" w="sm" len="sm"/>
+                      <a:tailEnd type="none" w="sm" len="sm"/>
+                    </a:lnT>
+                    <a:lnB w="12575" cap="flat" cmpd="sng">
+                      <a:solidFill>
+                        <a:srgbClr val="000000"/>
+                      </a:solidFill>
+                      <a:prstDash val="solid"/>
+                      <a:round/>
+                      <a:headEnd type="none" w="sm" len="sm"/>
+                      <a:tailEnd type="none" w="sm" len="sm"/>
+                    </a:lnB>
+                  </a:tcPr>
+                </a:tc>
+                <a:tc>
+                  <a:txBody>
+                    <a:bodyPr/>
+                    <a:lstStyle/>
+                    <a:p>
+                      <a:pPr marL="0" lvl="0" indent="0" algn="ctr" rtl="0">
+                        <a:spcBef>
+                          <a:spcPts val="0"/>
+                        </a:spcBef>
+                        <a:spcAft>
+                          <a:spcPts val="0"/>
+                        </a:spcAft>
+                        <a:buNone/>
+                      </a:pPr>
+                      <a:r>
+                        <a:rPr lang="en" sz="1800" dirty="0">
+                          <a:latin typeface="+mj-lt"/>
+                          <a:ea typeface="Times New Roman"/>
+                          <a:cs typeface="Times New Roman"/>
+                          <a:sym typeface="Times New Roman"/>
+                        </a:rPr>
+                        <a:t>0.35</a:t>
+                      </a:r>
+                      <a:endParaRPr sz="1800" dirty="0">
+                        <a:latin typeface="+mj-lt"/>
+                        <a:ea typeface="Times New Roman"/>
+                        <a:cs typeface="Times New Roman"/>
+                        <a:sym typeface="Times New Roman"/>
+                      </a:endParaRPr>
+                    </a:p>
+                  </a:txBody>
+                  <a:tcPr marL="91433" marR="91433" marT="121900" marB="121900">
+                    <a:lnL w="12575" cap="flat" cmpd="sng" algn="ctr">
+                      <a:solidFill>
+                        <a:srgbClr val="000000"/>
+                      </a:solidFill>
+                      <a:prstDash val="solid"/>
+                      <a:round/>
+                      <a:headEnd type="none" w="sm" len="sm"/>
+                      <a:tailEnd type="none" w="sm" len="sm"/>
+                    </a:lnL>
+                    <a:lnR w="12575" cap="flat" cmpd="sng">
+                      <a:solidFill>
+                        <a:srgbClr val="000000"/>
+                      </a:solidFill>
+                      <a:prstDash val="solid"/>
+                      <a:round/>
+                      <a:headEnd type="none" w="sm" len="sm"/>
+                      <a:tailEnd type="none" w="sm" len="sm"/>
+                    </a:lnR>
+                    <a:lnT w="12575" cap="flat" cmpd="sng" algn="ctr">
+                      <a:solidFill>
+                        <a:srgbClr val="000000"/>
+                      </a:solidFill>
+                      <a:prstDash val="solid"/>
+                      <a:round/>
+                      <a:headEnd type="none" w="sm" len="sm"/>
+                      <a:tailEnd type="none" w="sm" len="sm"/>
+                    </a:lnT>
+                    <a:lnB w="12575" cap="flat" cmpd="sng">
+                      <a:solidFill>
+                        <a:srgbClr val="000000"/>
+                      </a:solidFill>
+                      <a:prstDash val="solid"/>
+                      <a:round/>
+                      <a:headEnd type="none" w="sm" len="sm"/>
+                      <a:tailEnd type="none" w="sm" len="sm"/>
+                    </a:lnB>
+                  </a:tcPr>
+                </a:tc>
+                <a:extLst>
+                  <a:ext uri="{0D108BD9-81ED-4DB2-BD59-A6C34878D82A}">
+                    <a16:rowId xmlns:a16="http://schemas.microsoft.com/office/drawing/2014/main" xmlns="" val="10004"/>
+                  </a:ext>
+                </a:extLst>
+              </a:tr>
+              <a:tr h="414504">
+                <a:tc>
+                  <a:txBody>
+                    <a:bodyPr/>
+                    <a:lstStyle/>
+                    <a:p>
+                      <a:pPr marL="0" lvl="0" indent="0" rtl="0">
+                        <a:spcBef>
+                          <a:spcPts val="0"/>
+                        </a:spcBef>
+                        <a:spcAft>
+                          <a:spcPts val="0"/>
+                        </a:spcAft>
+                        <a:buNone/>
+                      </a:pPr>
+                      <a:r>
+                        <a:rPr lang="en" sz="1800" dirty="0">
+                          <a:latin typeface="+mj-lt"/>
+                          <a:ea typeface="Times New Roman"/>
+                          <a:cs typeface="Times New Roman"/>
+                          <a:sym typeface="Times New Roman"/>
+                        </a:rPr>
+                        <a:t>Mortality</a:t>
+                      </a:r>
+                      <a:endParaRPr sz="1800" dirty="0">
+                        <a:latin typeface="+mj-lt"/>
+                        <a:ea typeface="Times New Roman"/>
+                        <a:cs typeface="Times New Roman"/>
+                        <a:sym typeface="Times New Roman"/>
+                      </a:endParaRPr>
+                    </a:p>
+                  </a:txBody>
+                  <a:tcPr marL="91433" marR="91433" marT="121900" marB="121900">
+                    <a:lnL w="12575" cap="flat" cmpd="sng">
+                      <a:solidFill>
+                        <a:srgbClr val="000000"/>
+                      </a:solidFill>
+                      <a:prstDash val="solid"/>
+                      <a:round/>
+                      <a:headEnd type="none" w="sm" len="sm"/>
+                      <a:tailEnd type="none" w="sm" len="sm"/>
+                    </a:lnL>
+                    <a:lnR w="12575" cap="flat" cmpd="sng" algn="ctr">
+                      <a:solidFill>
+                        <a:srgbClr val="000000"/>
+                      </a:solidFill>
+                      <a:prstDash val="solid"/>
+                      <a:round/>
+                      <a:headEnd type="none" w="sm" len="sm"/>
+                      <a:tailEnd type="none" w="sm" len="sm"/>
+                    </a:lnR>
+                    <a:lnT w="12575" cap="flat" cmpd="sng" algn="ctr">
+                      <a:solidFill>
+                        <a:srgbClr val="000000"/>
+                      </a:solidFill>
+                      <a:prstDash val="solid"/>
+                      <a:round/>
+                      <a:headEnd type="none" w="sm" len="sm"/>
+                      <a:tailEnd type="none" w="sm" len="sm"/>
+                    </a:lnT>
+                    <a:lnB w="12575" cap="flat" cmpd="sng">
+                      <a:solidFill>
+                        <a:srgbClr val="000000"/>
+                      </a:solidFill>
+                      <a:prstDash val="solid"/>
+                      <a:round/>
+                      <a:headEnd type="none" w="sm" len="sm"/>
+                      <a:tailEnd type="none" w="sm" len="sm"/>
+                    </a:lnB>
+                  </a:tcPr>
+                </a:tc>
+                <a:tc>
+                  <a:txBody>
+                    <a:bodyPr/>
+                    <a:lstStyle/>
+                    <a:p>
+                      <a:pPr marL="0" lvl="0" indent="0" algn="ctr" rtl="0">
+                        <a:spcBef>
+                          <a:spcPts val="0"/>
+                        </a:spcBef>
+                        <a:spcAft>
+                          <a:spcPts val="0"/>
+                        </a:spcAft>
+                        <a:buNone/>
+                      </a:pPr>
+                      <a:r>
+                        <a:rPr lang="en" sz="1800" dirty="0" smtClean="0">
+                          <a:latin typeface="+mj-lt"/>
+                          <a:ea typeface="Times New Roman"/>
+                          <a:cs typeface="Times New Roman"/>
+                          <a:sym typeface="Times New Roman"/>
+                        </a:rPr>
+                        <a:t> Fixed</a:t>
+                      </a:r>
+                      <a:r>
+                        <a:rPr lang="en" sz="1800" baseline="0" dirty="0" smtClean="0">
+                          <a:latin typeface="+mj-lt"/>
+                          <a:ea typeface="Times New Roman"/>
+                          <a:cs typeface="Times New Roman"/>
+                          <a:sym typeface="Times New Roman"/>
+                        </a:rPr>
+                        <a:t>: </a:t>
+                      </a:r>
+                      <a:r>
+                        <a:rPr lang="en" sz="1800" dirty="0" smtClean="0">
+                          <a:latin typeface="+mj-lt"/>
+                          <a:ea typeface="Times New Roman"/>
+                          <a:cs typeface="Times New Roman"/>
+                          <a:sym typeface="Times New Roman"/>
+                        </a:rPr>
+                        <a:t>12</a:t>
+                      </a:r>
+                      <a:r>
+                        <a:rPr lang="en" sz="1800" dirty="0">
+                          <a:latin typeface="+mj-lt"/>
+                          <a:ea typeface="Times New Roman"/>
+                          <a:cs typeface="Times New Roman"/>
+                          <a:sym typeface="Times New Roman"/>
+                        </a:rPr>
+                        <a:t>%</a:t>
+                      </a:r>
+                      <a:endParaRPr sz="1800" dirty="0">
+                        <a:latin typeface="+mj-lt"/>
+                        <a:ea typeface="Times New Roman"/>
+                        <a:cs typeface="Times New Roman"/>
+                        <a:sym typeface="Times New Roman"/>
+                      </a:endParaRPr>
+                    </a:p>
+                  </a:txBody>
+                  <a:tcPr marL="91433" marR="91433" marT="121900" marB="121900">
+                    <a:lnL w="12575" cap="flat" cmpd="sng" algn="ctr">
+                      <a:solidFill>
+                        <a:srgbClr val="000000"/>
+                      </a:solidFill>
+                      <a:prstDash val="solid"/>
+                      <a:round/>
+                      <a:headEnd type="none" w="sm" len="sm"/>
+                      <a:tailEnd type="none" w="sm" len="sm"/>
+                    </a:lnL>
+                    <a:lnR w="12575" cap="flat" cmpd="sng" algn="ctr">
+                      <a:solidFill>
+                        <a:srgbClr val="000000"/>
+                      </a:solidFill>
+                      <a:prstDash val="solid"/>
+                      <a:round/>
+                      <a:headEnd type="none" w="sm" len="sm"/>
+                      <a:tailEnd type="none" w="sm" len="sm"/>
+                    </a:lnR>
+                    <a:lnT w="12575" cap="flat" cmpd="sng" algn="ctr">
+                      <a:solidFill>
+                        <a:srgbClr val="000000"/>
+                      </a:solidFill>
+                      <a:prstDash val="solid"/>
+                      <a:round/>
+                      <a:headEnd type="none" w="sm" len="sm"/>
+                      <a:tailEnd type="none" w="sm" len="sm"/>
+                    </a:lnT>
+                    <a:lnB w="12575" cap="flat" cmpd="sng">
+                      <a:solidFill>
+                        <a:srgbClr val="000000"/>
+                      </a:solidFill>
+                      <a:prstDash val="solid"/>
+                      <a:round/>
+                      <a:headEnd type="none" w="sm" len="sm"/>
+                      <a:tailEnd type="none" w="sm" len="sm"/>
+                    </a:lnB>
+                  </a:tcPr>
+                </a:tc>
+                <a:tc>
+                  <a:txBody>
+                    <a:bodyPr/>
+                    <a:lstStyle/>
+                    <a:p>
+                      <a:pPr marL="0" lvl="0" indent="0" algn="ctr" rtl="0">
+                        <a:spcBef>
+                          <a:spcPts val="0"/>
+                        </a:spcBef>
+                        <a:spcAft>
+                          <a:spcPts val="0"/>
+                        </a:spcAft>
+                        <a:buNone/>
+                      </a:pPr>
+                      <a:r>
+                        <a:rPr lang="en" sz="1800" dirty="0" smtClean="0">
+                          <a:latin typeface="+mj-lt"/>
+                          <a:ea typeface="Times New Roman"/>
+                          <a:cs typeface="Times New Roman"/>
+                          <a:sym typeface="Times New Roman"/>
+                        </a:rPr>
+                        <a:t>Random: 20-50%</a:t>
+                      </a:r>
+                      <a:endParaRPr sz="1800" dirty="0">
+                        <a:latin typeface="+mj-lt"/>
+                        <a:ea typeface="Times New Roman"/>
+                        <a:cs typeface="Times New Roman"/>
+                        <a:sym typeface="Times New Roman"/>
+                      </a:endParaRPr>
+                    </a:p>
+                  </a:txBody>
+                  <a:tcPr marL="91433" marR="91433" marT="121900" marB="121900">
+                    <a:lnL w="12575" cap="flat" cmpd="sng" algn="ctr">
+                      <a:solidFill>
+                        <a:srgbClr val="000000"/>
+                      </a:solidFill>
+                      <a:prstDash val="solid"/>
+                      <a:round/>
+                      <a:headEnd type="none" w="sm" len="sm"/>
+                      <a:tailEnd type="none" w="sm" len="sm"/>
+                    </a:lnL>
+                    <a:lnR w="12575" cap="flat" cmpd="sng" algn="ctr">
+                      <a:solidFill>
+                        <a:srgbClr val="000000"/>
+                      </a:solidFill>
+                      <a:prstDash val="solid"/>
+                      <a:round/>
+                      <a:headEnd type="none" w="sm" len="sm"/>
+                      <a:tailEnd type="none" w="sm" len="sm"/>
+                    </a:lnR>
+                    <a:lnT w="12575" cap="flat" cmpd="sng" algn="ctr">
+                      <a:solidFill>
+                        <a:srgbClr val="000000"/>
+                      </a:solidFill>
+                      <a:prstDash val="solid"/>
+                      <a:round/>
+                      <a:headEnd type="none" w="sm" len="sm"/>
+                      <a:tailEnd type="none" w="sm" len="sm"/>
+                    </a:lnT>
+                    <a:lnB w="12575" cap="flat" cmpd="sng">
+                      <a:solidFill>
+                        <a:srgbClr val="000000"/>
+                      </a:solidFill>
+                      <a:prstDash val="solid"/>
+                      <a:round/>
+                      <a:headEnd type="none" w="sm" len="sm"/>
+                      <a:tailEnd type="none" w="sm" len="sm"/>
+                    </a:lnB>
+                  </a:tcPr>
+                </a:tc>
+                <a:tc>
+                  <a:txBody>
+                    <a:bodyPr/>
+                    <a:lstStyle/>
+                    <a:p>
+                      <a:pPr marL="0" lvl="0" indent="0" algn="ctr" rtl="0">
+                        <a:spcBef>
+                          <a:spcPts val="0"/>
+                        </a:spcBef>
+                        <a:spcAft>
+                          <a:spcPts val="0"/>
+                        </a:spcAft>
+                        <a:buNone/>
+                      </a:pPr>
+                      <a:r>
+                        <a:rPr lang="en" sz="1800" dirty="0" smtClean="0">
+                          <a:latin typeface="+mj-lt"/>
+                          <a:ea typeface="Times New Roman"/>
+                          <a:cs typeface="Times New Roman"/>
+                          <a:sym typeface="Times New Roman"/>
+                        </a:rPr>
+                        <a:t>Random: 50-66</a:t>
+                      </a:r>
+                      <a:r>
+                        <a:rPr lang="en" sz="1800" dirty="0">
+                          <a:latin typeface="+mj-lt"/>
+                          <a:ea typeface="Times New Roman"/>
+                          <a:cs typeface="Times New Roman"/>
+                          <a:sym typeface="Times New Roman"/>
+                        </a:rPr>
+                        <a:t>%</a:t>
+                      </a:r>
+                      <a:endParaRPr sz="1800" dirty="0">
+                        <a:latin typeface="+mj-lt"/>
+                        <a:ea typeface="Times New Roman"/>
+                        <a:cs typeface="Times New Roman"/>
+                        <a:sym typeface="Times New Roman"/>
+                      </a:endParaRPr>
+                    </a:p>
+                  </a:txBody>
+                  <a:tcPr marL="91433" marR="91433" marT="121900" marB="121900">
+                    <a:lnL w="12575" cap="flat" cmpd="sng" algn="ctr">
+                      <a:solidFill>
+                        <a:srgbClr val="000000"/>
+                      </a:solidFill>
+                      <a:prstDash val="solid"/>
+                      <a:round/>
+                      <a:headEnd type="none" w="sm" len="sm"/>
+                      <a:tailEnd type="none" w="sm" len="sm"/>
+                    </a:lnL>
+                    <a:lnR w="12575" cap="flat" cmpd="sng">
+                      <a:solidFill>
+                        <a:srgbClr val="000000"/>
+                      </a:solidFill>
+                      <a:prstDash val="solid"/>
+                      <a:round/>
+                      <a:headEnd type="none" w="sm" len="sm"/>
+                      <a:tailEnd type="none" w="sm" len="sm"/>
+                    </a:lnR>
+                    <a:lnT w="12575" cap="flat" cmpd="sng" algn="ctr">
+                      <a:solidFill>
+                        <a:srgbClr val="000000"/>
+                      </a:solidFill>
+                      <a:prstDash val="solid"/>
+                      <a:round/>
+                      <a:headEnd type="none" w="sm" len="sm"/>
+                      <a:tailEnd type="none" w="sm" len="sm"/>
+                    </a:lnT>
+                    <a:lnB w="12575" cap="flat" cmpd="sng">
+                      <a:solidFill>
+                        <a:srgbClr val="000000"/>
+                      </a:solidFill>
+                      <a:prstDash val="solid"/>
+                      <a:round/>
+                      <a:headEnd type="none" w="sm" len="sm"/>
+                      <a:tailEnd type="none" w="sm" len="sm"/>
+                    </a:lnB>
+                  </a:tcPr>
+                </a:tc>
+                <a:extLst>
+                  <a:ext uri="{0D108BD9-81ED-4DB2-BD59-A6C34878D82A}">
+                    <a16:rowId xmlns:a16="http://schemas.microsoft.com/office/drawing/2014/main" xmlns="" val="10007"/>
+                  </a:ext>
+                </a:extLst>
+              </a:tr>
+            </a:tbl>
+          </a:graphicData>
+        </a:graphic>
+      </p:graphicFrame>
     </p:spTree>
     <p:extLst>
       <p:ext uri="{BB962C8B-B14F-4D97-AF65-F5344CB8AC3E}">
         <p14:creationId xmlns:p14="http://schemas.microsoft.com/office/powerpoint/2010/main" val="3671459013"/>
+      </p:ext>
+    </p:extLst>
+  </p:cSld>
+  <p:clrMapOvr>
+    <a:masterClrMapping/>
+  </p:clrMapOvr>
+</p:sld>
+</file>
+
+<file path=ppt/slides/slide19.xml><?xml version="1.0" encoding="utf-8"?>
+<p:sld xmlns:a="http://schemas.openxmlformats.org/drawingml/2006/main" xmlns:r="http://schemas.openxmlformats.org/officeDocument/2006/relationships" xmlns:p="http://schemas.openxmlformats.org/presentationml/2006/main">
+  <p:cSld>
+    <p:spTree>
+      <p:nvGrpSpPr>
+        <p:cNvPr id="1" name="Shape 232"/>
+        <p:cNvGrpSpPr/>
+        <p:nvPr/>
+      </p:nvGrpSpPr>
+      <p:grpSpPr>
+        <a:xfrm>
+          <a:off x="0" y="0"/>
+          <a:ext cx="0" cy="0"/>
+          <a:chOff x="0" y="0"/>
+          <a:chExt cx="0" cy="0"/>
+        </a:xfrm>
+      </p:grpSpPr>
+      <p:sp>
+        <p:nvSpPr>
+          <p:cNvPr id="233" name="Google Shape;233;p31"/>
+          <p:cNvSpPr txBox="1">
+            <a:spLocks noGrp="1"/>
+          </p:cNvSpPr>
+          <p:nvPr>
+            <p:ph type="title"/>
+          </p:nvPr>
+        </p:nvSpPr>
+        <p:spPr>
+          <a:xfrm>
+            <a:off x="415600" y="679092"/>
+            <a:ext cx="11360800" cy="763600"/>
+          </a:xfrm>
+        </p:spPr>
+        <p:txBody>
+          <a:bodyPr>
+            <a:normAutofit fontScale="90000"/>
+          </a:bodyPr>
+          <a:lstStyle/>
+          <a:p>
+            <a:pPr lvl="0"/>
+            <a:r>
+              <a:rPr lang="en-US" dirty="0"/>
+              <a:t>Population growth models – </a:t>
+            </a:r>
+            <a:br>
+              <a:rPr lang="en-US" dirty="0"/>
+            </a:br>
+            <a:r>
+              <a:rPr lang="en-US" sz="3600" dirty="0"/>
+              <a:t>complicated demographic projections can be useful for your SSA</a:t>
+            </a:r>
+          </a:p>
+          <a:p>
+            <a:pPr lvl="0"/>
+            <a:r>
+              <a:rPr lang="en-US" dirty="0"/>
+              <a:t>	</a:t>
+            </a:r>
+          </a:p>
+        </p:txBody>
+      </p:sp>
+      <p:sp>
+        <p:nvSpPr>
+          <p:cNvPr id="6" name="Text Placeholder 5">
+            <a:extLst>
+              <a:ext uri="{FF2B5EF4-FFF2-40B4-BE49-F238E27FC236}">
+                <a16:creationId xmlns:a16="http://schemas.microsoft.com/office/drawing/2014/main" xmlns="" id="{ADFA3F7A-E712-4E1D-A725-33E45C7B59B9}"/>
+              </a:ext>
+            </a:extLst>
+          </p:cNvPr>
+          <p:cNvSpPr>
+            <a:spLocks noGrp="1"/>
+          </p:cNvSpPr>
+          <p:nvPr>
+            <p:ph type="body" idx="1"/>
+          </p:nvPr>
+        </p:nvSpPr>
+        <p:spPr/>
+        <p:txBody>
+          <a:bodyPr/>
+          <a:lstStyle/>
+          <a:p>
+            <a:endParaRPr lang="en-US"/>
+          </a:p>
+        </p:txBody>
+      </p:sp>
+      <p:pic>
+        <p:nvPicPr>
+          <p:cNvPr id="234" name="Google Shape;234;p31" descr="Screenshot 2017-09-15 10.01.41.png"/>
+          <p:cNvPicPr preferRelativeResize="0"/>
+          <p:nvPr/>
+        </p:nvPicPr>
+        <p:blipFill>
+          <a:blip r:embed="rId3">
+            <a:alphaModFix/>
+          </a:blip>
+          <a:stretch>
+            <a:fillRect/>
+          </a:stretch>
+        </p:blipFill>
+        <p:spPr>
+          <a:xfrm>
+            <a:off x="322485" y="1692316"/>
+            <a:ext cx="8035599" cy="4686433"/>
+          </a:xfrm>
+          <a:prstGeom prst="rect">
+            <a:avLst/>
+          </a:prstGeom>
+          <a:noFill/>
+          <a:ln>
+            <a:noFill/>
+          </a:ln>
+        </p:spPr>
+      </p:pic>
+      <p:sp>
+        <p:nvSpPr>
+          <p:cNvPr id="235" name="Google Shape;235;p31"/>
+          <p:cNvSpPr txBox="1"/>
+          <p:nvPr/>
+        </p:nvSpPr>
+        <p:spPr>
+          <a:xfrm>
+            <a:off x="8358084" y="1988233"/>
+            <a:ext cx="3192400" cy="1826000"/>
+          </a:xfrm>
+          <a:prstGeom prst="rect">
+            <a:avLst/>
+          </a:prstGeom>
+          <a:noFill/>
+          <a:ln>
+            <a:noFill/>
+          </a:ln>
+        </p:spPr>
+        <p:txBody>
+          <a:bodyPr spcFirstLastPara="1" wrap="square" lIns="121900" tIns="121900" rIns="121900" bIns="121900" anchor="t" anchorCtr="0">
+            <a:noAutofit/>
+          </a:bodyPr>
+          <a:lstStyle/>
+          <a:p>
+            <a:pPr lvl="0"/>
+            <a:r>
+              <a:rPr lang="en-US" sz="2400" dirty="0"/>
+              <a:t>Historic and Current!</a:t>
+            </a:r>
+          </a:p>
+          <a:p>
+            <a:pPr lvl="0"/>
+            <a:endParaRPr lang="en-US" sz="2400" dirty="0"/>
+          </a:p>
+          <a:p>
+            <a:pPr lvl="0"/>
+            <a:r>
+              <a:rPr lang="en-US" sz="2400" dirty="0"/>
+              <a:t>You could also use the trends to estimate the future condition!</a:t>
+            </a:r>
+          </a:p>
+        </p:txBody>
+      </p:sp>
+      <p:sp>
+        <p:nvSpPr>
+          <p:cNvPr id="5" name="Google Shape;220;p29"/>
+          <p:cNvSpPr txBox="1"/>
+          <p:nvPr/>
+        </p:nvSpPr>
+        <p:spPr>
+          <a:xfrm>
+            <a:off x="9032967" y="5541867"/>
+            <a:ext cx="3942400" cy="763600"/>
+          </a:xfrm>
+          <a:prstGeom prst="rect">
+            <a:avLst/>
+          </a:prstGeom>
+          <a:noFill/>
+          <a:ln>
+            <a:noFill/>
+          </a:ln>
+        </p:spPr>
+        <p:txBody>
+          <a:bodyPr spcFirstLastPara="1" wrap="square" lIns="121900" tIns="121900" rIns="121900" bIns="121900" anchor="ctr" anchorCtr="0">
+            <a:noAutofit/>
+          </a:bodyPr>
+          <a:lstStyle/>
+          <a:p>
+            <a:pPr>
+              <a:spcBef>
+                <a:spcPts val="667"/>
+              </a:spcBef>
+            </a:pPr>
+            <a:r>
+              <a:rPr lang="en" sz="1600" dirty="0">
+                <a:solidFill>
+                  <a:schemeClr val="dk1"/>
+                </a:solidFill>
+                <a:latin typeface="Times New Roman"/>
+                <a:ea typeface="Times New Roman"/>
+                <a:cs typeface="Times New Roman"/>
+                <a:sym typeface="Times New Roman"/>
+              </a:rPr>
+              <a:t>(Zipkin et al. 2017. Ecology.)</a:t>
+            </a:r>
+            <a:endParaRPr sz="1600" dirty="0">
+              <a:solidFill>
+                <a:schemeClr val="dk1"/>
+              </a:solidFill>
+              <a:latin typeface="Times New Roman"/>
+              <a:ea typeface="Times New Roman"/>
+              <a:cs typeface="Times New Roman"/>
+              <a:sym typeface="Times New Roman"/>
+            </a:endParaRPr>
+          </a:p>
+        </p:txBody>
+      </p:sp>
+    </p:spTree>
+    <p:extLst>
+      <p:ext uri="{BB962C8B-B14F-4D97-AF65-F5344CB8AC3E}">
+        <p14:creationId xmlns:p14="http://schemas.microsoft.com/office/powerpoint/2010/main" val="3334862444"/>
       </p:ext>
     </p:extLst>
   </p:cSld>
@@ -11655,11 +10503,11 @@
   <p:clrMapOvr>
     <a:masterClrMapping/>
   </p:clrMapOvr>
-  <mc:AlternateContent xmlns:mc="http://schemas.openxmlformats.org/markup-compatibility/2006">
-    <mc:Choice xmlns:p14="http://schemas.microsoft.com/office/powerpoint/2010/main" Requires="p14">
+  <mc:AlternateContent xmlns:mc="http://schemas.openxmlformats.org/markup-compatibility/2006" xmlns:p14="http://schemas.microsoft.com/office/powerpoint/2010/main">
+    <mc:Choice Requires="p14">
       <p:transition spd="slow" p14:dur="2000"/>
     </mc:Choice>
-    <mc:Fallback>
+    <mc:Fallback xmlns="">
       <p:transition spd="slow"/>
     </mc:Fallback>
   </mc:AlternateContent>
@@ -11667,231 +10515,6 @@
 </file>
 
 <file path=ppt/slides/slide20.xml><?xml version="1.0" encoding="utf-8"?>
-<p:sld xmlns:a="http://schemas.openxmlformats.org/drawingml/2006/main" xmlns:r="http://schemas.openxmlformats.org/officeDocument/2006/relationships" xmlns:p="http://schemas.openxmlformats.org/presentationml/2006/main">
-  <p:cSld>
-    <p:spTree>
-      <p:nvGrpSpPr>
-        <p:cNvPr id="1" name="Shape 232"/>
-        <p:cNvGrpSpPr/>
-        <p:nvPr/>
-      </p:nvGrpSpPr>
-      <p:grpSpPr>
-        <a:xfrm>
-          <a:off x="0" y="0"/>
-          <a:ext cx="0" cy="0"/>
-          <a:chOff x="0" y="0"/>
-          <a:chExt cx="0" cy="0"/>
-        </a:xfrm>
-      </p:grpSpPr>
-      <p:sp>
-        <p:nvSpPr>
-          <p:cNvPr id="233" name="Google Shape;233;p31"/>
-          <p:cNvSpPr txBox="1">
-            <a:spLocks noGrp="1"/>
-          </p:cNvSpPr>
-          <p:nvPr>
-            <p:ph type="title"/>
-          </p:nvPr>
-        </p:nvSpPr>
-        <p:spPr>
-          <a:xfrm>
-            <a:off x="415600" y="679092"/>
-            <a:ext cx="11360800" cy="763600"/>
-          </a:xfrm>
-        </p:spPr>
-        <p:txBody>
-          <a:bodyPr>
-            <a:normAutofit fontScale="90000"/>
-          </a:bodyPr>
-          <a:lstStyle/>
-          <a:p>
-            <a:pPr lvl="0"/>
-            <a:r>
-              <a:rPr lang="en-US" dirty="0"/>
-              <a:t>Population growth models – </a:t>
-            </a:r>
-            <a:br>
-              <a:rPr lang="en-US" dirty="0"/>
-            </a:br>
-            <a:r>
-              <a:rPr lang="en-US" sz="3600" dirty="0"/>
-              <a:t>complicated demographic projections can be useful for your SSA</a:t>
-            </a:r>
-          </a:p>
-          <a:p>
-            <a:pPr lvl="0"/>
-            <a:r>
-              <a:rPr lang="en-US" dirty="0"/>
-              <a:t>	</a:t>
-            </a:r>
-          </a:p>
-        </p:txBody>
-      </p:sp>
-      <p:sp>
-        <p:nvSpPr>
-          <p:cNvPr id="6" name="Text Placeholder 5">
-            <a:extLst>
-              <a:ext uri="{FF2B5EF4-FFF2-40B4-BE49-F238E27FC236}">
-                <a16:creationId xmlns:a16="http://schemas.microsoft.com/office/drawing/2014/main" id="{ADFA3F7A-E712-4E1D-A725-33E45C7B59B9}"/>
-              </a:ext>
-            </a:extLst>
-          </p:cNvPr>
-          <p:cNvSpPr>
-            <a:spLocks noGrp="1"/>
-          </p:cNvSpPr>
-          <p:nvPr>
-            <p:ph type="body" idx="1"/>
-          </p:nvPr>
-        </p:nvSpPr>
-        <p:spPr/>
-        <p:txBody>
-          <a:bodyPr/>
-          <a:lstStyle/>
-          <a:p>
-            <a:endParaRPr lang="en-US"/>
-          </a:p>
-        </p:txBody>
-      </p:sp>
-      <p:pic>
-        <p:nvPicPr>
-          <p:cNvPr id="234" name="Google Shape;234;p31" descr="Screenshot 2017-09-15 10.01.41.png"/>
-          <p:cNvPicPr preferRelativeResize="0"/>
-          <p:nvPr/>
-        </p:nvPicPr>
-        <p:blipFill>
-          <a:blip r:embed="rId3">
-            <a:alphaModFix/>
-          </a:blip>
-          <a:stretch>
-            <a:fillRect/>
-          </a:stretch>
-        </p:blipFill>
-        <p:spPr>
-          <a:xfrm>
-            <a:off x="322485" y="1692316"/>
-            <a:ext cx="8035599" cy="4686433"/>
-          </a:xfrm>
-          <a:prstGeom prst="rect">
-            <a:avLst/>
-          </a:prstGeom>
-          <a:noFill/>
-          <a:ln>
-            <a:noFill/>
-          </a:ln>
-        </p:spPr>
-      </p:pic>
-      <p:sp>
-        <p:nvSpPr>
-          <p:cNvPr id="235" name="Google Shape;235;p31"/>
-          <p:cNvSpPr txBox="1"/>
-          <p:nvPr/>
-        </p:nvSpPr>
-        <p:spPr>
-          <a:xfrm>
-            <a:off x="8358084" y="1988233"/>
-            <a:ext cx="3192400" cy="1826000"/>
-          </a:xfrm>
-          <a:prstGeom prst="rect">
-            <a:avLst/>
-          </a:prstGeom>
-          <a:noFill/>
-          <a:ln>
-            <a:noFill/>
-          </a:ln>
-        </p:spPr>
-        <p:txBody>
-          <a:bodyPr spcFirstLastPara="1" wrap="square" lIns="121900" tIns="121900" rIns="121900" bIns="121900" anchor="t" anchorCtr="0">
-            <a:noAutofit/>
-          </a:bodyPr>
-          <a:lstStyle/>
-          <a:p>
-            <a:pPr lvl="0"/>
-            <a:r>
-              <a:rPr lang="en-US" sz="2400" dirty="0"/>
-              <a:t>Historic and Current!</a:t>
-            </a:r>
-          </a:p>
-          <a:p>
-            <a:pPr lvl="0"/>
-            <a:endParaRPr lang="en-US" sz="2400" dirty="0"/>
-          </a:p>
-          <a:p>
-            <a:pPr lvl="0"/>
-            <a:r>
-              <a:rPr lang="en-US" sz="2400" dirty="0"/>
-              <a:t>You could also use the trends to estimate the future condition!</a:t>
-            </a:r>
-          </a:p>
-        </p:txBody>
-      </p:sp>
-      <p:sp>
-        <p:nvSpPr>
-          <p:cNvPr id="5" name="Google Shape;220;p29"/>
-          <p:cNvSpPr txBox="1"/>
-          <p:nvPr/>
-        </p:nvSpPr>
-        <p:spPr>
-          <a:xfrm>
-            <a:off x="9032967" y="5541867"/>
-            <a:ext cx="3942400" cy="763600"/>
-          </a:xfrm>
-          <a:prstGeom prst="rect">
-            <a:avLst/>
-          </a:prstGeom>
-          <a:noFill/>
-          <a:ln>
-            <a:noFill/>
-          </a:ln>
-        </p:spPr>
-        <p:txBody>
-          <a:bodyPr spcFirstLastPara="1" wrap="square" lIns="121900" tIns="121900" rIns="121900" bIns="121900" anchor="ctr" anchorCtr="0">
-            <a:noAutofit/>
-          </a:bodyPr>
-          <a:lstStyle/>
-          <a:p>
-            <a:pPr>
-              <a:spcBef>
-                <a:spcPts val="667"/>
-              </a:spcBef>
-            </a:pPr>
-            <a:r>
-              <a:rPr lang="en" sz="1600" dirty="0">
-                <a:solidFill>
-                  <a:schemeClr val="dk1"/>
-                </a:solidFill>
-                <a:latin typeface="Times New Roman"/>
-                <a:ea typeface="Times New Roman"/>
-                <a:cs typeface="Times New Roman"/>
-                <a:sym typeface="Times New Roman"/>
-              </a:rPr>
-              <a:t>(Zipkin et al. 2017. Ecology.)</a:t>
-            </a:r>
-            <a:endParaRPr sz="1600" dirty="0">
-              <a:solidFill>
-                <a:schemeClr val="dk1"/>
-              </a:solidFill>
-              <a:latin typeface="Times New Roman"/>
-              <a:ea typeface="Times New Roman"/>
-              <a:cs typeface="Times New Roman"/>
-              <a:sym typeface="Times New Roman"/>
-            </a:endParaRPr>
-          </a:p>
-        </p:txBody>
-      </p:sp>
-    </p:spTree>
-    <p:extLst>
-      <p:ext uri="{BB962C8B-B14F-4D97-AF65-F5344CB8AC3E}">
-        <p14:creationId xmlns:p14="http://schemas.microsoft.com/office/powerpoint/2010/main" val="3334862444"/>
-      </p:ext>
-    </p:extLst>
-  </p:cSld>
-  <p:clrMapOvr>
-    <a:masterClrMapping/>
-  </p:clrMapOvr>
-</p:sld>
-</file>
-
-<file path=ppt/slides/slide21.xml><?xml version="1.0" encoding="utf-8"?>
 <p:sld xmlns:a="http://schemas.openxmlformats.org/drawingml/2006/main" xmlns:r="http://schemas.openxmlformats.org/officeDocument/2006/relationships" xmlns:p="http://schemas.openxmlformats.org/presentationml/2006/main">
   <p:cSld>
     <p:spTree>
@@ -12010,7 +10633,7 @@
 </p:sld>
 </file>
 
-<file path=ppt/slides/slide22.xml><?xml version="1.0" encoding="utf-8"?>
+<file path=ppt/slides/slide21.xml><?xml version="1.0" encoding="utf-8"?>
 <p:sld xmlns:a="http://schemas.openxmlformats.org/drawingml/2006/main" xmlns:r="http://schemas.openxmlformats.org/officeDocument/2006/relationships" xmlns:p="http://schemas.openxmlformats.org/presentationml/2006/main">
   <p:cSld>
     <p:spTree>
@@ -12032,7 +10655,7 @@
           <p:cNvPr id="2" name="Title 1">
             <a:extLst>
               <a:ext uri="{FF2B5EF4-FFF2-40B4-BE49-F238E27FC236}">
-                <a16:creationId xmlns:a16="http://schemas.microsoft.com/office/drawing/2014/main" id="{1D3A7750-7C10-49BD-9704-51C3D1C46C96}"/>
+                <a16:creationId xmlns:a16="http://schemas.microsoft.com/office/drawing/2014/main" xmlns="" id="{1D3A7750-7C10-49BD-9704-51C3D1C46C96}"/>
               </a:ext>
             </a:extLst>
           </p:cNvPr>
@@ -12057,7 +10680,7 @@
           <p:cNvPr id="3" name="Content Placeholder 2">
             <a:extLst>
               <a:ext uri="{FF2B5EF4-FFF2-40B4-BE49-F238E27FC236}">
-                <a16:creationId xmlns:a16="http://schemas.microsoft.com/office/drawing/2014/main" id="{CE9FDAF5-FCEB-4FFF-AD00-D6AC24AD43BB}"/>
+                <a16:creationId xmlns:a16="http://schemas.microsoft.com/office/drawing/2014/main" xmlns="" id="{CE9FDAF5-FCEB-4FFF-AD00-D6AC24AD43BB}"/>
               </a:ext>
             </a:extLst>
           </p:cNvPr>
@@ -12091,188 +10714,6 @@
 </file>
 
 <file path=ppt/slides/slide3.xml><?xml version="1.0" encoding="utf-8"?>
-<p:sld xmlns:a="http://schemas.openxmlformats.org/drawingml/2006/main" xmlns:r="http://schemas.openxmlformats.org/officeDocument/2006/relationships" xmlns:p="http://schemas.openxmlformats.org/presentationml/2006/main" show="0">
-  <p:cSld>
-    <p:spTree>
-      <p:nvGrpSpPr>
-        <p:cNvPr id="1" name="Shape 127"/>
-        <p:cNvGrpSpPr/>
-        <p:nvPr/>
-      </p:nvGrpSpPr>
-      <p:grpSpPr>
-        <a:xfrm>
-          <a:off x="0" y="0"/>
-          <a:ext cx="0" cy="0"/>
-          <a:chOff x="0" y="0"/>
-          <a:chExt cx="0" cy="0"/>
-        </a:xfrm>
-      </p:grpSpPr>
-      <p:sp>
-        <p:nvSpPr>
-          <p:cNvPr id="128" name="Google Shape;128;p18"/>
-          <p:cNvSpPr txBox="1">
-            <a:spLocks noGrp="1"/>
-          </p:cNvSpPr>
-          <p:nvPr>
-            <p:ph type="title"/>
-          </p:nvPr>
-        </p:nvSpPr>
-        <p:spPr/>
-        <p:txBody>
-          <a:bodyPr/>
-          <a:lstStyle/>
-          <a:p>
-            <a:pPr lvl="0"/>
-            <a:r>
-              <a:rPr lang="en-US"/>
-              <a:t>Population growth models - classic</a:t>
-            </a:r>
-          </a:p>
-          <a:p>
-            <a:pPr lvl="0"/>
-            <a:endParaRPr lang="en-US"/>
-          </a:p>
-        </p:txBody>
-      </p:sp>
-      <p:sp>
-        <p:nvSpPr>
-          <p:cNvPr id="5" name="Text Placeholder 4">
-            <a:extLst>
-              <a:ext uri="{FF2B5EF4-FFF2-40B4-BE49-F238E27FC236}">
-                <a16:creationId xmlns:a16="http://schemas.microsoft.com/office/drawing/2014/main" id="{3FCD2B43-992B-40F2-948D-44F844E1E20A}"/>
-              </a:ext>
-            </a:extLst>
-          </p:cNvPr>
-          <p:cNvSpPr>
-            <a:spLocks noGrp="1"/>
-          </p:cNvSpPr>
-          <p:nvPr>
-            <p:ph type="body" idx="1"/>
-          </p:nvPr>
-        </p:nvSpPr>
-        <p:spPr/>
-        <p:txBody>
-          <a:bodyPr/>
-          <a:lstStyle/>
-          <a:p>
-            <a:endParaRPr lang="en-US"/>
-          </a:p>
-        </p:txBody>
-      </p:sp>
-      <p:pic>
-        <p:nvPicPr>
-          <p:cNvPr id="129" name="Google Shape;129;p18"/>
-          <p:cNvPicPr preferRelativeResize="0"/>
-          <p:nvPr/>
-        </p:nvPicPr>
-        <p:blipFill>
-          <a:blip r:embed="rId3">
-            <a:alphaModFix/>
-          </a:blip>
-          <a:stretch>
-            <a:fillRect/>
-          </a:stretch>
-        </p:blipFill>
-        <p:spPr>
-          <a:xfrm>
-            <a:off x="799434" y="1536633"/>
-            <a:ext cx="8777199" cy="4282067"/>
-          </a:xfrm>
-          <a:prstGeom prst="rect">
-            <a:avLst/>
-          </a:prstGeom>
-          <a:noFill/>
-          <a:ln>
-            <a:noFill/>
-          </a:ln>
-        </p:spPr>
-      </p:pic>
-      <p:sp>
-        <p:nvSpPr>
-          <p:cNvPr id="130" name="Google Shape;130;p18"/>
-          <p:cNvSpPr txBox="1"/>
-          <p:nvPr/>
-        </p:nvSpPr>
-        <p:spPr>
-          <a:xfrm>
-            <a:off x="1131267" y="1011767"/>
-            <a:ext cx="8020800" cy="345200"/>
-          </a:xfrm>
-          <a:prstGeom prst="rect">
-            <a:avLst/>
-          </a:prstGeom>
-          <a:noFill/>
-          <a:ln>
-            <a:noFill/>
-          </a:ln>
-        </p:spPr>
-        <p:txBody>
-          <a:bodyPr spcFirstLastPara="1" wrap="square" lIns="121900" tIns="121900" rIns="121900" bIns="121900" anchor="ctr" anchorCtr="0">
-            <a:noAutofit/>
-          </a:bodyPr>
-          <a:lstStyle/>
-          <a:p>
-            <a:r>
-              <a:rPr lang="en" sz="1600">
-                <a:solidFill>
-                  <a:schemeClr val="dk1"/>
-                </a:solidFill>
-                <a:latin typeface="Times New Roman"/>
-                <a:ea typeface="Times New Roman"/>
-                <a:cs typeface="Times New Roman"/>
-                <a:sym typeface="Times New Roman"/>
-              </a:rPr>
-              <a:t>Exponential growth curves are some of the </a:t>
-            </a:r>
-            <a:endParaRPr sz="1600">
-              <a:solidFill>
-                <a:schemeClr val="dk1"/>
-              </a:solidFill>
-              <a:latin typeface="Times New Roman"/>
-              <a:ea typeface="Times New Roman"/>
-              <a:cs typeface="Times New Roman"/>
-              <a:sym typeface="Times New Roman"/>
-            </a:endParaRPr>
-          </a:p>
-          <a:p>
-            <a:r>
-              <a:rPr lang="en" sz="1600">
-                <a:solidFill>
-                  <a:schemeClr val="dk1"/>
-                </a:solidFill>
-                <a:latin typeface="Times New Roman"/>
-                <a:ea typeface="Times New Roman"/>
-                <a:cs typeface="Times New Roman"/>
-                <a:sym typeface="Times New Roman"/>
-              </a:rPr>
-              <a:t>foundations of metapopulation theory; minimum viable population</a:t>
-            </a:r>
-            <a:endParaRPr sz="2400"/>
-          </a:p>
-        </p:txBody>
-      </p:sp>
-    </p:spTree>
-    <p:extLst>
-      <p:ext uri="{BB962C8B-B14F-4D97-AF65-F5344CB8AC3E}">
-        <p14:creationId xmlns:p14="http://schemas.microsoft.com/office/powerpoint/2010/main" val="2871581841"/>
-      </p:ext>
-    </p:extLst>
-  </p:cSld>
-  <p:clrMapOvr>
-    <a:masterClrMapping/>
-  </p:clrMapOvr>
-  <mc:AlternateContent xmlns:mc="http://schemas.openxmlformats.org/markup-compatibility/2006">
-    <mc:Choice xmlns:p14="http://schemas.microsoft.com/office/powerpoint/2010/main" Requires="p14">
-      <p:transition spd="slow" p14:dur="2000"/>
-    </mc:Choice>
-    <mc:Fallback>
-      <p:transition spd="slow"/>
-    </mc:Fallback>
-  </mc:AlternateContent>
-</p:sld>
-</file>
-
-<file path=ppt/slides/slide4.xml><?xml version="1.0" encoding="utf-8"?>
 <p:sld xmlns:a="http://schemas.openxmlformats.org/drawingml/2006/main" xmlns:r="http://schemas.openxmlformats.org/officeDocument/2006/relationships" xmlns:p="http://schemas.openxmlformats.org/presentationml/2006/main">
   <p:cSld>
     <p:spTree>
@@ -12488,7 +10929,7 @@
 </p:sld>
 </file>
 
-<file path=ppt/slides/slide5.xml><?xml version="1.0" encoding="utf-8"?>
+<file path=ppt/slides/slide4.xml><?xml version="1.0" encoding="utf-8"?>
 <p:sld xmlns:a="http://schemas.openxmlformats.org/drawingml/2006/main" xmlns:r="http://schemas.openxmlformats.org/officeDocument/2006/relationships" xmlns:p="http://schemas.openxmlformats.org/presentationml/2006/main">
   <p:cSld>
     <p:spTree>
@@ -12654,7 +11095,7 @@
 </p:sld>
 </file>
 
-<file path=ppt/slides/slide6.xml><?xml version="1.0" encoding="utf-8"?>
+<file path=ppt/slides/slide5.xml><?xml version="1.0" encoding="utf-8"?>
 <p:sld xmlns:a="http://schemas.openxmlformats.org/drawingml/2006/main" xmlns:r="http://schemas.openxmlformats.org/officeDocument/2006/relationships" xmlns:p="http://schemas.openxmlformats.org/presentationml/2006/main">
   <p:cSld>
     <p:spTree>
@@ -12972,7 +11413,7 @@
 </p:sld>
 </file>
 
-<file path=ppt/slides/slide7.xml><?xml version="1.0" encoding="utf-8"?>
+<file path=ppt/slides/slide6.xml><?xml version="1.0" encoding="utf-8"?>
 <p:sld xmlns:a="http://schemas.openxmlformats.org/drawingml/2006/main" xmlns:r="http://schemas.openxmlformats.org/officeDocument/2006/relationships" xmlns:p="http://schemas.openxmlformats.org/presentationml/2006/main">
   <p:cSld>
     <p:spTree>
@@ -13142,7 +11583,7 @@
         <p:spPr>
           <a:xfrm>
             <a:off x="1125199" y="2026871"/>
-            <a:ext cx="4970801" cy="2424273"/>
+            <a:ext cx="4970801" cy="3821127"/>
           </a:xfrm>
           <a:prstGeom prst="rect">
             <a:avLst/>
@@ -13389,7 +11830,19 @@
                 <a:cs typeface="Times New Roman"/>
                 <a:sym typeface="Times New Roman"/>
               </a:rPr>
-              <a:t>r - intrinsic growth rate (births - deaths)</a:t>
+              <a:t>r - intrinsic growth rate (births - deaths</a:t>
+            </a:r>
+            <a:r>
+              <a:rPr lang="en" sz="2000" dirty="0" smtClean="0">
+                <a:solidFill>
+                  <a:schemeClr val="dk1"/>
+                </a:solidFill>
+                <a:latin typeface="+mj-lt"/>
+                <a:ea typeface="Times New Roman"/>
+                <a:cs typeface="Times New Roman"/>
+                <a:sym typeface="Times New Roman"/>
+              </a:rPr>
+              <a:t>)</a:t>
             </a:r>
             <a:endParaRPr sz="2000" dirty="0">
               <a:solidFill>
@@ -13403,6 +11856,9 @@
           </a:p>
           <a:p>
             <a:pPr>
+              <a:spcBef>
+                <a:spcPts val="667"/>
+              </a:spcBef>
               <a:buClr>
                 <a:schemeClr val="dk1"/>
               </a:buClr>
@@ -13477,7 +11933,7 @@
 </p:sld>
 </file>
 
-<file path=ppt/slides/slide8.xml><?xml version="1.0" encoding="utf-8"?>
+<file path=ppt/slides/slide7.xml><?xml version="1.0" encoding="utf-8"?>
 <p:sld xmlns:a="http://schemas.openxmlformats.org/drawingml/2006/main" xmlns:r="http://schemas.openxmlformats.org/officeDocument/2006/relationships" xmlns:p="http://schemas.openxmlformats.org/presentationml/2006/main">
   <p:cSld>
     <p:spTree>
@@ -13499,7 +11955,7 @@
           <p:cNvPr id="6" name="Title 5">
             <a:extLst>
               <a:ext uri="{FF2B5EF4-FFF2-40B4-BE49-F238E27FC236}">
-                <a16:creationId xmlns:a16="http://schemas.microsoft.com/office/drawing/2014/main" id="{0354DEB9-75AF-4C3E-8037-09F024C1C059}"/>
+                <a16:creationId xmlns:a16="http://schemas.microsoft.com/office/drawing/2014/main" xmlns="" id="{0354DEB9-75AF-4C3E-8037-09F024C1C059}"/>
               </a:ext>
             </a:extLst>
           </p:cNvPr>
@@ -13524,7 +11980,7 @@
           <p:cNvPr id="7" name="Text Placeholder 6">
             <a:extLst>
               <a:ext uri="{FF2B5EF4-FFF2-40B4-BE49-F238E27FC236}">
-                <a16:creationId xmlns:a16="http://schemas.microsoft.com/office/drawing/2014/main" id="{A440302E-611B-4E58-8BCB-2C66426DB794}"/>
+                <a16:creationId xmlns:a16="http://schemas.microsoft.com/office/drawing/2014/main" xmlns="" id="{A440302E-611B-4E58-8BCB-2C66426DB794}"/>
               </a:ext>
             </a:extLst>
           </p:cNvPr>
@@ -13587,7 +12043,7 @@
 </p:sld>
 </file>
 
-<file path=ppt/slides/slide9.xml><?xml version="1.0" encoding="utf-8"?>
+<file path=ppt/slides/slide8.xml><?xml version="1.0" encoding="utf-8"?>
 <p:sld xmlns:a="http://schemas.openxmlformats.org/drawingml/2006/main" xmlns:r="http://schemas.openxmlformats.org/officeDocument/2006/relationships" xmlns:p="http://schemas.openxmlformats.org/presentationml/2006/main">
   <p:cSld>
     <p:spTree>
@@ -14000,6 +12456,116 @@
     <p:extLst>
       <p:ext uri="{BB962C8B-B14F-4D97-AF65-F5344CB8AC3E}">
         <p14:creationId xmlns:p14="http://schemas.microsoft.com/office/powerpoint/2010/main" val="1605472454"/>
+      </p:ext>
+    </p:extLst>
+  </p:cSld>
+  <p:clrMapOvr>
+    <a:masterClrMapping/>
+  </p:clrMapOvr>
+</p:sld>
+</file>
+
+<file path=ppt/slides/slide9.xml><?xml version="1.0" encoding="utf-8"?>
+<p:sld xmlns:a="http://schemas.openxmlformats.org/drawingml/2006/main" xmlns:r="http://schemas.openxmlformats.org/officeDocument/2006/relationships" xmlns:p="http://schemas.openxmlformats.org/presentationml/2006/main">
+  <p:cSld>
+    <p:spTree>
+      <p:nvGrpSpPr>
+        <p:cNvPr id="1" name=""/>
+        <p:cNvGrpSpPr/>
+        <p:nvPr/>
+      </p:nvGrpSpPr>
+      <p:grpSpPr>
+        <a:xfrm>
+          <a:off x="0" y="0"/>
+          <a:ext cx="0" cy="0"/>
+          <a:chOff x="0" y="0"/>
+          <a:chExt cx="0" cy="0"/>
+        </a:xfrm>
+      </p:grpSpPr>
+      <p:sp>
+        <p:nvSpPr>
+          <p:cNvPr id="6" name="Title 5">
+            <a:extLst>
+              <a:ext uri="{FF2B5EF4-FFF2-40B4-BE49-F238E27FC236}">
+                <a16:creationId xmlns:a16="http://schemas.microsoft.com/office/drawing/2014/main" xmlns="" id="{0FD1DA44-B07C-4B09-ADFC-A208D2C2431A}"/>
+              </a:ext>
+            </a:extLst>
+          </p:cNvPr>
+          <p:cNvSpPr>
+            <a:spLocks noGrp="1"/>
+          </p:cNvSpPr>
+          <p:nvPr>
+            <p:ph type="title"/>
+          </p:nvPr>
+        </p:nvSpPr>
+        <p:spPr/>
+        <p:txBody>
+          <a:bodyPr/>
+          <a:lstStyle/>
+          <a:p>
+            <a:endParaRPr lang="en-US"/>
+          </a:p>
+        </p:txBody>
+      </p:sp>
+      <p:sp>
+        <p:nvSpPr>
+          <p:cNvPr id="7" name="Text Placeholder 6">
+            <a:extLst>
+              <a:ext uri="{FF2B5EF4-FFF2-40B4-BE49-F238E27FC236}">
+                <a16:creationId xmlns:a16="http://schemas.microsoft.com/office/drawing/2014/main" xmlns="" id="{5F44D9DE-BB02-48E0-A7B3-7C6F25CBD060}"/>
+              </a:ext>
+            </a:extLst>
+          </p:cNvPr>
+          <p:cNvSpPr>
+            <a:spLocks noGrp="1"/>
+          </p:cNvSpPr>
+          <p:nvPr>
+            <p:ph type="body" idx="1"/>
+          </p:nvPr>
+        </p:nvSpPr>
+        <p:spPr/>
+        <p:txBody>
+          <a:bodyPr/>
+          <a:lstStyle/>
+          <a:p>
+            <a:endParaRPr lang="en-US"/>
+          </a:p>
+        </p:txBody>
+      </p:sp>
+      <p:pic>
+        <p:nvPicPr>
+          <p:cNvPr id="4" name="Picture 3"/>
+          <p:cNvPicPr>
+            <a:picLocks noChangeAspect="1"/>
+          </p:cNvPicPr>
+          <p:nvPr/>
+        </p:nvPicPr>
+        <p:blipFill>
+          <a:blip r:embed="rId2">
+            <a:extLst>
+              <a:ext uri="{28A0092B-C50C-407E-A947-70E740481C1C}">
+                <a14:useLocalDpi xmlns:a14="http://schemas.microsoft.com/office/drawing/2010/main" val="0"/>
+              </a:ext>
+            </a:extLst>
+          </a:blip>
+          <a:stretch>
+            <a:fillRect/>
+          </a:stretch>
+        </p:blipFill>
+        <p:spPr>
+          <a:xfrm>
+            <a:off x="482498" y="667353"/>
+            <a:ext cx="10952317" cy="4826444"/>
+          </a:xfrm>
+          <a:prstGeom prst="rect">
+            <a:avLst/>
+          </a:prstGeom>
+        </p:spPr>
+      </p:pic>
+    </p:spTree>
+    <p:extLst>
+      <p:ext uri="{BB962C8B-B14F-4D97-AF65-F5344CB8AC3E}">
+        <p14:creationId xmlns:p14="http://schemas.microsoft.com/office/powerpoint/2010/main" val="1966895146"/>
       </p:ext>
     </p:extLst>
   </p:cSld>
